--- a/week21進度報告.pptx
+++ b/week21進度報告.pptx
@@ -9,6 +9,11 @@
     <p:sldId id="257" r:id="rId3"/>
     <p:sldId id="258" r:id="rId4"/>
     <p:sldId id="259" r:id="rId5"/>
+    <p:sldId id="260" r:id="rId6"/>
+    <p:sldId id="261" r:id="rId7"/>
+    <p:sldId id="262" r:id="rId8"/>
+    <p:sldId id="263" r:id="rId9"/>
+    <p:sldId id="264" r:id="rId10"/>
   </p:sldIdLst>
   <p:sldSz cx="12192000" cy="6858000"/>
   <p:notesSz cx="6858000" cy="9144000"/>
@@ -107,6 +112,11 @@
       </a:defRPr>
     </a:lvl9pPr>
   </p:defaultTextStyle>
+  <p:extLst>
+    <p:ext uri="{EFAFB233-063F-42B5-8137-9DF3F51BA10A}">
+      <p15:sldGuideLst xmlns:p15="http://schemas.microsoft.com/office/powerpoint/2012/main"/>
+    </p:ext>
+  </p:extLst>
 </p:presentation>
 </file>
 
@@ -3599,27 +3609,309 @@
       </p:sp>
       <p:sp>
         <p:nvSpPr>
-          <p:cNvPr id="3" name="內容版面配置區 2">
-            <a:extLst>
-              <a:ext uri="{FF2B5EF4-FFF2-40B4-BE49-F238E27FC236}">
-                <a16:creationId xmlns:a16="http://schemas.microsoft.com/office/drawing/2014/main" id="{1DCA077B-5710-0CA0-2D9C-BBA15C5A1F07}"/>
-              </a:ext>
-            </a:extLst>
-          </p:cNvPr>
-          <p:cNvSpPr>
-            <a:spLocks noGrp="1"/>
-          </p:cNvSpPr>
-          <p:nvPr>
-            <p:ph idx="1"/>
-          </p:nvPr>
-        </p:nvSpPr>
-        <p:spPr/>
-        <p:txBody>
-          <a:bodyPr/>
-          <a:lstStyle/>
-          <a:p>
-            <a:pPr algn="r"/>
-            <a:endParaRPr lang="zh-TW" altLang="en-US"/>
+          <p:cNvPr id="4" name="文字方塊 3">
+            <a:extLst>
+              <a:ext uri="{FF2B5EF4-FFF2-40B4-BE49-F238E27FC236}">
+                <a16:creationId xmlns:a16="http://schemas.microsoft.com/office/drawing/2014/main" id="{F5B21B59-B44A-759F-E0ED-DBE3DA136B20}"/>
+              </a:ext>
+            </a:extLst>
+          </p:cNvPr>
+          <p:cNvSpPr txBox="1"/>
+          <p:nvPr/>
+        </p:nvSpPr>
+        <p:spPr>
+          <a:xfrm>
+            <a:off x="1419785" y="2655402"/>
+            <a:ext cx="9352430" cy="2677656"/>
+          </a:xfrm>
+          <a:prstGeom prst="rect">
+            <a:avLst/>
+          </a:prstGeom>
+          <a:noFill/>
+        </p:spPr>
+        <p:txBody>
+          <a:bodyPr wrap="square" rtlCol="0">
+            <a:spAutoFit/>
+          </a:bodyPr>
+          <a:lstStyle/>
+          <a:p>
+            <a:pPr algn="l" rtl="0" fontAlgn="base">
+              <a:buFont typeface="Arial" panose="020B0604020202020204" pitchFamily="34" charset="0"/>
+              <a:buChar char="•"/>
+            </a:pPr>
+            <a:r>
+              <a:rPr lang="zh-TW" altLang="zh-TW" sz="2500" b="0" i="0" u="none" strike="noStrike" dirty="0">
+                <a:solidFill>
+                  <a:srgbClr val="595959"/>
+                </a:solidFill>
+                <a:effectLst/>
+                <a:latin typeface="Arial" panose="020B0604020202020204" pitchFamily="34" charset="0"/>
+                <a:ea typeface="標楷體" panose="03000509000000000000" pitchFamily="65" charset="-120"/>
+              </a:rPr>
+              <a:t>生成器的輸出是透過條件來決定的，</a:t>
+            </a:r>
+            <a:r>
+              <a:rPr lang="en-US" altLang="zh-TW" sz="2500" b="0" i="0" u="none" strike="noStrike" dirty="0">
+                <a:solidFill>
+                  <a:srgbClr val="595959"/>
+                </a:solidFill>
+                <a:effectLst/>
+                <a:latin typeface="標楷體" panose="03000509000000000000" pitchFamily="65" charset="-120"/>
+              </a:rPr>
+              <a:t>conditional GAN </a:t>
+            </a:r>
+            <a:r>
+              <a:rPr lang="zh-TW" altLang="zh-TW" sz="2500" b="0" i="0" u="none" strike="noStrike" dirty="0">
+                <a:solidFill>
+                  <a:srgbClr val="595959"/>
+                </a:solidFill>
+                <a:effectLst/>
+                <a:latin typeface="Arial" panose="020B0604020202020204" pitchFamily="34" charset="0"/>
+                <a:ea typeface="標楷體" panose="03000509000000000000" pitchFamily="65" charset="-120"/>
+              </a:rPr>
+              <a:t>的一種。</a:t>
+            </a:r>
+            <a:r>
+              <a:rPr lang="en-US" altLang="zh-TW" sz="2500" b="0" i="0" dirty="0">
+                <a:solidFill>
+                  <a:srgbClr val="595959"/>
+                </a:solidFill>
+                <a:effectLst/>
+                <a:latin typeface="標楷體" panose="03000509000000000000" pitchFamily="65" charset="-120"/>
+              </a:rPr>
+              <a:t>​</a:t>
+            </a:r>
+            <a:endParaRPr lang="en-US" altLang="zh-TW" sz="2500" b="0" i="0" dirty="0">
+              <a:solidFill>
+                <a:srgbClr val="000000"/>
+              </a:solidFill>
+              <a:effectLst/>
+              <a:latin typeface="Arial" panose="020B0604020202020204" pitchFamily="34" charset="0"/>
+            </a:endParaRPr>
+          </a:p>
+          <a:p>
+            <a:pPr lvl="1" fontAlgn="base">
+              <a:buFont typeface="Arial" panose="020B0604020202020204" pitchFamily="34" charset="0"/>
+              <a:buChar char="•"/>
+            </a:pPr>
+            <a:r>
+              <a:rPr lang="zh-TW" altLang="zh-TW" sz="2500" b="0" i="0" u="none" strike="noStrike" dirty="0">
+                <a:solidFill>
+                  <a:srgbClr val="595959"/>
+                </a:solidFill>
+                <a:effectLst/>
+                <a:latin typeface="Arial" panose="020B0604020202020204" pitchFamily="34" charset="0"/>
+                <a:ea typeface="標楷體" panose="03000509000000000000" pitchFamily="65" charset="-120"/>
+              </a:rPr>
+              <a:t>條件在此為 </a:t>
+            </a:r>
+            <a:r>
+              <a:rPr lang="en-US" altLang="zh-TW" sz="2500" b="0" i="0" u="none" strike="noStrike" dirty="0">
+                <a:solidFill>
+                  <a:srgbClr val="595959"/>
+                </a:solidFill>
+                <a:effectLst/>
+                <a:latin typeface="標楷體" panose="03000509000000000000" pitchFamily="65" charset="-120"/>
+              </a:rPr>
+              <a:t>source image</a:t>
+            </a:r>
+            <a:r>
+              <a:rPr lang="en-US" altLang="zh-TW" sz="2500" b="0" i="0" dirty="0">
+                <a:solidFill>
+                  <a:srgbClr val="595959"/>
+                </a:solidFill>
+                <a:effectLst/>
+                <a:latin typeface="標楷體" panose="03000509000000000000" pitchFamily="65" charset="-120"/>
+              </a:rPr>
+              <a:t>​</a:t>
+            </a:r>
+            <a:endParaRPr lang="en-US" altLang="zh-TW" sz="2500" b="0" i="0" dirty="0">
+              <a:solidFill>
+                <a:srgbClr val="000000"/>
+              </a:solidFill>
+              <a:effectLst/>
+              <a:latin typeface="Arial" panose="020B0604020202020204" pitchFamily="34" charset="0"/>
+            </a:endParaRPr>
+          </a:p>
+          <a:p>
+            <a:pPr algn="l" rtl="0" fontAlgn="base">
+              <a:buFont typeface="Arial" panose="020B0604020202020204" pitchFamily="34" charset="0"/>
+              <a:buChar char="•"/>
+            </a:pPr>
+            <a:r>
+              <a:rPr lang="zh-TW" altLang="zh-TW" sz="2500" b="0" i="0" u="none" strike="noStrike" dirty="0">
+                <a:solidFill>
+                  <a:srgbClr val="595959"/>
+                </a:solidFill>
+                <a:effectLst/>
+                <a:latin typeface="Arial" panose="020B0604020202020204" pitchFamily="34" charset="0"/>
+                <a:ea typeface="標楷體" panose="03000509000000000000" pitchFamily="65" charset="-120"/>
+              </a:rPr>
+              <a:t>判斷器</a:t>
+            </a:r>
+            <a:r>
+              <a:rPr lang="en-US" altLang="zh-TW" sz="2500" b="0" i="0" dirty="0">
+                <a:solidFill>
+                  <a:srgbClr val="595959"/>
+                </a:solidFill>
+                <a:effectLst/>
+                <a:latin typeface="標楷體" panose="03000509000000000000" pitchFamily="65" charset="-120"/>
+              </a:rPr>
+              <a:t>​</a:t>
+            </a:r>
+            <a:endParaRPr lang="en-US" altLang="zh-TW" sz="2500" b="0" i="0" dirty="0">
+              <a:solidFill>
+                <a:srgbClr val="000000"/>
+              </a:solidFill>
+              <a:effectLst/>
+              <a:latin typeface="Arial" panose="020B0604020202020204" pitchFamily="34" charset="0"/>
+            </a:endParaRPr>
+          </a:p>
+          <a:p>
+            <a:pPr lvl="1" fontAlgn="base">
+              <a:buFont typeface="Arial" panose="020B0604020202020204" pitchFamily="34" charset="0"/>
+              <a:buChar char="•"/>
+            </a:pPr>
+            <a:r>
+              <a:rPr lang="en-US" altLang="zh-TW" sz="2500" b="0" i="0" u="none" strike="noStrike" dirty="0" err="1">
+                <a:solidFill>
+                  <a:srgbClr val="595959"/>
+                </a:solidFill>
+                <a:effectLst/>
+                <a:latin typeface="標楷體" panose="03000509000000000000" pitchFamily="65" charset="-120"/>
+              </a:rPr>
+              <a:t>PatchGAN</a:t>
+            </a:r>
+            <a:r>
+              <a:rPr lang="zh-TW" altLang="zh-TW" sz="2500" b="0" i="0" u="none" strike="noStrike" dirty="0">
+                <a:solidFill>
+                  <a:srgbClr val="595959"/>
+                </a:solidFill>
+                <a:effectLst/>
+                <a:latin typeface="Arial" panose="020B0604020202020204" pitchFamily="34" charset="0"/>
+                <a:ea typeface="標楷體" panose="03000509000000000000" pitchFamily="65" charset="-120"/>
+              </a:rPr>
+              <a:t> 判斷器</a:t>
+            </a:r>
+            <a:r>
+              <a:rPr lang="en-US" altLang="zh-TW" sz="2500" b="0" i="0" dirty="0">
+                <a:solidFill>
+                  <a:srgbClr val="595959"/>
+                </a:solidFill>
+                <a:effectLst/>
+                <a:latin typeface="標楷體" panose="03000509000000000000" pitchFamily="65" charset="-120"/>
+              </a:rPr>
+              <a:t>​</a:t>
+            </a:r>
+            <a:endParaRPr lang="en-US" altLang="zh-TW" sz="2500" b="0" i="0" dirty="0">
+              <a:solidFill>
+                <a:srgbClr val="000000"/>
+              </a:solidFill>
+              <a:effectLst/>
+              <a:latin typeface="Arial" panose="020B0604020202020204" pitchFamily="34" charset="0"/>
+            </a:endParaRPr>
+          </a:p>
+          <a:p>
+            <a:pPr algn="l" rtl="0" fontAlgn="base">
+              <a:buFont typeface="Arial" panose="020B0604020202020204" pitchFamily="34" charset="0"/>
+              <a:buChar char="•"/>
+            </a:pPr>
+            <a:r>
+              <a:rPr lang="zh-TW" altLang="zh-TW" sz="2500" b="0" i="0" u="none" strike="noStrike" dirty="0">
+                <a:solidFill>
+                  <a:srgbClr val="595959"/>
+                </a:solidFill>
+                <a:effectLst/>
+                <a:latin typeface="Arial" panose="020B0604020202020204" pitchFamily="34" charset="0"/>
+                <a:ea typeface="標楷體" panose="03000509000000000000" pitchFamily="65" charset="-120"/>
+              </a:rPr>
+              <a:t>生成器</a:t>
+            </a:r>
+            <a:r>
+              <a:rPr lang="en-US" altLang="zh-TW" sz="2500" b="0" i="0" dirty="0">
+                <a:solidFill>
+                  <a:srgbClr val="595959"/>
+                </a:solidFill>
+                <a:effectLst/>
+                <a:latin typeface="標楷體" panose="03000509000000000000" pitchFamily="65" charset="-120"/>
+              </a:rPr>
+              <a:t>​</a:t>
+            </a:r>
+            <a:endParaRPr lang="en-US" altLang="zh-TW" sz="2500" b="0" i="0" dirty="0">
+              <a:solidFill>
+                <a:srgbClr val="000000"/>
+              </a:solidFill>
+              <a:effectLst/>
+              <a:latin typeface="Arial" panose="020B0604020202020204" pitchFamily="34" charset="0"/>
+            </a:endParaRPr>
+          </a:p>
+          <a:p>
+            <a:pPr lvl="1" fontAlgn="base">
+              <a:buFont typeface="Arial" panose="020B0604020202020204" pitchFamily="34" charset="0"/>
+              <a:buChar char="•"/>
+            </a:pPr>
+            <a:r>
+              <a:rPr lang="en-US" altLang="zh-TW" sz="2500" b="0" i="0" u="none" strike="noStrike" dirty="0">
+                <a:solidFill>
+                  <a:srgbClr val="595959"/>
+                </a:solidFill>
+                <a:effectLst/>
+                <a:latin typeface="標楷體" panose="03000509000000000000" pitchFamily="65" charset="-120"/>
+              </a:rPr>
+              <a:t>U-Net</a:t>
+            </a:r>
+            <a:r>
+              <a:rPr lang="zh-TW" altLang="zh-TW" sz="2500" b="0" i="0" u="none" strike="noStrike" dirty="0">
+                <a:solidFill>
+                  <a:srgbClr val="595959"/>
+                </a:solidFill>
+                <a:effectLst/>
+                <a:latin typeface="Arial" panose="020B0604020202020204" pitchFamily="34" charset="0"/>
+                <a:ea typeface="標楷體" panose="03000509000000000000" pitchFamily="65" charset="-120"/>
+              </a:rPr>
+              <a:t> </a:t>
+            </a:r>
+            <a:r>
+              <a:rPr lang="en-US" altLang="zh-TW" sz="2500" b="0" i="0" u="none" strike="noStrike" dirty="0">
+                <a:solidFill>
+                  <a:srgbClr val="595959"/>
+                </a:solidFill>
+                <a:effectLst/>
+                <a:latin typeface="標楷體" panose="03000509000000000000" pitchFamily="65" charset="-120"/>
+              </a:rPr>
+              <a:t>encoder-decoder </a:t>
+            </a:r>
+            <a:r>
+              <a:rPr lang="zh-TW" altLang="zh-TW" sz="2500" b="0" i="0" u="none" strike="noStrike" dirty="0">
+                <a:solidFill>
+                  <a:srgbClr val="595959"/>
+                </a:solidFill>
+                <a:effectLst/>
+                <a:latin typeface="Arial" panose="020B0604020202020204" pitchFamily="34" charset="0"/>
+                <a:ea typeface="標楷體" panose="03000509000000000000" pitchFamily="65" charset="-120"/>
+              </a:rPr>
+              <a:t>生成器</a:t>
+            </a:r>
+            <a:r>
+              <a:rPr lang="en-US" altLang="zh-TW" sz="2500" b="0" i="0" dirty="0">
+                <a:solidFill>
+                  <a:srgbClr val="595959"/>
+                </a:solidFill>
+                <a:effectLst/>
+                <a:latin typeface="標楷體" panose="03000509000000000000" pitchFamily="65" charset="-120"/>
+              </a:rPr>
+              <a:t>​</a:t>
+            </a:r>
+            <a:endParaRPr lang="en-US" altLang="zh-TW" sz="2500" b="0" i="0" dirty="0">
+              <a:solidFill>
+                <a:srgbClr val="000000"/>
+              </a:solidFill>
+              <a:effectLst/>
+              <a:latin typeface="Arial" panose="020B0604020202020204" pitchFamily="34" charset="0"/>
+            </a:endParaRPr>
+          </a:p>
+          <a:p>
+            <a:endParaRPr lang="zh-TW" altLang="en-US" dirty="0"/>
           </a:p>
         </p:txBody>
       </p:sp>
@@ -3627,6 +3919,707 @@
     <p:extLst>
       <p:ext uri="{BB962C8B-B14F-4D97-AF65-F5344CB8AC3E}">
         <p14:creationId xmlns:p14="http://schemas.microsoft.com/office/powerpoint/2010/main" val="4090600650"/>
+      </p:ext>
+    </p:extLst>
+  </p:cSld>
+  <p:clrMapOvr>
+    <a:masterClrMapping/>
+  </p:clrMapOvr>
+</p:sld>
+</file>
+
+<file path=ppt/slides/slide5.xml><?xml version="1.0" encoding="utf-8"?>
+<p:sld xmlns:a="http://schemas.openxmlformats.org/drawingml/2006/main" xmlns:r="http://schemas.openxmlformats.org/officeDocument/2006/relationships" xmlns:p="http://schemas.openxmlformats.org/presentationml/2006/main">
+  <p:cSld>
+    <p:spTree>
+      <p:nvGrpSpPr>
+        <p:cNvPr id="1" name=""/>
+        <p:cNvGrpSpPr/>
+        <p:nvPr/>
+      </p:nvGrpSpPr>
+      <p:grpSpPr>
+        <a:xfrm>
+          <a:off x="0" y="0"/>
+          <a:ext cx="0" cy="0"/>
+          <a:chOff x="0" y="0"/>
+          <a:chExt cx="0" cy="0"/>
+        </a:xfrm>
+      </p:grpSpPr>
+      <p:sp>
+        <p:nvSpPr>
+          <p:cNvPr id="2" name="標題 1">
+            <a:extLst>
+              <a:ext uri="{FF2B5EF4-FFF2-40B4-BE49-F238E27FC236}">
+                <a16:creationId xmlns:a16="http://schemas.microsoft.com/office/drawing/2014/main" id="{C8D8ED0F-6AFE-FD0C-7B84-86F2F67001FE}"/>
+              </a:ext>
+            </a:extLst>
+          </p:cNvPr>
+          <p:cNvSpPr>
+            <a:spLocks noGrp="1"/>
+          </p:cNvSpPr>
+          <p:nvPr>
+            <p:ph type="title"/>
+          </p:nvPr>
+        </p:nvSpPr>
+        <p:spPr/>
+        <p:txBody>
+          <a:bodyPr/>
+          <a:lstStyle/>
+          <a:p>
+            <a:pPr algn="ctr"/>
+            <a:r>
+              <a:rPr lang="zh-TW" altLang="en-US" dirty="0">
+                <a:latin typeface="標楷體" panose="03000509000000000000" pitchFamily="65" charset="-120"/>
+                <a:ea typeface="標楷體" panose="03000509000000000000" pitchFamily="65" charset="-120"/>
+              </a:rPr>
+              <a:t>手動修正</a:t>
+            </a:r>
+          </a:p>
+        </p:txBody>
+      </p:sp>
+      <p:pic>
+        <p:nvPicPr>
+          <p:cNvPr id="5" name="內容版面配置區 4">
+            <a:extLst>
+              <a:ext uri="{FF2B5EF4-FFF2-40B4-BE49-F238E27FC236}">
+                <a16:creationId xmlns:a16="http://schemas.microsoft.com/office/drawing/2014/main" id="{BC0A3A4C-7189-78E0-5281-5F8CEA7C47E6}"/>
+              </a:ext>
+            </a:extLst>
+          </p:cNvPr>
+          <p:cNvPicPr>
+            <a:picLocks noGrp="1" noChangeAspect="1"/>
+          </p:cNvPicPr>
+          <p:nvPr>
+            <p:ph idx="1"/>
+          </p:nvPr>
+        </p:nvPicPr>
+        <p:blipFill rotWithShape="1">
+          <a:blip r:embed="rId2"/>
+          <a:srcRect r="39333"/>
+          <a:stretch/>
+        </p:blipFill>
+        <p:spPr>
+          <a:xfrm>
+            <a:off x="838200" y="1753907"/>
+            <a:ext cx="4693024" cy="4351338"/>
+          </a:xfrm>
+        </p:spPr>
+      </p:pic>
+      <p:sp>
+        <p:nvSpPr>
+          <p:cNvPr id="6" name="文字方塊 5">
+            <a:extLst>
+              <a:ext uri="{FF2B5EF4-FFF2-40B4-BE49-F238E27FC236}">
+                <a16:creationId xmlns:a16="http://schemas.microsoft.com/office/drawing/2014/main" id="{4CFA4188-3E97-719E-278B-1DE6A183A04D}"/>
+              </a:ext>
+            </a:extLst>
+          </p:cNvPr>
+          <p:cNvSpPr txBox="1"/>
+          <p:nvPr/>
+        </p:nvSpPr>
+        <p:spPr>
+          <a:xfrm flipH="1">
+            <a:off x="5953459" y="3532094"/>
+            <a:ext cx="5091058" cy="646331"/>
+          </a:xfrm>
+          <a:prstGeom prst="rect">
+            <a:avLst/>
+          </a:prstGeom>
+          <a:noFill/>
+        </p:spPr>
+        <p:txBody>
+          <a:bodyPr wrap="square" rtlCol="0">
+            <a:spAutoFit/>
+          </a:bodyPr>
+          <a:lstStyle/>
+          <a:p>
+            <a:r>
+              <a:rPr lang="zh-TW" altLang="en-US" dirty="0">
+                <a:latin typeface="標楷體" panose="03000509000000000000" pitchFamily="65" charset="-120"/>
+                <a:ea typeface="標楷體" panose="03000509000000000000" pitchFamily="65" charset="-120"/>
+              </a:rPr>
+              <a:t>基於上一頁所說，預計將拿八種錯誤的姿勢經過正規化，變成黑底白線的圖樣，並進行手動修正。</a:t>
+            </a:r>
+          </a:p>
+        </p:txBody>
+      </p:sp>
+    </p:spTree>
+    <p:extLst>
+      <p:ext uri="{BB962C8B-B14F-4D97-AF65-F5344CB8AC3E}">
+        <p14:creationId xmlns:p14="http://schemas.microsoft.com/office/powerpoint/2010/main" val="2652581726"/>
+      </p:ext>
+    </p:extLst>
+  </p:cSld>
+  <p:clrMapOvr>
+    <a:masterClrMapping/>
+  </p:clrMapOvr>
+</p:sld>
+</file>
+
+<file path=ppt/slides/slide6.xml><?xml version="1.0" encoding="utf-8"?>
+<p:sld xmlns:a="http://schemas.openxmlformats.org/drawingml/2006/main" xmlns:r="http://schemas.openxmlformats.org/officeDocument/2006/relationships" xmlns:p="http://schemas.openxmlformats.org/presentationml/2006/main">
+  <p:cSld>
+    <p:spTree>
+      <p:nvGrpSpPr>
+        <p:cNvPr id="1" name=""/>
+        <p:cNvGrpSpPr/>
+        <p:nvPr/>
+      </p:nvGrpSpPr>
+      <p:grpSpPr>
+        <a:xfrm>
+          <a:off x="0" y="0"/>
+          <a:ext cx="0" cy="0"/>
+          <a:chOff x="0" y="0"/>
+          <a:chExt cx="0" cy="0"/>
+        </a:xfrm>
+      </p:grpSpPr>
+      <p:sp>
+        <p:nvSpPr>
+          <p:cNvPr id="2" name="標題 1">
+            <a:extLst>
+              <a:ext uri="{FF2B5EF4-FFF2-40B4-BE49-F238E27FC236}">
+                <a16:creationId xmlns:a16="http://schemas.microsoft.com/office/drawing/2014/main" id="{677E27CA-69F2-51CD-869A-8561EA526E2C}"/>
+              </a:ext>
+            </a:extLst>
+          </p:cNvPr>
+          <p:cNvSpPr>
+            <a:spLocks noGrp="1"/>
+          </p:cNvSpPr>
+          <p:nvPr>
+            <p:ph type="title"/>
+          </p:nvPr>
+        </p:nvSpPr>
+        <p:spPr/>
+        <p:txBody>
+          <a:bodyPr/>
+          <a:lstStyle/>
+          <a:p>
+            <a:pPr algn="ctr"/>
+            <a:r>
+              <a:rPr lang="zh-TW" altLang="en-US" dirty="0">
+                <a:latin typeface="標楷體" panose="03000509000000000000" pitchFamily="65" charset="-120"/>
+                <a:ea typeface="標楷體" panose="03000509000000000000" pitchFamily="65" charset="-120"/>
+              </a:rPr>
+              <a:t>修正時機</a:t>
+            </a:r>
+          </a:p>
+        </p:txBody>
+      </p:sp>
+      <p:sp>
+        <p:nvSpPr>
+          <p:cNvPr id="9" name="內容版面配置區 8">
+            <a:extLst>
+              <a:ext uri="{FF2B5EF4-FFF2-40B4-BE49-F238E27FC236}">
+                <a16:creationId xmlns:a16="http://schemas.microsoft.com/office/drawing/2014/main" id="{4F747AF6-5E3D-A8DB-9CC2-3E5D5EF3D9A8}"/>
+              </a:ext>
+            </a:extLst>
+          </p:cNvPr>
+          <p:cNvSpPr>
+            <a:spLocks noGrp="1"/>
+          </p:cNvSpPr>
+          <p:nvPr>
+            <p:ph idx="1"/>
+          </p:nvPr>
+        </p:nvSpPr>
+        <p:spPr/>
+        <p:txBody>
+          <a:bodyPr/>
+          <a:lstStyle/>
+          <a:p>
+            <a:r>
+              <a:rPr lang="zh-TW" altLang="en-US" dirty="0">
+                <a:latin typeface="標楷體" panose="03000509000000000000" pitchFamily="65" charset="-120"/>
+                <a:ea typeface="標楷體" panose="03000509000000000000" pitchFamily="65" charset="-120"/>
+              </a:rPr>
+              <a:t>深蹲的準備動作依據每個人有不同的方式，為了好好的擷取我們所需要的影格，在使用者的深蹲影片裡，需要使用者</a:t>
+            </a:r>
+            <a:r>
+              <a:rPr lang="en-US" altLang="zh-TW" dirty="0">
+                <a:latin typeface="標楷體" panose="03000509000000000000" pitchFamily="65" charset="-120"/>
+                <a:ea typeface="標楷體" panose="03000509000000000000" pitchFamily="65" charset="-120"/>
+              </a:rPr>
+              <a:t>”</a:t>
+            </a:r>
+            <a:r>
+              <a:rPr lang="zh-TW" altLang="en-US" dirty="0">
+                <a:latin typeface="標楷體" panose="03000509000000000000" pitchFamily="65" charset="-120"/>
+                <a:ea typeface="標楷體" panose="03000509000000000000" pitchFamily="65" charset="-120"/>
+              </a:rPr>
+              <a:t>站立姿勢停頓一秒</a:t>
+            </a:r>
+            <a:r>
+              <a:rPr lang="en-US" altLang="zh-TW" dirty="0">
+                <a:latin typeface="標楷體" panose="03000509000000000000" pitchFamily="65" charset="-120"/>
+                <a:ea typeface="標楷體" panose="03000509000000000000" pitchFamily="65" charset="-120"/>
+              </a:rPr>
+              <a:t>”</a:t>
+            </a:r>
+            <a:r>
+              <a:rPr lang="zh-TW" altLang="en-US" dirty="0">
+                <a:latin typeface="標楷體" panose="03000509000000000000" pitchFamily="65" charset="-120"/>
+                <a:ea typeface="標楷體" panose="03000509000000000000" pitchFamily="65" charset="-120"/>
+              </a:rPr>
+              <a:t>後系統會擷取影格，再來使用者</a:t>
+            </a:r>
+            <a:r>
+              <a:rPr lang="en-US" altLang="zh-TW" dirty="0">
+                <a:latin typeface="標楷體" panose="03000509000000000000" pitchFamily="65" charset="-120"/>
+                <a:ea typeface="標楷體" panose="03000509000000000000" pitchFamily="65" charset="-120"/>
+              </a:rPr>
+              <a:t>”</a:t>
+            </a:r>
+            <a:r>
+              <a:rPr lang="zh-TW" altLang="en-US" dirty="0">
+                <a:latin typeface="標楷體" panose="03000509000000000000" pitchFamily="65" charset="-120"/>
+                <a:ea typeface="標楷體" panose="03000509000000000000" pitchFamily="65" charset="-120"/>
+              </a:rPr>
+              <a:t>蹲下去後到最底停頓一秒</a:t>
+            </a:r>
+            <a:r>
+              <a:rPr lang="en-US" altLang="zh-TW" dirty="0">
+                <a:latin typeface="標楷體" panose="03000509000000000000" pitchFamily="65" charset="-120"/>
+                <a:ea typeface="標楷體" panose="03000509000000000000" pitchFamily="65" charset="-120"/>
+              </a:rPr>
+              <a:t>”</a:t>
+            </a:r>
+            <a:r>
+              <a:rPr lang="zh-TW" altLang="en-US" dirty="0">
+                <a:latin typeface="標楷體" panose="03000509000000000000" pitchFamily="65" charset="-120"/>
+                <a:ea typeface="標楷體" panose="03000509000000000000" pitchFamily="65" charset="-120"/>
+              </a:rPr>
+              <a:t>，一樣系統擷取影格。</a:t>
+            </a:r>
+            <a:endParaRPr lang="en-US" altLang="zh-TW" dirty="0">
+              <a:latin typeface="標楷體" panose="03000509000000000000" pitchFamily="65" charset="-120"/>
+              <a:ea typeface="標楷體" panose="03000509000000000000" pitchFamily="65" charset="-120"/>
+            </a:endParaRPr>
+          </a:p>
+          <a:p>
+            <a:r>
+              <a:rPr lang="zh-TW" altLang="en-US" dirty="0">
+                <a:latin typeface="標楷體" panose="03000509000000000000" pitchFamily="65" charset="-120"/>
+                <a:ea typeface="標楷體" panose="03000509000000000000" pitchFamily="65" charset="-120"/>
+              </a:rPr>
+              <a:t>也就是說我們會有兩張圖片，第一個是</a:t>
+            </a:r>
+            <a:r>
+              <a:rPr lang="en-US" altLang="zh-TW" dirty="0">
+                <a:latin typeface="標楷體" panose="03000509000000000000" pitchFamily="65" charset="-120"/>
+                <a:ea typeface="標楷體" panose="03000509000000000000" pitchFamily="65" charset="-120"/>
+              </a:rPr>
+              <a:t>”</a:t>
+            </a:r>
+            <a:r>
+              <a:rPr lang="zh-TW" altLang="en-US" dirty="0">
+                <a:latin typeface="標楷體" panose="03000509000000000000" pitchFamily="65" charset="-120"/>
+                <a:ea typeface="標楷體" panose="03000509000000000000" pitchFamily="65" charset="-120"/>
+              </a:rPr>
+              <a:t>準備動作</a:t>
+            </a:r>
+            <a:r>
+              <a:rPr lang="en-US" altLang="zh-TW" dirty="0">
+                <a:latin typeface="標楷體" panose="03000509000000000000" pitchFamily="65" charset="-120"/>
+                <a:ea typeface="標楷體" panose="03000509000000000000" pitchFamily="65" charset="-120"/>
+              </a:rPr>
+              <a:t>”</a:t>
+            </a:r>
+            <a:r>
+              <a:rPr lang="zh-TW" altLang="en-US" dirty="0">
+                <a:latin typeface="標楷體" panose="03000509000000000000" pitchFamily="65" charset="-120"/>
+                <a:ea typeface="標楷體" panose="03000509000000000000" pitchFamily="65" charset="-120"/>
+              </a:rPr>
+              <a:t>，第二個是</a:t>
+            </a:r>
+            <a:r>
+              <a:rPr lang="en-US" altLang="zh-TW" dirty="0">
+                <a:latin typeface="標楷體" panose="03000509000000000000" pitchFamily="65" charset="-120"/>
+                <a:ea typeface="標楷體" panose="03000509000000000000" pitchFamily="65" charset="-120"/>
+              </a:rPr>
+              <a:t>”</a:t>
+            </a:r>
+            <a:r>
+              <a:rPr lang="zh-TW" altLang="en-US" dirty="0">
+                <a:latin typeface="標楷體" panose="03000509000000000000" pitchFamily="65" charset="-120"/>
+                <a:ea typeface="標楷體" panose="03000509000000000000" pitchFamily="65" charset="-120"/>
+              </a:rPr>
+              <a:t>蹲到最低的動作</a:t>
+            </a:r>
+            <a:r>
+              <a:rPr lang="en-US" altLang="zh-TW" dirty="0">
+                <a:latin typeface="標楷體" panose="03000509000000000000" pitchFamily="65" charset="-120"/>
+                <a:ea typeface="標楷體" panose="03000509000000000000" pitchFamily="65" charset="-120"/>
+              </a:rPr>
+              <a:t>”</a:t>
+            </a:r>
+            <a:r>
+              <a:rPr lang="zh-TW" altLang="en-US" dirty="0">
+                <a:latin typeface="標楷體" panose="03000509000000000000" pitchFamily="65" charset="-120"/>
+                <a:ea typeface="標楷體" panose="03000509000000000000" pitchFamily="65" charset="-120"/>
+              </a:rPr>
+              <a:t>，而我們也主要矯正這兩個。</a:t>
+            </a:r>
+          </a:p>
+        </p:txBody>
+      </p:sp>
+    </p:spTree>
+    <p:extLst>
+      <p:ext uri="{BB962C8B-B14F-4D97-AF65-F5344CB8AC3E}">
+        <p14:creationId xmlns:p14="http://schemas.microsoft.com/office/powerpoint/2010/main" val="1943227943"/>
+      </p:ext>
+    </p:extLst>
+  </p:cSld>
+  <p:clrMapOvr>
+    <a:masterClrMapping/>
+  </p:clrMapOvr>
+</p:sld>
+</file>
+
+<file path=ppt/slides/slide7.xml><?xml version="1.0" encoding="utf-8"?>
+<p:sld xmlns:a="http://schemas.openxmlformats.org/drawingml/2006/main" xmlns:r="http://schemas.openxmlformats.org/officeDocument/2006/relationships" xmlns:p="http://schemas.openxmlformats.org/presentationml/2006/main">
+  <p:cSld>
+    <p:spTree>
+      <p:nvGrpSpPr>
+        <p:cNvPr id="1" name=""/>
+        <p:cNvGrpSpPr/>
+        <p:nvPr/>
+      </p:nvGrpSpPr>
+      <p:grpSpPr>
+        <a:xfrm>
+          <a:off x="0" y="0"/>
+          <a:ext cx="0" cy="0"/>
+          <a:chOff x="0" y="0"/>
+          <a:chExt cx="0" cy="0"/>
+        </a:xfrm>
+      </p:grpSpPr>
+      <p:sp>
+        <p:nvSpPr>
+          <p:cNvPr id="2" name="標題 1">
+            <a:extLst>
+              <a:ext uri="{FF2B5EF4-FFF2-40B4-BE49-F238E27FC236}">
+                <a16:creationId xmlns:a16="http://schemas.microsoft.com/office/drawing/2014/main" id="{DB81C9C6-6544-DFA8-DCDA-F9506B72DD50}"/>
+              </a:ext>
+            </a:extLst>
+          </p:cNvPr>
+          <p:cNvSpPr>
+            <a:spLocks noGrp="1"/>
+          </p:cNvSpPr>
+          <p:nvPr>
+            <p:ph type="title"/>
+          </p:nvPr>
+        </p:nvSpPr>
+        <p:spPr/>
+        <p:txBody>
+          <a:bodyPr/>
+          <a:lstStyle/>
+          <a:p>
+            <a:endParaRPr lang="zh-TW" altLang="en-US" dirty="0"/>
+          </a:p>
+        </p:txBody>
+      </p:sp>
+      <p:sp>
+        <p:nvSpPr>
+          <p:cNvPr id="3" name="內容版面配置區 2">
+            <a:extLst>
+              <a:ext uri="{FF2B5EF4-FFF2-40B4-BE49-F238E27FC236}">
+                <a16:creationId xmlns:a16="http://schemas.microsoft.com/office/drawing/2014/main" id="{6E120BA8-1642-A6AD-9AC6-0AAC03E0F272}"/>
+              </a:ext>
+            </a:extLst>
+          </p:cNvPr>
+          <p:cNvSpPr>
+            <a:spLocks noGrp="1"/>
+          </p:cNvSpPr>
+          <p:nvPr>
+            <p:ph idx="1"/>
+          </p:nvPr>
+        </p:nvSpPr>
+        <p:spPr/>
+        <p:txBody>
+          <a:bodyPr/>
+          <a:lstStyle/>
+          <a:p>
+            <a:r>
+              <a:rPr lang="zh-TW" altLang="en-US" dirty="0">
+                <a:latin typeface="標楷體" panose="03000509000000000000" pitchFamily="65" charset="-120"/>
+                <a:ea typeface="標楷體" panose="03000509000000000000" pitchFamily="65" charset="-120"/>
+              </a:rPr>
+              <a:t>基於大部分研究指出，深蹲腳與肩的距離大約是在</a:t>
+            </a:r>
+            <a:r>
+              <a:rPr lang="en-US" altLang="zh-TW" dirty="0">
+                <a:latin typeface="標楷體" panose="03000509000000000000" pitchFamily="65" charset="-120"/>
+                <a:ea typeface="標楷體" panose="03000509000000000000" pitchFamily="65" charset="-120"/>
+              </a:rPr>
+              <a:t>1~1.4</a:t>
+            </a:r>
+            <a:r>
+              <a:rPr lang="zh-TW" altLang="en-US" dirty="0">
+                <a:latin typeface="標楷體" panose="03000509000000000000" pitchFamily="65" charset="-120"/>
+                <a:ea typeface="標楷體" panose="03000509000000000000" pitchFamily="65" charset="-120"/>
+              </a:rPr>
+              <a:t>肩寬之間，所以我們錯誤姿勢拿出來正規化後，手動修正的範圍也差不多是如此。</a:t>
+            </a:r>
+            <a:endParaRPr lang="en-US" altLang="zh-TW" dirty="0">
+              <a:latin typeface="標楷體" panose="03000509000000000000" pitchFamily="65" charset="-120"/>
+              <a:ea typeface="標楷體" panose="03000509000000000000" pitchFamily="65" charset="-120"/>
+            </a:endParaRPr>
+          </a:p>
+          <a:p>
+            <a:r>
+              <a:rPr lang="zh-TW" altLang="en-US" dirty="0">
+                <a:latin typeface="標楷體" panose="03000509000000000000" pitchFamily="65" charset="-120"/>
+                <a:ea typeface="標楷體" panose="03000509000000000000" pitchFamily="65" charset="-120"/>
+              </a:rPr>
+              <a:t>而我們修正的部位也僅限於下半身腿部的部分，不會去理會上半身。</a:t>
+            </a:r>
+            <a:endParaRPr lang="en-US" altLang="zh-TW" dirty="0">
+              <a:latin typeface="標楷體" panose="03000509000000000000" pitchFamily="65" charset="-120"/>
+              <a:ea typeface="標楷體" panose="03000509000000000000" pitchFamily="65" charset="-120"/>
+            </a:endParaRPr>
+          </a:p>
+          <a:p>
+            <a:endParaRPr lang="zh-TW" altLang="en-US" dirty="0"/>
+          </a:p>
+        </p:txBody>
+      </p:sp>
+    </p:spTree>
+    <p:extLst>
+      <p:ext uri="{BB962C8B-B14F-4D97-AF65-F5344CB8AC3E}">
+        <p14:creationId xmlns:p14="http://schemas.microsoft.com/office/powerpoint/2010/main" val="1320950691"/>
+      </p:ext>
+    </p:extLst>
+  </p:cSld>
+  <p:clrMapOvr>
+    <a:masterClrMapping/>
+  </p:clrMapOvr>
+</p:sld>
+</file>
+
+<file path=ppt/slides/slide8.xml><?xml version="1.0" encoding="utf-8"?>
+<p:sld xmlns:a="http://schemas.openxmlformats.org/drawingml/2006/main" xmlns:r="http://schemas.openxmlformats.org/officeDocument/2006/relationships" xmlns:p="http://schemas.openxmlformats.org/presentationml/2006/main">
+  <p:cSld>
+    <p:spTree>
+      <p:nvGrpSpPr>
+        <p:cNvPr id="1" name=""/>
+        <p:cNvGrpSpPr/>
+        <p:nvPr/>
+      </p:nvGrpSpPr>
+      <p:grpSpPr>
+        <a:xfrm>
+          <a:off x="0" y="0"/>
+          <a:ext cx="0" cy="0"/>
+          <a:chOff x="0" y="0"/>
+          <a:chExt cx="0" cy="0"/>
+        </a:xfrm>
+      </p:grpSpPr>
+      <p:sp>
+        <p:nvSpPr>
+          <p:cNvPr id="2" name="標題 1">
+            <a:extLst>
+              <a:ext uri="{FF2B5EF4-FFF2-40B4-BE49-F238E27FC236}">
+                <a16:creationId xmlns:a16="http://schemas.microsoft.com/office/drawing/2014/main" id="{5B2F2FAA-8DD8-D06D-E593-F231A8A77653}"/>
+              </a:ext>
+            </a:extLst>
+          </p:cNvPr>
+          <p:cNvSpPr>
+            <a:spLocks noGrp="1"/>
+          </p:cNvSpPr>
+          <p:nvPr>
+            <p:ph type="title"/>
+          </p:nvPr>
+        </p:nvSpPr>
+        <p:spPr/>
+        <p:txBody>
+          <a:bodyPr/>
+          <a:lstStyle/>
+          <a:p>
+            <a:endParaRPr lang="zh-TW" altLang="en-US" dirty="0"/>
+          </a:p>
+        </p:txBody>
+      </p:sp>
+      <p:sp>
+        <p:nvSpPr>
+          <p:cNvPr id="3" name="內容版面配置區 2">
+            <a:extLst>
+              <a:ext uri="{FF2B5EF4-FFF2-40B4-BE49-F238E27FC236}">
+                <a16:creationId xmlns:a16="http://schemas.microsoft.com/office/drawing/2014/main" id="{3D349881-C7D1-F217-B543-AA704A86799D}"/>
+              </a:ext>
+            </a:extLst>
+          </p:cNvPr>
+          <p:cNvSpPr>
+            <a:spLocks noGrp="1"/>
+          </p:cNvSpPr>
+          <p:nvPr>
+            <p:ph idx="1"/>
+          </p:nvPr>
+        </p:nvSpPr>
+        <p:spPr/>
+        <p:txBody>
+          <a:bodyPr/>
+          <a:lstStyle/>
+          <a:p>
+            <a:r>
+              <a:rPr lang="zh-TW" altLang="en-US" dirty="0">
+                <a:latin typeface="標楷體" panose="03000509000000000000" pitchFamily="65" charset="-120"/>
+                <a:ea typeface="標楷體" panose="03000509000000000000" pitchFamily="65" charset="-120"/>
+              </a:rPr>
+              <a:t>那麼研究完了後就是要開始</a:t>
+            </a:r>
+            <a:r>
+              <a:rPr lang="en-US" altLang="zh-TW" dirty="0">
+                <a:latin typeface="標楷體" panose="03000509000000000000" pitchFamily="65" charset="-120"/>
+                <a:ea typeface="標楷體" panose="03000509000000000000" pitchFamily="65" charset="-120"/>
+              </a:rPr>
+              <a:t>pix2pix</a:t>
+            </a:r>
+            <a:r>
+              <a:rPr lang="zh-TW" altLang="en-US" dirty="0">
+                <a:latin typeface="標楷體" panose="03000509000000000000" pitchFamily="65" charset="-120"/>
+                <a:ea typeface="標楷體" panose="03000509000000000000" pitchFamily="65" charset="-120"/>
+              </a:rPr>
+              <a:t>的實驗。截至目前，我還是不知道該如何去訓練，我預計再多兩個禮拜左右的時間去實作他</a:t>
+            </a:r>
+          </a:p>
+        </p:txBody>
+      </p:sp>
+    </p:spTree>
+    <p:extLst>
+      <p:ext uri="{BB962C8B-B14F-4D97-AF65-F5344CB8AC3E}">
+        <p14:creationId xmlns:p14="http://schemas.microsoft.com/office/powerpoint/2010/main" val="1607514034"/>
+      </p:ext>
+    </p:extLst>
+  </p:cSld>
+  <p:clrMapOvr>
+    <a:masterClrMapping/>
+  </p:clrMapOvr>
+</p:sld>
+</file>
+
+<file path=ppt/slides/slide9.xml><?xml version="1.0" encoding="utf-8"?>
+<p:sld xmlns:a="http://schemas.openxmlformats.org/drawingml/2006/main" xmlns:r="http://schemas.openxmlformats.org/officeDocument/2006/relationships" xmlns:p="http://schemas.openxmlformats.org/presentationml/2006/main">
+  <p:cSld>
+    <p:spTree>
+      <p:nvGrpSpPr>
+        <p:cNvPr id="1" name=""/>
+        <p:cNvGrpSpPr/>
+        <p:nvPr/>
+      </p:nvGrpSpPr>
+      <p:grpSpPr>
+        <a:xfrm>
+          <a:off x="0" y="0"/>
+          <a:ext cx="0" cy="0"/>
+          <a:chOff x="0" y="0"/>
+          <a:chExt cx="0" cy="0"/>
+        </a:xfrm>
+      </p:grpSpPr>
+      <p:sp>
+        <p:nvSpPr>
+          <p:cNvPr id="2" name="標題 1">
+            <a:extLst>
+              <a:ext uri="{FF2B5EF4-FFF2-40B4-BE49-F238E27FC236}">
+                <a16:creationId xmlns:a16="http://schemas.microsoft.com/office/drawing/2014/main" id="{DF7A3477-50D2-B700-A656-43E5296191C8}"/>
+              </a:ext>
+            </a:extLst>
+          </p:cNvPr>
+          <p:cNvSpPr>
+            <a:spLocks noGrp="1"/>
+          </p:cNvSpPr>
+          <p:nvPr>
+            <p:ph type="title"/>
+          </p:nvPr>
+        </p:nvSpPr>
+        <p:spPr/>
+        <p:txBody>
+          <a:bodyPr/>
+          <a:lstStyle/>
+          <a:p>
+            <a:r>
+              <a:rPr lang="zh-TW" altLang="en-US" dirty="0">
+                <a:latin typeface="標楷體" panose="03000509000000000000" pitchFamily="65" charset="-120"/>
+                <a:ea typeface="標楷體" panose="03000509000000000000" pitchFamily="65" charset="-120"/>
+              </a:rPr>
+              <a:t>問題</a:t>
+            </a:r>
+            <a:endParaRPr lang="zh-TW" altLang="en-US" dirty="0"/>
+          </a:p>
+        </p:txBody>
+      </p:sp>
+      <p:sp>
+        <p:nvSpPr>
+          <p:cNvPr id="3" name="內容版面配置區 2">
+            <a:extLst>
+              <a:ext uri="{FF2B5EF4-FFF2-40B4-BE49-F238E27FC236}">
+                <a16:creationId xmlns:a16="http://schemas.microsoft.com/office/drawing/2014/main" id="{8B5114AC-AC68-1BB3-AE66-497A433158A1}"/>
+              </a:ext>
+            </a:extLst>
+          </p:cNvPr>
+          <p:cNvSpPr>
+            <a:spLocks noGrp="1"/>
+          </p:cNvSpPr>
+          <p:nvPr>
+            <p:ph idx="1"/>
+          </p:nvPr>
+        </p:nvSpPr>
+        <p:spPr/>
+        <p:txBody>
+          <a:bodyPr/>
+          <a:lstStyle/>
+          <a:p>
+            <a:pPr marL="0" indent="0">
+              <a:buNone/>
+            </a:pPr>
+            <a:r>
+              <a:rPr lang="zh-TW" altLang="en-US" dirty="0">
+                <a:latin typeface="標楷體" panose="03000509000000000000" pitchFamily="65" charset="-120"/>
+                <a:ea typeface="標楷體" panose="03000509000000000000" pitchFamily="65" charset="-120"/>
+              </a:rPr>
+              <a:t>我們需要做的是深蹲判斷是要全程還是依照剛剛所說的兩個時機來做判斷，如果做全程，那我們需要逐幀擷取並做矯正嗎</a:t>
+            </a:r>
+            <a:r>
+              <a:rPr lang="en-US" altLang="zh-TW" dirty="0">
+                <a:latin typeface="標楷體" panose="03000509000000000000" pitchFamily="65" charset="-120"/>
+                <a:ea typeface="標楷體" panose="03000509000000000000" pitchFamily="65" charset="-120"/>
+              </a:rPr>
+              <a:t>?</a:t>
+            </a:r>
+            <a:r>
+              <a:rPr lang="zh-TW" altLang="en-US" dirty="0">
+                <a:latin typeface="標楷體" panose="03000509000000000000" pitchFamily="65" charset="-120"/>
+                <a:ea typeface="標楷體" panose="03000509000000000000" pitchFamily="65" charset="-120"/>
+              </a:rPr>
+              <a:t>但有可能他一開始不標準但做的過程又變標準，又或者一開始標準，但蹲下去的過程又變不標準。 如果要修正全程的話，我們又該如何去做</a:t>
+            </a:r>
+            <a:r>
+              <a:rPr lang="en-US" altLang="zh-TW" dirty="0">
+                <a:latin typeface="標楷體" panose="03000509000000000000" pitchFamily="65" charset="-120"/>
+                <a:ea typeface="標楷體" panose="03000509000000000000" pitchFamily="65" charset="-120"/>
+              </a:rPr>
+              <a:t>pix2pix</a:t>
+            </a:r>
+            <a:r>
+              <a:rPr lang="zh-TW" altLang="en-US" dirty="0">
+                <a:latin typeface="標楷體" panose="03000509000000000000" pitchFamily="65" charset="-120"/>
+                <a:ea typeface="標楷體" panose="03000509000000000000" pitchFamily="65" charset="-120"/>
+              </a:rPr>
+              <a:t>的訓練呢</a:t>
+            </a:r>
+            <a:r>
+              <a:rPr lang="en-US" altLang="zh-TW" dirty="0">
+                <a:latin typeface="標楷體" panose="03000509000000000000" pitchFamily="65" charset="-120"/>
+                <a:ea typeface="標楷體" panose="03000509000000000000" pitchFamily="65" charset="-120"/>
+              </a:rPr>
+              <a:t>?</a:t>
+            </a:r>
+            <a:endParaRPr lang="zh-TW" altLang="en-US" dirty="0">
+              <a:latin typeface="標楷體" panose="03000509000000000000" pitchFamily="65" charset="-120"/>
+              <a:ea typeface="標楷體" panose="03000509000000000000" pitchFamily="65" charset="-120"/>
+            </a:endParaRPr>
+          </a:p>
+        </p:txBody>
+      </p:sp>
+    </p:spTree>
+    <p:extLst>
+      <p:ext uri="{BB962C8B-B14F-4D97-AF65-F5344CB8AC3E}">
+        <p14:creationId xmlns:p14="http://schemas.microsoft.com/office/powerpoint/2010/main" val="3173635460"/>
       </p:ext>
     </p:extLst>
   </p:cSld>

--- a/week21進度報告.pptx
+++ b/week21進度報告.pptx
@@ -8,12 +8,16 @@
     <p:sldId id="256" r:id="rId2"/>
     <p:sldId id="257" r:id="rId3"/>
     <p:sldId id="258" r:id="rId4"/>
-    <p:sldId id="259" r:id="rId5"/>
-    <p:sldId id="260" r:id="rId6"/>
-    <p:sldId id="261" r:id="rId7"/>
-    <p:sldId id="262" r:id="rId8"/>
-    <p:sldId id="263" r:id="rId9"/>
-    <p:sldId id="264" r:id="rId10"/>
+    <p:sldId id="266" r:id="rId5"/>
+    <p:sldId id="265" r:id="rId6"/>
+    <p:sldId id="267" r:id="rId7"/>
+    <p:sldId id="268" r:id="rId8"/>
+    <p:sldId id="259" r:id="rId9"/>
+    <p:sldId id="260" r:id="rId10"/>
+    <p:sldId id="261" r:id="rId11"/>
+    <p:sldId id="262" r:id="rId12"/>
+    <p:sldId id="263" r:id="rId13"/>
+    <p:sldId id="264" r:id="rId14"/>
   </p:sldIdLst>
   <p:sldSz cx="12192000" cy="6858000"/>
   <p:notesSz cx="6858000" cy="9144000"/>
@@ -3397,6 +3401,579 @@
 </p:sld>
 </file>
 
+<file path=ppt/slides/slide10.xml><?xml version="1.0" encoding="utf-8"?>
+<p:sld xmlns:a="http://schemas.openxmlformats.org/drawingml/2006/main" xmlns:r="http://schemas.openxmlformats.org/officeDocument/2006/relationships" xmlns:p="http://schemas.openxmlformats.org/presentationml/2006/main">
+  <p:cSld>
+    <p:spTree>
+      <p:nvGrpSpPr>
+        <p:cNvPr id="1" name=""/>
+        <p:cNvGrpSpPr/>
+        <p:nvPr/>
+      </p:nvGrpSpPr>
+      <p:grpSpPr>
+        <a:xfrm>
+          <a:off x="0" y="0"/>
+          <a:ext cx="0" cy="0"/>
+          <a:chOff x="0" y="0"/>
+          <a:chExt cx="0" cy="0"/>
+        </a:xfrm>
+      </p:grpSpPr>
+      <p:sp>
+        <p:nvSpPr>
+          <p:cNvPr id="2" name="標題 1">
+            <a:extLst>
+              <a:ext uri="{FF2B5EF4-FFF2-40B4-BE49-F238E27FC236}">
+                <a16:creationId xmlns:a16="http://schemas.microsoft.com/office/drawing/2014/main" id="{677E27CA-69F2-51CD-869A-8561EA526E2C}"/>
+              </a:ext>
+            </a:extLst>
+          </p:cNvPr>
+          <p:cNvSpPr>
+            <a:spLocks noGrp="1"/>
+          </p:cNvSpPr>
+          <p:nvPr>
+            <p:ph type="title"/>
+          </p:nvPr>
+        </p:nvSpPr>
+        <p:spPr/>
+        <p:txBody>
+          <a:bodyPr/>
+          <a:lstStyle/>
+          <a:p>
+            <a:pPr algn="ctr"/>
+            <a:r>
+              <a:rPr lang="zh-TW" altLang="en-US" dirty="0">
+                <a:latin typeface="標楷體" panose="03000509000000000000" pitchFamily="65" charset="-120"/>
+                <a:ea typeface="標楷體" panose="03000509000000000000" pitchFamily="65" charset="-120"/>
+              </a:rPr>
+              <a:t>修正時機</a:t>
+            </a:r>
+          </a:p>
+        </p:txBody>
+      </p:sp>
+      <p:sp>
+        <p:nvSpPr>
+          <p:cNvPr id="9" name="內容版面配置區 8">
+            <a:extLst>
+              <a:ext uri="{FF2B5EF4-FFF2-40B4-BE49-F238E27FC236}">
+                <a16:creationId xmlns:a16="http://schemas.microsoft.com/office/drawing/2014/main" id="{4F747AF6-5E3D-A8DB-9CC2-3E5D5EF3D9A8}"/>
+              </a:ext>
+            </a:extLst>
+          </p:cNvPr>
+          <p:cNvSpPr>
+            <a:spLocks noGrp="1"/>
+          </p:cNvSpPr>
+          <p:nvPr>
+            <p:ph idx="1"/>
+          </p:nvPr>
+        </p:nvSpPr>
+        <p:spPr/>
+        <p:txBody>
+          <a:bodyPr/>
+          <a:lstStyle/>
+          <a:p>
+            <a:r>
+              <a:rPr lang="zh-TW" altLang="en-US" dirty="0">
+                <a:latin typeface="標楷體" panose="03000509000000000000" pitchFamily="65" charset="-120"/>
+                <a:ea typeface="標楷體" panose="03000509000000000000" pitchFamily="65" charset="-120"/>
+              </a:rPr>
+              <a:t>深蹲的準備動作依據每個人有不同的方式，為了好好的擷取我們所需要的影格，在使用者的深蹲影片裡，需要使用者</a:t>
+            </a:r>
+            <a:r>
+              <a:rPr lang="en-US" altLang="zh-TW" dirty="0">
+                <a:latin typeface="標楷體" panose="03000509000000000000" pitchFamily="65" charset="-120"/>
+                <a:ea typeface="標楷體" panose="03000509000000000000" pitchFamily="65" charset="-120"/>
+              </a:rPr>
+              <a:t>”</a:t>
+            </a:r>
+            <a:r>
+              <a:rPr lang="zh-TW" altLang="en-US" dirty="0">
+                <a:latin typeface="標楷體" panose="03000509000000000000" pitchFamily="65" charset="-120"/>
+                <a:ea typeface="標楷體" panose="03000509000000000000" pitchFamily="65" charset="-120"/>
+              </a:rPr>
+              <a:t>站立姿勢停頓一秒</a:t>
+            </a:r>
+            <a:r>
+              <a:rPr lang="en-US" altLang="zh-TW" dirty="0">
+                <a:latin typeface="標楷體" panose="03000509000000000000" pitchFamily="65" charset="-120"/>
+                <a:ea typeface="標楷體" panose="03000509000000000000" pitchFamily="65" charset="-120"/>
+              </a:rPr>
+              <a:t>”</a:t>
+            </a:r>
+            <a:r>
+              <a:rPr lang="zh-TW" altLang="en-US" dirty="0">
+                <a:latin typeface="標楷體" panose="03000509000000000000" pitchFamily="65" charset="-120"/>
+                <a:ea typeface="標楷體" panose="03000509000000000000" pitchFamily="65" charset="-120"/>
+              </a:rPr>
+              <a:t>後系統會擷取影格，再來使用者</a:t>
+            </a:r>
+            <a:r>
+              <a:rPr lang="en-US" altLang="zh-TW" dirty="0">
+                <a:latin typeface="標楷體" panose="03000509000000000000" pitchFamily="65" charset="-120"/>
+                <a:ea typeface="標楷體" panose="03000509000000000000" pitchFamily="65" charset="-120"/>
+              </a:rPr>
+              <a:t>”</a:t>
+            </a:r>
+            <a:r>
+              <a:rPr lang="zh-TW" altLang="en-US" dirty="0">
+                <a:latin typeface="標楷體" panose="03000509000000000000" pitchFamily="65" charset="-120"/>
+                <a:ea typeface="標楷體" panose="03000509000000000000" pitchFamily="65" charset="-120"/>
+              </a:rPr>
+              <a:t>蹲下去後到最底停頓一秒</a:t>
+            </a:r>
+            <a:r>
+              <a:rPr lang="en-US" altLang="zh-TW" dirty="0">
+                <a:latin typeface="標楷體" panose="03000509000000000000" pitchFamily="65" charset="-120"/>
+                <a:ea typeface="標楷體" panose="03000509000000000000" pitchFamily="65" charset="-120"/>
+              </a:rPr>
+              <a:t>”</a:t>
+            </a:r>
+            <a:r>
+              <a:rPr lang="zh-TW" altLang="en-US" dirty="0">
+                <a:latin typeface="標楷體" panose="03000509000000000000" pitchFamily="65" charset="-120"/>
+                <a:ea typeface="標楷體" panose="03000509000000000000" pitchFamily="65" charset="-120"/>
+              </a:rPr>
+              <a:t>，一樣系統擷取影格。</a:t>
+            </a:r>
+            <a:endParaRPr lang="en-US" altLang="zh-TW" dirty="0">
+              <a:latin typeface="標楷體" panose="03000509000000000000" pitchFamily="65" charset="-120"/>
+              <a:ea typeface="標楷體" panose="03000509000000000000" pitchFamily="65" charset="-120"/>
+            </a:endParaRPr>
+          </a:p>
+          <a:p>
+            <a:r>
+              <a:rPr lang="zh-TW" altLang="en-US" dirty="0">
+                <a:latin typeface="標楷體" panose="03000509000000000000" pitchFamily="65" charset="-120"/>
+                <a:ea typeface="標楷體" panose="03000509000000000000" pitchFamily="65" charset="-120"/>
+              </a:rPr>
+              <a:t>也就是說我們會有兩張圖片，第一個是</a:t>
+            </a:r>
+            <a:r>
+              <a:rPr lang="en-US" altLang="zh-TW" dirty="0">
+                <a:latin typeface="標楷體" panose="03000509000000000000" pitchFamily="65" charset="-120"/>
+                <a:ea typeface="標楷體" panose="03000509000000000000" pitchFamily="65" charset="-120"/>
+              </a:rPr>
+              <a:t>”</a:t>
+            </a:r>
+            <a:r>
+              <a:rPr lang="zh-TW" altLang="en-US" dirty="0">
+                <a:latin typeface="標楷體" panose="03000509000000000000" pitchFamily="65" charset="-120"/>
+                <a:ea typeface="標楷體" panose="03000509000000000000" pitchFamily="65" charset="-120"/>
+              </a:rPr>
+              <a:t>準備動作</a:t>
+            </a:r>
+            <a:r>
+              <a:rPr lang="en-US" altLang="zh-TW" dirty="0">
+                <a:latin typeface="標楷體" panose="03000509000000000000" pitchFamily="65" charset="-120"/>
+                <a:ea typeface="標楷體" panose="03000509000000000000" pitchFamily="65" charset="-120"/>
+              </a:rPr>
+              <a:t>”</a:t>
+            </a:r>
+            <a:r>
+              <a:rPr lang="zh-TW" altLang="en-US" dirty="0">
+                <a:latin typeface="標楷體" panose="03000509000000000000" pitchFamily="65" charset="-120"/>
+                <a:ea typeface="標楷體" panose="03000509000000000000" pitchFamily="65" charset="-120"/>
+              </a:rPr>
+              <a:t>，第二個是</a:t>
+            </a:r>
+            <a:r>
+              <a:rPr lang="en-US" altLang="zh-TW" dirty="0">
+                <a:latin typeface="標楷體" panose="03000509000000000000" pitchFamily="65" charset="-120"/>
+                <a:ea typeface="標楷體" panose="03000509000000000000" pitchFamily="65" charset="-120"/>
+              </a:rPr>
+              <a:t>”</a:t>
+            </a:r>
+            <a:r>
+              <a:rPr lang="zh-TW" altLang="en-US" dirty="0">
+                <a:latin typeface="標楷體" panose="03000509000000000000" pitchFamily="65" charset="-120"/>
+                <a:ea typeface="標楷體" panose="03000509000000000000" pitchFamily="65" charset="-120"/>
+              </a:rPr>
+              <a:t>蹲到最低的動作</a:t>
+            </a:r>
+            <a:r>
+              <a:rPr lang="en-US" altLang="zh-TW" dirty="0">
+                <a:latin typeface="標楷體" panose="03000509000000000000" pitchFamily="65" charset="-120"/>
+                <a:ea typeface="標楷體" panose="03000509000000000000" pitchFamily="65" charset="-120"/>
+              </a:rPr>
+              <a:t>”</a:t>
+            </a:r>
+            <a:r>
+              <a:rPr lang="zh-TW" altLang="en-US" dirty="0">
+                <a:latin typeface="標楷體" panose="03000509000000000000" pitchFamily="65" charset="-120"/>
+                <a:ea typeface="標楷體" panose="03000509000000000000" pitchFamily="65" charset="-120"/>
+              </a:rPr>
+              <a:t>，而我們也主要矯正這兩個。</a:t>
+            </a:r>
+          </a:p>
+        </p:txBody>
+      </p:sp>
+    </p:spTree>
+    <p:extLst>
+      <p:ext uri="{BB962C8B-B14F-4D97-AF65-F5344CB8AC3E}">
+        <p14:creationId xmlns:p14="http://schemas.microsoft.com/office/powerpoint/2010/main" val="1943227943"/>
+      </p:ext>
+    </p:extLst>
+  </p:cSld>
+  <p:clrMapOvr>
+    <a:masterClrMapping/>
+  </p:clrMapOvr>
+</p:sld>
+</file>
+
+<file path=ppt/slides/slide11.xml><?xml version="1.0" encoding="utf-8"?>
+<p:sld xmlns:a="http://schemas.openxmlformats.org/drawingml/2006/main" xmlns:r="http://schemas.openxmlformats.org/officeDocument/2006/relationships" xmlns:p="http://schemas.openxmlformats.org/presentationml/2006/main">
+  <p:cSld>
+    <p:spTree>
+      <p:nvGrpSpPr>
+        <p:cNvPr id="1" name=""/>
+        <p:cNvGrpSpPr/>
+        <p:nvPr/>
+      </p:nvGrpSpPr>
+      <p:grpSpPr>
+        <a:xfrm>
+          <a:off x="0" y="0"/>
+          <a:ext cx="0" cy="0"/>
+          <a:chOff x="0" y="0"/>
+          <a:chExt cx="0" cy="0"/>
+        </a:xfrm>
+      </p:grpSpPr>
+      <p:sp>
+        <p:nvSpPr>
+          <p:cNvPr id="2" name="標題 1">
+            <a:extLst>
+              <a:ext uri="{FF2B5EF4-FFF2-40B4-BE49-F238E27FC236}">
+                <a16:creationId xmlns:a16="http://schemas.microsoft.com/office/drawing/2014/main" id="{DB81C9C6-6544-DFA8-DCDA-F9506B72DD50}"/>
+              </a:ext>
+            </a:extLst>
+          </p:cNvPr>
+          <p:cNvSpPr>
+            <a:spLocks noGrp="1"/>
+          </p:cNvSpPr>
+          <p:nvPr>
+            <p:ph type="title"/>
+          </p:nvPr>
+        </p:nvSpPr>
+        <p:spPr/>
+        <p:txBody>
+          <a:bodyPr/>
+          <a:lstStyle/>
+          <a:p>
+            <a:endParaRPr lang="zh-TW" altLang="en-US" dirty="0"/>
+          </a:p>
+        </p:txBody>
+      </p:sp>
+      <p:sp>
+        <p:nvSpPr>
+          <p:cNvPr id="3" name="內容版面配置區 2">
+            <a:extLst>
+              <a:ext uri="{FF2B5EF4-FFF2-40B4-BE49-F238E27FC236}">
+                <a16:creationId xmlns:a16="http://schemas.microsoft.com/office/drawing/2014/main" id="{6E120BA8-1642-A6AD-9AC6-0AAC03E0F272}"/>
+              </a:ext>
+            </a:extLst>
+          </p:cNvPr>
+          <p:cNvSpPr>
+            <a:spLocks noGrp="1"/>
+          </p:cNvSpPr>
+          <p:nvPr>
+            <p:ph idx="1"/>
+          </p:nvPr>
+        </p:nvSpPr>
+        <p:spPr/>
+        <p:txBody>
+          <a:bodyPr/>
+          <a:lstStyle/>
+          <a:p>
+            <a:r>
+              <a:rPr lang="zh-TW" altLang="en-US" dirty="0">
+                <a:latin typeface="標楷體" panose="03000509000000000000" pitchFamily="65" charset="-120"/>
+                <a:ea typeface="標楷體" panose="03000509000000000000" pitchFamily="65" charset="-120"/>
+              </a:rPr>
+              <a:t>基於大部分研究指出，深蹲腳與肩的距離大約是在</a:t>
+            </a:r>
+            <a:r>
+              <a:rPr lang="en-US" altLang="zh-TW" dirty="0">
+                <a:latin typeface="標楷體" panose="03000509000000000000" pitchFamily="65" charset="-120"/>
+                <a:ea typeface="標楷體" panose="03000509000000000000" pitchFamily="65" charset="-120"/>
+              </a:rPr>
+              <a:t>1~1.4</a:t>
+            </a:r>
+            <a:r>
+              <a:rPr lang="zh-TW" altLang="en-US" dirty="0">
+                <a:latin typeface="標楷體" panose="03000509000000000000" pitchFamily="65" charset="-120"/>
+                <a:ea typeface="標楷體" panose="03000509000000000000" pitchFamily="65" charset="-120"/>
+              </a:rPr>
+              <a:t>肩寬之間，所以我們錯誤姿勢拿出來正規化後，手動修正的範圍也差不多是如此。</a:t>
+            </a:r>
+            <a:endParaRPr lang="en-US" altLang="zh-TW" dirty="0">
+              <a:latin typeface="標楷體" panose="03000509000000000000" pitchFamily="65" charset="-120"/>
+              <a:ea typeface="標楷體" panose="03000509000000000000" pitchFamily="65" charset="-120"/>
+            </a:endParaRPr>
+          </a:p>
+          <a:p>
+            <a:r>
+              <a:rPr lang="zh-TW" altLang="en-US" dirty="0">
+                <a:latin typeface="標楷體" panose="03000509000000000000" pitchFamily="65" charset="-120"/>
+                <a:ea typeface="標楷體" panose="03000509000000000000" pitchFamily="65" charset="-120"/>
+              </a:rPr>
+              <a:t>而我們修正的部位也僅限於下半身腿部的部分，不會去理會上半身。</a:t>
+            </a:r>
+            <a:endParaRPr lang="en-US" altLang="zh-TW" dirty="0">
+              <a:latin typeface="標楷體" panose="03000509000000000000" pitchFamily="65" charset="-120"/>
+              <a:ea typeface="標楷體" panose="03000509000000000000" pitchFamily="65" charset="-120"/>
+            </a:endParaRPr>
+          </a:p>
+          <a:p>
+            <a:endParaRPr lang="zh-TW" altLang="en-US" dirty="0"/>
+          </a:p>
+        </p:txBody>
+      </p:sp>
+    </p:spTree>
+    <p:extLst>
+      <p:ext uri="{BB962C8B-B14F-4D97-AF65-F5344CB8AC3E}">
+        <p14:creationId xmlns:p14="http://schemas.microsoft.com/office/powerpoint/2010/main" val="1320950691"/>
+      </p:ext>
+    </p:extLst>
+  </p:cSld>
+  <p:clrMapOvr>
+    <a:masterClrMapping/>
+  </p:clrMapOvr>
+</p:sld>
+</file>
+
+<file path=ppt/slides/slide12.xml><?xml version="1.0" encoding="utf-8"?>
+<p:sld xmlns:a="http://schemas.openxmlformats.org/drawingml/2006/main" xmlns:r="http://schemas.openxmlformats.org/officeDocument/2006/relationships" xmlns:p="http://schemas.openxmlformats.org/presentationml/2006/main">
+  <p:cSld>
+    <p:spTree>
+      <p:nvGrpSpPr>
+        <p:cNvPr id="1" name=""/>
+        <p:cNvGrpSpPr/>
+        <p:nvPr/>
+      </p:nvGrpSpPr>
+      <p:grpSpPr>
+        <a:xfrm>
+          <a:off x="0" y="0"/>
+          <a:ext cx="0" cy="0"/>
+          <a:chOff x="0" y="0"/>
+          <a:chExt cx="0" cy="0"/>
+        </a:xfrm>
+      </p:grpSpPr>
+      <p:sp>
+        <p:nvSpPr>
+          <p:cNvPr id="2" name="標題 1">
+            <a:extLst>
+              <a:ext uri="{FF2B5EF4-FFF2-40B4-BE49-F238E27FC236}">
+                <a16:creationId xmlns:a16="http://schemas.microsoft.com/office/drawing/2014/main" id="{5B2F2FAA-8DD8-D06D-E593-F231A8A77653}"/>
+              </a:ext>
+            </a:extLst>
+          </p:cNvPr>
+          <p:cNvSpPr>
+            <a:spLocks noGrp="1"/>
+          </p:cNvSpPr>
+          <p:nvPr>
+            <p:ph type="title"/>
+          </p:nvPr>
+        </p:nvSpPr>
+        <p:spPr/>
+        <p:txBody>
+          <a:bodyPr/>
+          <a:lstStyle/>
+          <a:p>
+            <a:endParaRPr lang="zh-TW" altLang="en-US" dirty="0"/>
+          </a:p>
+        </p:txBody>
+      </p:sp>
+      <p:sp>
+        <p:nvSpPr>
+          <p:cNvPr id="3" name="內容版面配置區 2">
+            <a:extLst>
+              <a:ext uri="{FF2B5EF4-FFF2-40B4-BE49-F238E27FC236}">
+                <a16:creationId xmlns:a16="http://schemas.microsoft.com/office/drawing/2014/main" id="{3D349881-C7D1-F217-B543-AA704A86799D}"/>
+              </a:ext>
+            </a:extLst>
+          </p:cNvPr>
+          <p:cNvSpPr>
+            <a:spLocks noGrp="1"/>
+          </p:cNvSpPr>
+          <p:nvPr>
+            <p:ph idx="1"/>
+          </p:nvPr>
+        </p:nvSpPr>
+        <p:spPr/>
+        <p:txBody>
+          <a:bodyPr/>
+          <a:lstStyle/>
+          <a:p>
+            <a:r>
+              <a:rPr lang="zh-TW" altLang="en-US" dirty="0">
+                <a:latin typeface="標楷體" panose="03000509000000000000" pitchFamily="65" charset="-120"/>
+                <a:ea typeface="標楷體" panose="03000509000000000000" pitchFamily="65" charset="-120"/>
+              </a:rPr>
+              <a:t>那麼研究完了後就是要開始</a:t>
+            </a:r>
+            <a:r>
+              <a:rPr lang="en-US" altLang="zh-TW" dirty="0">
+                <a:latin typeface="標楷體" panose="03000509000000000000" pitchFamily="65" charset="-120"/>
+                <a:ea typeface="標楷體" panose="03000509000000000000" pitchFamily="65" charset="-120"/>
+              </a:rPr>
+              <a:t>pix2pix</a:t>
+            </a:r>
+            <a:r>
+              <a:rPr lang="zh-TW" altLang="en-US" dirty="0">
+                <a:latin typeface="標楷體" panose="03000509000000000000" pitchFamily="65" charset="-120"/>
+                <a:ea typeface="標楷體" panose="03000509000000000000" pitchFamily="65" charset="-120"/>
+              </a:rPr>
+              <a:t>的實驗。截至目前，我還是不知道該如何去訓練，我預計再多兩個禮拜左右的時間去實作他</a:t>
+            </a:r>
+          </a:p>
+        </p:txBody>
+      </p:sp>
+    </p:spTree>
+    <p:extLst>
+      <p:ext uri="{BB962C8B-B14F-4D97-AF65-F5344CB8AC3E}">
+        <p14:creationId xmlns:p14="http://schemas.microsoft.com/office/powerpoint/2010/main" val="1607514034"/>
+      </p:ext>
+    </p:extLst>
+  </p:cSld>
+  <p:clrMapOvr>
+    <a:masterClrMapping/>
+  </p:clrMapOvr>
+</p:sld>
+</file>
+
+<file path=ppt/slides/slide13.xml><?xml version="1.0" encoding="utf-8"?>
+<p:sld xmlns:a="http://schemas.openxmlformats.org/drawingml/2006/main" xmlns:r="http://schemas.openxmlformats.org/officeDocument/2006/relationships" xmlns:p="http://schemas.openxmlformats.org/presentationml/2006/main">
+  <p:cSld>
+    <p:spTree>
+      <p:nvGrpSpPr>
+        <p:cNvPr id="1" name=""/>
+        <p:cNvGrpSpPr/>
+        <p:nvPr/>
+      </p:nvGrpSpPr>
+      <p:grpSpPr>
+        <a:xfrm>
+          <a:off x="0" y="0"/>
+          <a:ext cx="0" cy="0"/>
+          <a:chOff x="0" y="0"/>
+          <a:chExt cx="0" cy="0"/>
+        </a:xfrm>
+      </p:grpSpPr>
+      <p:sp>
+        <p:nvSpPr>
+          <p:cNvPr id="2" name="標題 1">
+            <a:extLst>
+              <a:ext uri="{FF2B5EF4-FFF2-40B4-BE49-F238E27FC236}">
+                <a16:creationId xmlns:a16="http://schemas.microsoft.com/office/drawing/2014/main" id="{DF7A3477-50D2-B700-A656-43E5296191C8}"/>
+              </a:ext>
+            </a:extLst>
+          </p:cNvPr>
+          <p:cNvSpPr>
+            <a:spLocks noGrp="1"/>
+          </p:cNvSpPr>
+          <p:nvPr>
+            <p:ph type="title"/>
+          </p:nvPr>
+        </p:nvSpPr>
+        <p:spPr/>
+        <p:txBody>
+          <a:bodyPr/>
+          <a:lstStyle/>
+          <a:p>
+            <a:r>
+              <a:rPr lang="zh-TW" altLang="en-US" dirty="0">
+                <a:latin typeface="標楷體" panose="03000509000000000000" pitchFamily="65" charset="-120"/>
+                <a:ea typeface="標楷體" panose="03000509000000000000" pitchFamily="65" charset="-120"/>
+              </a:rPr>
+              <a:t>問題</a:t>
+            </a:r>
+            <a:endParaRPr lang="zh-TW" altLang="en-US" dirty="0"/>
+          </a:p>
+        </p:txBody>
+      </p:sp>
+      <p:sp>
+        <p:nvSpPr>
+          <p:cNvPr id="3" name="內容版面配置區 2">
+            <a:extLst>
+              <a:ext uri="{FF2B5EF4-FFF2-40B4-BE49-F238E27FC236}">
+                <a16:creationId xmlns:a16="http://schemas.microsoft.com/office/drawing/2014/main" id="{8B5114AC-AC68-1BB3-AE66-497A433158A1}"/>
+              </a:ext>
+            </a:extLst>
+          </p:cNvPr>
+          <p:cNvSpPr>
+            <a:spLocks noGrp="1"/>
+          </p:cNvSpPr>
+          <p:nvPr>
+            <p:ph idx="1"/>
+          </p:nvPr>
+        </p:nvSpPr>
+        <p:spPr/>
+        <p:txBody>
+          <a:bodyPr/>
+          <a:lstStyle/>
+          <a:p>
+            <a:pPr marL="0" indent="0">
+              <a:buNone/>
+            </a:pPr>
+            <a:r>
+              <a:rPr lang="zh-TW" altLang="en-US" dirty="0">
+                <a:latin typeface="標楷體" panose="03000509000000000000" pitchFamily="65" charset="-120"/>
+                <a:ea typeface="標楷體" panose="03000509000000000000" pitchFamily="65" charset="-120"/>
+              </a:rPr>
+              <a:t>我們需要做的是深蹲判斷是要全程還是依照剛剛所說的兩個時機來做判斷，如果做全程，那我們需要逐幀擷取並做矯正嗎</a:t>
+            </a:r>
+            <a:r>
+              <a:rPr lang="en-US" altLang="zh-TW" dirty="0">
+                <a:latin typeface="標楷體" panose="03000509000000000000" pitchFamily="65" charset="-120"/>
+                <a:ea typeface="標楷體" panose="03000509000000000000" pitchFamily="65" charset="-120"/>
+              </a:rPr>
+              <a:t>?</a:t>
+            </a:r>
+            <a:r>
+              <a:rPr lang="zh-TW" altLang="en-US" dirty="0">
+                <a:latin typeface="標楷體" panose="03000509000000000000" pitchFamily="65" charset="-120"/>
+                <a:ea typeface="標楷體" panose="03000509000000000000" pitchFamily="65" charset="-120"/>
+              </a:rPr>
+              <a:t>但有可能他一開始不標準但做的過程又變標準，又或者一開始標準，但蹲下去的過程又變不標準。 如果要修正全程的話，我們又該如何去做</a:t>
+            </a:r>
+            <a:r>
+              <a:rPr lang="en-US" altLang="zh-TW" dirty="0">
+                <a:latin typeface="標楷體" panose="03000509000000000000" pitchFamily="65" charset="-120"/>
+                <a:ea typeface="標楷體" panose="03000509000000000000" pitchFamily="65" charset="-120"/>
+              </a:rPr>
+              <a:t>pix2pix</a:t>
+            </a:r>
+            <a:r>
+              <a:rPr lang="zh-TW" altLang="en-US" dirty="0">
+                <a:latin typeface="標楷體" panose="03000509000000000000" pitchFamily="65" charset="-120"/>
+                <a:ea typeface="標楷體" panose="03000509000000000000" pitchFamily="65" charset="-120"/>
+              </a:rPr>
+              <a:t>的訓練呢</a:t>
+            </a:r>
+            <a:r>
+              <a:rPr lang="en-US" altLang="zh-TW" dirty="0">
+                <a:latin typeface="標楷體" panose="03000509000000000000" pitchFamily="65" charset="-120"/>
+                <a:ea typeface="標楷體" panose="03000509000000000000" pitchFamily="65" charset="-120"/>
+              </a:rPr>
+              <a:t>?</a:t>
+            </a:r>
+            <a:endParaRPr lang="zh-TW" altLang="en-US" dirty="0">
+              <a:latin typeface="標楷體" panose="03000509000000000000" pitchFamily="65" charset="-120"/>
+              <a:ea typeface="標楷體" panose="03000509000000000000" pitchFamily="65" charset="-120"/>
+            </a:endParaRPr>
+          </a:p>
+        </p:txBody>
+      </p:sp>
+    </p:spTree>
+    <p:extLst>
+      <p:ext uri="{BB962C8B-B14F-4D97-AF65-F5344CB8AC3E}">
+        <p14:creationId xmlns:p14="http://schemas.microsoft.com/office/powerpoint/2010/main" val="3173635460"/>
+      </p:ext>
+    </p:extLst>
+  </p:cSld>
+  <p:clrMapOvr>
+    <a:masterClrMapping/>
+  </p:clrMapOvr>
+</p:sld>
+</file>
+
 <file path=ppt/slides/slide2.xml><?xml version="1.0" encoding="utf-8"?>
 <p:sld xmlns:a="http://schemas.openxmlformats.org/drawingml/2006/main" xmlns:r="http://schemas.openxmlformats.org/officeDocument/2006/relationships" xmlns:p="http://schemas.openxmlformats.org/presentationml/2006/main">
   <p:cSld>
@@ -3529,15 +4106,178 @@
             <p:ph idx="1"/>
           </p:nvPr>
         </p:nvSpPr>
-        <p:spPr/>
-        <p:txBody>
-          <a:bodyPr/>
-          <a:lstStyle/>
-          <a:p>
-            <a:endParaRPr lang="zh-TW" altLang="en-US" dirty="0"/>
-          </a:p>
-        </p:txBody>
-      </p:sp>
+        <p:spPr>
+          <a:xfrm>
+            <a:off x="838200" y="1414920"/>
+            <a:ext cx="10515600" cy="4351338"/>
+          </a:xfrm>
+        </p:spPr>
+        <p:txBody>
+          <a:bodyPr/>
+          <a:lstStyle/>
+          <a:p>
+            <a:r>
+              <a:rPr lang="zh-TW" altLang="en-US" dirty="0">
+                <a:latin typeface="標楷體" panose="03000509000000000000" pitchFamily="65" charset="-120"/>
+                <a:ea typeface="標楷體" panose="03000509000000000000" pitchFamily="65" charset="-120"/>
+              </a:rPr>
+              <a:t>蒐集方法：</a:t>
+            </a:r>
+            <a:endParaRPr lang="en-US" altLang="zh-TW" dirty="0">
+              <a:latin typeface="標楷體" panose="03000509000000000000" pitchFamily="65" charset="-120"/>
+              <a:ea typeface="標楷體" panose="03000509000000000000" pitchFamily="65" charset="-120"/>
+            </a:endParaRPr>
+          </a:p>
+          <a:p>
+            <a:pPr marL="971550" lvl="1" indent="-514350">
+              <a:buFont typeface="+mj-lt"/>
+              <a:buAutoNum type="arabicPeriod"/>
+            </a:pPr>
+            <a:r>
+              <a:rPr lang="zh-TW" altLang="en-US" dirty="0">
+                <a:latin typeface="標楷體" panose="03000509000000000000" pitchFamily="65" charset="-120"/>
+                <a:ea typeface="標楷體" panose="03000509000000000000" pitchFamily="65" charset="-120"/>
+              </a:rPr>
+              <a:t>標準姿勢：從</a:t>
+            </a:r>
+            <a:r>
+              <a:rPr lang="en-US" altLang="zh-TW" dirty="0" err="1">
+                <a:latin typeface="標楷體" panose="03000509000000000000" pitchFamily="65" charset="-120"/>
+                <a:ea typeface="標楷體" panose="03000509000000000000" pitchFamily="65" charset="-120"/>
+              </a:rPr>
+              <a:t>Youtube</a:t>
+            </a:r>
+            <a:r>
+              <a:rPr lang="zh-TW" altLang="en-US" dirty="0">
+                <a:latin typeface="標楷體" panose="03000509000000000000" pitchFamily="65" charset="-120"/>
+                <a:ea typeface="標楷體" panose="03000509000000000000" pitchFamily="65" charset="-120"/>
+              </a:rPr>
+              <a:t>擷取影片</a:t>
+            </a:r>
+            <a:endParaRPr lang="en-US" altLang="zh-TW" dirty="0">
+              <a:latin typeface="標楷體" panose="03000509000000000000" pitchFamily="65" charset="-120"/>
+              <a:ea typeface="標楷體" panose="03000509000000000000" pitchFamily="65" charset="-120"/>
+            </a:endParaRPr>
+          </a:p>
+          <a:p>
+            <a:pPr marL="971550" lvl="1" indent="-514350">
+              <a:buFont typeface="+mj-lt"/>
+              <a:buAutoNum type="arabicPeriod"/>
+            </a:pPr>
+            <a:r>
+              <a:rPr lang="zh-TW" altLang="en-US" dirty="0">
+                <a:latin typeface="標楷體" panose="03000509000000000000" pitchFamily="65" charset="-120"/>
+                <a:ea typeface="標楷體" panose="03000509000000000000" pitchFamily="65" charset="-120"/>
+              </a:rPr>
+              <a:t>其他錯誤姿勢：因為</a:t>
+            </a:r>
+            <a:r>
+              <a:rPr lang="en-US" altLang="zh-TW" dirty="0" err="1">
+                <a:latin typeface="標楷體" panose="03000509000000000000" pitchFamily="65" charset="-120"/>
+                <a:ea typeface="標楷體" panose="03000509000000000000" pitchFamily="65" charset="-120"/>
+              </a:rPr>
+              <a:t>Youtube</a:t>
+            </a:r>
+            <a:r>
+              <a:rPr lang="zh-TW" altLang="en-US" dirty="0">
+                <a:latin typeface="標楷體" panose="03000509000000000000" pitchFamily="65" charset="-120"/>
+                <a:ea typeface="標楷體" panose="03000509000000000000" pitchFamily="65" charset="-120"/>
+              </a:rPr>
+              <a:t>大多是示範正確的姿勢，就算有錯誤的姿勢也不太會從正面拍攝，所以這部分由我們兩位專題成員以及請求朋友、同學協助拍攝</a:t>
+            </a:r>
+          </a:p>
+        </p:txBody>
+      </p:sp>
+      <p:pic>
+        <p:nvPicPr>
+          <p:cNvPr id="5" name="圖片 4">
+            <a:extLst>
+              <a:ext uri="{FF2B5EF4-FFF2-40B4-BE49-F238E27FC236}">
+                <a16:creationId xmlns:a16="http://schemas.microsoft.com/office/drawing/2014/main" id="{5A17042B-58B1-D4CA-4315-4A18CAE50A24}"/>
+              </a:ext>
+            </a:extLst>
+          </p:cNvPr>
+          <p:cNvPicPr>
+            <a:picLocks noChangeAspect="1"/>
+          </p:cNvPicPr>
+          <p:nvPr/>
+        </p:nvPicPr>
+        <p:blipFill>
+          <a:blip r:embed="rId2"/>
+          <a:stretch>
+            <a:fillRect/>
+          </a:stretch>
+        </p:blipFill>
+        <p:spPr>
+          <a:xfrm>
+            <a:off x="5684463" y="3483029"/>
+            <a:ext cx="1677231" cy="3015655"/>
+          </a:xfrm>
+          <a:prstGeom prst="rect">
+            <a:avLst/>
+          </a:prstGeom>
+        </p:spPr>
+      </p:pic>
+      <p:pic>
+        <p:nvPicPr>
+          <p:cNvPr id="7" name="圖片 6">
+            <a:extLst>
+              <a:ext uri="{FF2B5EF4-FFF2-40B4-BE49-F238E27FC236}">
+                <a16:creationId xmlns:a16="http://schemas.microsoft.com/office/drawing/2014/main" id="{C065DEB9-BE93-B000-FFE3-64168BABC457}"/>
+              </a:ext>
+            </a:extLst>
+          </p:cNvPr>
+          <p:cNvPicPr>
+            <a:picLocks noChangeAspect="1"/>
+          </p:cNvPicPr>
+          <p:nvPr/>
+        </p:nvPicPr>
+        <p:blipFill>
+          <a:blip r:embed="rId3"/>
+          <a:stretch>
+            <a:fillRect/>
+          </a:stretch>
+        </p:blipFill>
+        <p:spPr>
+          <a:xfrm>
+            <a:off x="1165507" y="3914461"/>
+            <a:ext cx="3445240" cy="2578414"/>
+          </a:xfrm>
+          <a:prstGeom prst="rect">
+            <a:avLst/>
+          </a:prstGeom>
+        </p:spPr>
+      </p:pic>
+      <p:pic>
+        <p:nvPicPr>
+          <p:cNvPr id="9" name="圖片 8">
+            <a:extLst>
+              <a:ext uri="{FF2B5EF4-FFF2-40B4-BE49-F238E27FC236}">
+                <a16:creationId xmlns:a16="http://schemas.microsoft.com/office/drawing/2014/main" id="{C7A52916-143D-FA5D-B42F-1D0789C6FAA4}"/>
+              </a:ext>
+            </a:extLst>
+          </p:cNvPr>
+          <p:cNvPicPr>
+            <a:picLocks noChangeAspect="1"/>
+          </p:cNvPicPr>
+          <p:nvPr/>
+        </p:nvPicPr>
+        <p:blipFill>
+          <a:blip r:embed="rId4"/>
+          <a:stretch>
+            <a:fillRect/>
+          </a:stretch>
+        </p:blipFill>
+        <p:spPr>
+          <a:xfrm>
+            <a:off x="8846118" y="3429000"/>
+            <a:ext cx="1891003" cy="3173259"/>
+          </a:xfrm>
+          <a:prstGeom prst="rect">
+            <a:avLst/>
+          </a:prstGeom>
+        </p:spPr>
+      </p:pic>
     </p:spTree>
     <p:extLst>
       <p:ext uri="{BB962C8B-B14F-4D97-AF65-F5344CB8AC3E}">
@@ -3573,7 +4313,7 @@
           <p:cNvPr id="2" name="標題 1">
             <a:extLst>
               <a:ext uri="{FF2B5EF4-FFF2-40B4-BE49-F238E27FC236}">
-                <a16:creationId xmlns:a16="http://schemas.microsoft.com/office/drawing/2014/main" id="{B2E56705-A8D3-CCB9-A486-BB28A9ED1A58}"/>
+                <a16:creationId xmlns:a16="http://schemas.microsoft.com/office/drawing/2014/main" id="{B9325316-D498-A913-7315-56E285F4C8AE}"/>
               </a:ext>
             </a:extLst>
           </p:cNvPr>
@@ -3591,334 +4331,108 @@
           <a:p>
             <a:pPr algn="ctr"/>
             <a:r>
+              <a:rPr lang="zh-TW" altLang="en-US" dirty="0">
+                <a:latin typeface="標楷體" panose="03000509000000000000" pitchFamily="65" charset="-120"/>
+                <a:ea typeface="標楷體" panose="03000509000000000000" pitchFamily="65" charset="-120"/>
+              </a:rPr>
+              <a:t>分類方式</a:t>
+            </a:r>
+          </a:p>
+        </p:txBody>
+      </p:sp>
+      <p:sp>
+        <p:nvSpPr>
+          <p:cNvPr id="3" name="內容版面配置區 2">
+            <a:extLst>
+              <a:ext uri="{FF2B5EF4-FFF2-40B4-BE49-F238E27FC236}">
+                <a16:creationId xmlns:a16="http://schemas.microsoft.com/office/drawing/2014/main" id="{B43196F7-B530-86E0-47DB-C2BF57AC2B2C}"/>
+              </a:ext>
+            </a:extLst>
+          </p:cNvPr>
+          <p:cNvSpPr>
+            <a:spLocks noGrp="1"/>
+          </p:cNvSpPr>
+          <p:nvPr>
+            <p:ph idx="1"/>
+          </p:nvPr>
+        </p:nvSpPr>
+        <p:spPr/>
+        <p:txBody>
+          <a:bodyPr/>
+          <a:lstStyle/>
+          <a:p>
+            <a:r>
+              <a:rPr lang="zh-TW" altLang="en-US" dirty="0">
+                <a:latin typeface="標楷體" panose="03000509000000000000" pitchFamily="65" charset="-120"/>
+                <a:ea typeface="標楷體" panose="03000509000000000000" pitchFamily="65" charset="-120"/>
+              </a:rPr>
+              <a:t>根據研究顯示，雙腳距離大約會與肩同寬以及膝蓋距離大略是</a:t>
+            </a:r>
+            <a:r>
               <a:rPr lang="en-US" altLang="zh-TW" dirty="0">
                 <a:latin typeface="標楷體" panose="03000509000000000000" pitchFamily="65" charset="-120"/>
                 <a:ea typeface="標楷體" panose="03000509000000000000" pitchFamily="65" charset="-120"/>
               </a:rPr>
-              <a:t>pix2pix</a:t>
+              <a:t>1~1.4</a:t>
             </a:r>
             <a:r>
               <a:rPr lang="zh-TW" altLang="en-US" dirty="0">
                 <a:latin typeface="標楷體" panose="03000509000000000000" pitchFamily="65" charset="-120"/>
                 <a:ea typeface="標楷體" panose="03000509000000000000" pitchFamily="65" charset="-120"/>
               </a:rPr>
-              <a:t>研究</a:t>
-            </a:r>
-          </a:p>
-        </p:txBody>
-      </p:sp>
-      <p:sp>
-        <p:nvSpPr>
-          <p:cNvPr id="4" name="文字方塊 3">
-            <a:extLst>
-              <a:ext uri="{FF2B5EF4-FFF2-40B4-BE49-F238E27FC236}">
-                <a16:creationId xmlns:a16="http://schemas.microsoft.com/office/drawing/2014/main" id="{F5B21B59-B44A-759F-E0ED-DBE3DA136B20}"/>
-              </a:ext>
-            </a:extLst>
-          </p:cNvPr>
-          <p:cNvSpPr txBox="1"/>
+              <a:t>個肩寬，所以我們會以這樣的標準作出相對應的錯誤動作。例如雙腳過窄</a:t>
+            </a:r>
+            <a:r>
+              <a:rPr lang="en-US" altLang="zh-TW" dirty="0">
+                <a:latin typeface="標楷體" panose="03000509000000000000" pitchFamily="65" charset="-120"/>
+                <a:ea typeface="標楷體" panose="03000509000000000000" pitchFamily="65" charset="-120"/>
+              </a:rPr>
+              <a:t>/</a:t>
+            </a:r>
+            <a:r>
+              <a:rPr lang="zh-TW" altLang="en-US" dirty="0">
+                <a:latin typeface="標楷體" panose="03000509000000000000" pitchFamily="65" charset="-120"/>
+                <a:ea typeface="標楷體" panose="03000509000000000000" pitchFamily="65" charset="-120"/>
+              </a:rPr>
+              <a:t>膝蓋過窄，會做出以下動作。總共八種的錯誤姿勢都用這樣的模式來蒐集影片。</a:t>
+            </a:r>
+          </a:p>
+        </p:txBody>
+      </p:sp>
+      <p:pic>
+        <p:nvPicPr>
+          <p:cNvPr id="5" name="圖片 4">
+            <a:extLst>
+              <a:ext uri="{FF2B5EF4-FFF2-40B4-BE49-F238E27FC236}">
+                <a16:creationId xmlns:a16="http://schemas.microsoft.com/office/drawing/2014/main" id="{0FC737DC-21AE-C1D0-6AB3-8916D57E8591}"/>
+              </a:ext>
+            </a:extLst>
+          </p:cNvPr>
+          <p:cNvPicPr>
+            <a:picLocks noChangeAspect="1"/>
+          </p:cNvPicPr>
           <p:nvPr/>
-        </p:nvSpPr>
+        </p:nvPicPr>
+        <p:blipFill>
+          <a:blip r:embed="rId2"/>
+          <a:stretch>
+            <a:fillRect/>
+          </a:stretch>
+        </p:blipFill>
         <p:spPr>
           <a:xfrm>
-            <a:off x="1419785" y="2655402"/>
-            <a:ext cx="9352430" cy="2677656"/>
+            <a:off x="8582754" y="3161654"/>
+            <a:ext cx="1691699" cy="3580108"/>
           </a:xfrm>
           <a:prstGeom prst="rect">
             <a:avLst/>
           </a:prstGeom>
-          <a:noFill/>
         </p:spPr>
-        <p:txBody>
-          <a:bodyPr wrap="square" rtlCol="0">
-            <a:spAutoFit/>
-          </a:bodyPr>
-          <a:lstStyle/>
-          <a:p>
-            <a:pPr algn="l" rtl="0" fontAlgn="base">
-              <a:buFont typeface="Arial" panose="020B0604020202020204" pitchFamily="34" charset="0"/>
-              <a:buChar char="•"/>
-            </a:pPr>
-            <a:r>
-              <a:rPr lang="zh-TW" altLang="zh-TW" sz="2500" b="0" i="0" u="none" strike="noStrike" dirty="0">
-                <a:solidFill>
-                  <a:srgbClr val="595959"/>
-                </a:solidFill>
-                <a:effectLst/>
-                <a:latin typeface="Arial" panose="020B0604020202020204" pitchFamily="34" charset="0"/>
-                <a:ea typeface="標楷體" panose="03000509000000000000" pitchFamily="65" charset="-120"/>
-              </a:rPr>
-              <a:t>生成器的輸出是透過條件來決定的，</a:t>
-            </a:r>
-            <a:r>
-              <a:rPr lang="en-US" altLang="zh-TW" sz="2500" b="0" i="0" u="none" strike="noStrike" dirty="0">
-                <a:solidFill>
-                  <a:srgbClr val="595959"/>
-                </a:solidFill>
-                <a:effectLst/>
-                <a:latin typeface="標楷體" panose="03000509000000000000" pitchFamily="65" charset="-120"/>
-              </a:rPr>
-              <a:t>conditional GAN </a:t>
-            </a:r>
-            <a:r>
-              <a:rPr lang="zh-TW" altLang="zh-TW" sz="2500" b="0" i="0" u="none" strike="noStrike" dirty="0">
-                <a:solidFill>
-                  <a:srgbClr val="595959"/>
-                </a:solidFill>
-                <a:effectLst/>
-                <a:latin typeface="Arial" panose="020B0604020202020204" pitchFamily="34" charset="0"/>
-                <a:ea typeface="標楷體" panose="03000509000000000000" pitchFamily="65" charset="-120"/>
-              </a:rPr>
-              <a:t>的一種。</a:t>
-            </a:r>
-            <a:r>
-              <a:rPr lang="en-US" altLang="zh-TW" sz="2500" b="0" i="0" dirty="0">
-                <a:solidFill>
-                  <a:srgbClr val="595959"/>
-                </a:solidFill>
-                <a:effectLst/>
-                <a:latin typeface="標楷體" panose="03000509000000000000" pitchFamily="65" charset="-120"/>
-              </a:rPr>
-              <a:t>​</a:t>
-            </a:r>
-            <a:endParaRPr lang="en-US" altLang="zh-TW" sz="2500" b="0" i="0" dirty="0">
-              <a:solidFill>
-                <a:srgbClr val="000000"/>
-              </a:solidFill>
-              <a:effectLst/>
-              <a:latin typeface="Arial" panose="020B0604020202020204" pitchFamily="34" charset="0"/>
-            </a:endParaRPr>
-          </a:p>
-          <a:p>
-            <a:pPr lvl="1" fontAlgn="base">
-              <a:buFont typeface="Arial" panose="020B0604020202020204" pitchFamily="34" charset="0"/>
-              <a:buChar char="•"/>
-            </a:pPr>
-            <a:r>
-              <a:rPr lang="zh-TW" altLang="zh-TW" sz="2500" b="0" i="0" u="none" strike="noStrike" dirty="0">
-                <a:solidFill>
-                  <a:srgbClr val="595959"/>
-                </a:solidFill>
-                <a:effectLst/>
-                <a:latin typeface="Arial" panose="020B0604020202020204" pitchFamily="34" charset="0"/>
-                <a:ea typeface="標楷體" panose="03000509000000000000" pitchFamily="65" charset="-120"/>
-              </a:rPr>
-              <a:t>條件在此為 </a:t>
-            </a:r>
-            <a:r>
-              <a:rPr lang="en-US" altLang="zh-TW" sz="2500" b="0" i="0" u="none" strike="noStrike" dirty="0">
-                <a:solidFill>
-                  <a:srgbClr val="595959"/>
-                </a:solidFill>
-                <a:effectLst/>
-                <a:latin typeface="標楷體" panose="03000509000000000000" pitchFamily="65" charset="-120"/>
-              </a:rPr>
-              <a:t>source image</a:t>
-            </a:r>
-            <a:r>
-              <a:rPr lang="en-US" altLang="zh-TW" sz="2500" b="0" i="0" dirty="0">
-                <a:solidFill>
-                  <a:srgbClr val="595959"/>
-                </a:solidFill>
-                <a:effectLst/>
-                <a:latin typeface="標楷體" panose="03000509000000000000" pitchFamily="65" charset="-120"/>
-              </a:rPr>
-              <a:t>​</a:t>
-            </a:r>
-            <a:endParaRPr lang="en-US" altLang="zh-TW" sz="2500" b="0" i="0" dirty="0">
-              <a:solidFill>
-                <a:srgbClr val="000000"/>
-              </a:solidFill>
-              <a:effectLst/>
-              <a:latin typeface="Arial" panose="020B0604020202020204" pitchFamily="34" charset="0"/>
-            </a:endParaRPr>
-          </a:p>
-          <a:p>
-            <a:pPr algn="l" rtl="0" fontAlgn="base">
-              <a:buFont typeface="Arial" panose="020B0604020202020204" pitchFamily="34" charset="0"/>
-              <a:buChar char="•"/>
-            </a:pPr>
-            <a:r>
-              <a:rPr lang="zh-TW" altLang="zh-TW" sz="2500" b="0" i="0" u="none" strike="noStrike" dirty="0">
-                <a:solidFill>
-                  <a:srgbClr val="595959"/>
-                </a:solidFill>
-                <a:effectLst/>
-                <a:latin typeface="Arial" panose="020B0604020202020204" pitchFamily="34" charset="0"/>
-                <a:ea typeface="標楷體" panose="03000509000000000000" pitchFamily="65" charset="-120"/>
-              </a:rPr>
-              <a:t>判斷器</a:t>
-            </a:r>
-            <a:r>
-              <a:rPr lang="en-US" altLang="zh-TW" sz="2500" b="0" i="0" dirty="0">
-                <a:solidFill>
-                  <a:srgbClr val="595959"/>
-                </a:solidFill>
-                <a:effectLst/>
-                <a:latin typeface="標楷體" panose="03000509000000000000" pitchFamily="65" charset="-120"/>
-              </a:rPr>
-              <a:t>​</a:t>
-            </a:r>
-            <a:endParaRPr lang="en-US" altLang="zh-TW" sz="2500" b="0" i="0" dirty="0">
-              <a:solidFill>
-                <a:srgbClr val="000000"/>
-              </a:solidFill>
-              <a:effectLst/>
-              <a:latin typeface="Arial" panose="020B0604020202020204" pitchFamily="34" charset="0"/>
-            </a:endParaRPr>
-          </a:p>
-          <a:p>
-            <a:pPr lvl="1" fontAlgn="base">
-              <a:buFont typeface="Arial" panose="020B0604020202020204" pitchFamily="34" charset="0"/>
-              <a:buChar char="•"/>
-            </a:pPr>
-            <a:r>
-              <a:rPr lang="en-US" altLang="zh-TW" sz="2500" b="0" i="0" u="none" strike="noStrike" dirty="0" err="1">
-                <a:solidFill>
-                  <a:srgbClr val="595959"/>
-                </a:solidFill>
-                <a:effectLst/>
-                <a:latin typeface="標楷體" panose="03000509000000000000" pitchFamily="65" charset="-120"/>
-              </a:rPr>
-              <a:t>PatchGAN</a:t>
-            </a:r>
-            <a:r>
-              <a:rPr lang="zh-TW" altLang="zh-TW" sz="2500" b="0" i="0" u="none" strike="noStrike" dirty="0">
-                <a:solidFill>
-                  <a:srgbClr val="595959"/>
-                </a:solidFill>
-                <a:effectLst/>
-                <a:latin typeface="Arial" panose="020B0604020202020204" pitchFamily="34" charset="0"/>
-                <a:ea typeface="標楷體" panose="03000509000000000000" pitchFamily="65" charset="-120"/>
-              </a:rPr>
-              <a:t> 判斷器</a:t>
-            </a:r>
-            <a:r>
-              <a:rPr lang="en-US" altLang="zh-TW" sz="2500" b="0" i="0" dirty="0">
-                <a:solidFill>
-                  <a:srgbClr val="595959"/>
-                </a:solidFill>
-                <a:effectLst/>
-                <a:latin typeface="標楷體" panose="03000509000000000000" pitchFamily="65" charset="-120"/>
-              </a:rPr>
-              <a:t>​</a:t>
-            </a:r>
-            <a:endParaRPr lang="en-US" altLang="zh-TW" sz="2500" b="0" i="0" dirty="0">
-              <a:solidFill>
-                <a:srgbClr val="000000"/>
-              </a:solidFill>
-              <a:effectLst/>
-              <a:latin typeface="Arial" panose="020B0604020202020204" pitchFamily="34" charset="0"/>
-            </a:endParaRPr>
-          </a:p>
-          <a:p>
-            <a:pPr algn="l" rtl="0" fontAlgn="base">
-              <a:buFont typeface="Arial" panose="020B0604020202020204" pitchFamily="34" charset="0"/>
-              <a:buChar char="•"/>
-            </a:pPr>
-            <a:r>
-              <a:rPr lang="zh-TW" altLang="zh-TW" sz="2500" b="0" i="0" u="none" strike="noStrike" dirty="0">
-                <a:solidFill>
-                  <a:srgbClr val="595959"/>
-                </a:solidFill>
-                <a:effectLst/>
-                <a:latin typeface="Arial" panose="020B0604020202020204" pitchFamily="34" charset="0"/>
-                <a:ea typeface="標楷體" panose="03000509000000000000" pitchFamily="65" charset="-120"/>
-              </a:rPr>
-              <a:t>生成器</a:t>
-            </a:r>
-            <a:r>
-              <a:rPr lang="en-US" altLang="zh-TW" sz="2500" b="0" i="0" dirty="0">
-                <a:solidFill>
-                  <a:srgbClr val="595959"/>
-                </a:solidFill>
-                <a:effectLst/>
-                <a:latin typeface="標楷體" panose="03000509000000000000" pitchFamily="65" charset="-120"/>
-              </a:rPr>
-              <a:t>​</a:t>
-            </a:r>
-            <a:endParaRPr lang="en-US" altLang="zh-TW" sz="2500" b="0" i="0" dirty="0">
-              <a:solidFill>
-                <a:srgbClr val="000000"/>
-              </a:solidFill>
-              <a:effectLst/>
-              <a:latin typeface="Arial" panose="020B0604020202020204" pitchFamily="34" charset="0"/>
-            </a:endParaRPr>
-          </a:p>
-          <a:p>
-            <a:pPr lvl="1" fontAlgn="base">
-              <a:buFont typeface="Arial" panose="020B0604020202020204" pitchFamily="34" charset="0"/>
-              <a:buChar char="•"/>
-            </a:pPr>
-            <a:r>
-              <a:rPr lang="en-US" altLang="zh-TW" sz="2500" b="0" i="0" u="none" strike="noStrike" dirty="0">
-                <a:solidFill>
-                  <a:srgbClr val="595959"/>
-                </a:solidFill>
-                <a:effectLst/>
-                <a:latin typeface="標楷體" panose="03000509000000000000" pitchFamily="65" charset="-120"/>
-              </a:rPr>
-              <a:t>U-Net</a:t>
-            </a:r>
-            <a:r>
-              <a:rPr lang="zh-TW" altLang="zh-TW" sz="2500" b="0" i="0" u="none" strike="noStrike" dirty="0">
-                <a:solidFill>
-                  <a:srgbClr val="595959"/>
-                </a:solidFill>
-                <a:effectLst/>
-                <a:latin typeface="Arial" panose="020B0604020202020204" pitchFamily="34" charset="0"/>
-                <a:ea typeface="標楷體" panose="03000509000000000000" pitchFamily="65" charset="-120"/>
-              </a:rPr>
-              <a:t> </a:t>
-            </a:r>
-            <a:r>
-              <a:rPr lang="en-US" altLang="zh-TW" sz="2500" b="0" i="0" u="none" strike="noStrike" dirty="0">
-                <a:solidFill>
-                  <a:srgbClr val="595959"/>
-                </a:solidFill>
-                <a:effectLst/>
-                <a:latin typeface="標楷體" panose="03000509000000000000" pitchFamily="65" charset="-120"/>
-              </a:rPr>
-              <a:t>encoder-decoder </a:t>
-            </a:r>
-            <a:r>
-              <a:rPr lang="zh-TW" altLang="zh-TW" sz="2500" b="0" i="0" u="none" strike="noStrike" dirty="0">
-                <a:solidFill>
-                  <a:srgbClr val="595959"/>
-                </a:solidFill>
-                <a:effectLst/>
-                <a:latin typeface="Arial" panose="020B0604020202020204" pitchFamily="34" charset="0"/>
-                <a:ea typeface="標楷體" panose="03000509000000000000" pitchFamily="65" charset="-120"/>
-              </a:rPr>
-              <a:t>生成器</a:t>
-            </a:r>
-            <a:r>
-              <a:rPr lang="en-US" altLang="zh-TW" sz="2500" b="0" i="0" dirty="0">
-                <a:solidFill>
-                  <a:srgbClr val="595959"/>
-                </a:solidFill>
-                <a:effectLst/>
-                <a:latin typeface="標楷體" panose="03000509000000000000" pitchFamily="65" charset="-120"/>
-              </a:rPr>
-              <a:t>​</a:t>
-            </a:r>
-            <a:endParaRPr lang="en-US" altLang="zh-TW" sz="2500" b="0" i="0" dirty="0">
-              <a:solidFill>
-                <a:srgbClr val="000000"/>
-              </a:solidFill>
-              <a:effectLst/>
-              <a:latin typeface="Arial" panose="020B0604020202020204" pitchFamily="34" charset="0"/>
-            </a:endParaRPr>
-          </a:p>
-          <a:p>
-            <a:endParaRPr lang="zh-TW" altLang="en-US" dirty="0"/>
-          </a:p>
-        </p:txBody>
-      </p:sp>
+      </p:pic>
     </p:spTree>
     <p:extLst>
       <p:ext uri="{BB962C8B-B14F-4D97-AF65-F5344CB8AC3E}">
-        <p14:creationId xmlns:p14="http://schemas.microsoft.com/office/powerpoint/2010/main" val="4090600650"/>
+        <p14:creationId xmlns:p14="http://schemas.microsoft.com/office/powerpoint/2010/main" val="2462516502"/>
       </p:ext>
     </p:extLst>
   </p:cSld>
@@ -3950,7 +4464,7 @@
           <p:cNvPr id="2" name="標題 1">
             <a:extLst>
               <a:ext uri="{FF2B5EF4-FFF2-40B4-BE49-F238E27FC236}">
-                <a16:creationId xmlns:a16="http://schemas.microsoft.com/office/drawing/2014/main" id="{C8D8ED0F-6AFE-FD0C-7B84-86F2F67001FE}"/>
+                <a16:creationId xmlns:a16="http://schemas.microsoft.com/office/drawing/2014/main" id="{7E5DEA88-8D72-CFBB-8477-3D2C9F6446E8}"/>
               </a:ext>
             </a:extLst>
           </p:cNvPr>
@@ -3972,81 +4486,109 @@
                 <a:latin typeface="標楷體" panose="03000509000000000000" pitchFamily="65" charset="-120"/>
                 <a:ea typeface="標楷體" panose="03000509000000000000" pitchFamily="65" charset="-120"/>
               </a:rPr>
-              <a:t>手動修正</a:t>
-            </a:r>
+              <a:t>遇到的困難</a:t>
+            </a:r>
+          </a:p>
+        </p:txBody>
+      </p:sp>
+      <p:sp>
+        <p:nvSpPr>
+          <p:cNvPr id="3" name="內容版面配置區 2">
+            <a:extLst>
+              <a:ext uri="{FF2B5EF4-FFF2-40B4-BE49-F238E27FC236}">
+                <a16:creationId xmlns:a16="http://schemas.microsoft.com/office/drawing/2014/main" id="{54E2CFE2-948C-A59E-8F16-F8E0B5E3FEB2}"/>
+              </a:ext>
+            </a:extLst>
+          </p:cNvPr>
+          <p:cNvSpPr>
+            <a:spLocks noGrp="1"/>
+          </p:cNvSpPr>
+          <p:nvPr>
+            <p:ph idx="1"/>
+          </p:nvPr>
+        </p:nvSpPr>
+        <p:spPr/>
+        <p:txBody>
+          <a:bodyPr/>
+          <a:lstStyle/>
+          <a:p>
+            <a:r>
+              <a:rPr lang="zh-TW" altLang="en-US" dirty="0">
+                <a:latin typeface="標楷體" panose="03000509000000000000" pitchFamily="65" charset="-120"/>
+                <a:ea typeface="標楷體" panose="03000509000000000000" pitchFamily="65" charset="-120"/>
+              </a:rPr>
+              <a:t>站姿過寬</a:t>
+            </a:r>
+            <a:r>
+              <a:rPr lang="en-US" altLang="zh-TW" dirty="0">
+                <a:latin typeface="標楷體" panose="03000509000000000000" pitchFamily="65" charset="-120"/>
+                <a:ea typeface="標楷體" panose="03000509000000000000" pitchFamily="65" charset="-120"/>
+              </a:rPr>
+              <a:t>/</a:t>
+            </a:r>
+            <a:r>
+              <a:rPr lang="zh-TW" altLang="en-US" dirty="0">
+                <a:latin typeface="標楷體" panose="03000509000000000000" pitchFamily="65" charset="-120"/>
+                <a:ea typeface="標楷體" panose="03000509000000000000" pitchFamily="65" charset="-120"/>
+              </a:rPr>
+              <a:t>膝蓋過窄這一類做起來會對膝蓋造成極大壓力、不適，所以資料蒐集較困難</a:t>
+            </a:r>
+            <a:endParaRPr lang="en-US" altLang="zh-TW" dirty="0">
+              <a:latin typeface="標楷體" panose="03000509000000000000" pitchFamily="65" charset="-120"/>
+              <a:ea typeface="標楷體" panose="03000509000000000000" pitchFamily="65" charset="-120"/>
+            </a:endParaRPr>
+          </a:p>
+          <a:p>
+            <a:pPr marL="0" indent="0">
+              <a:buNone/>
+            </a:pPr>
+            <a:endParaRPr lang="en-US" altLang="zh-TW" dirty="0">
+              <a:latin typeface="標楷體" panose="03000509000000000000" pitchFamily="65" charset="-120"/>
+              <a:ea typeface="標楷體" panose="03000509000000000000" pitchFamily="65" charset="-120"/>
+            </a:endParaRPr>
           </a:p>
         </p:txBody>
       </p:sp>
       <p:pic>
         <p:nvPicPr>
-          <p:cNvPr id="5" name="內容版面配置區 4">
-            <a:extLst>
-              <a:ext uri="{FF2B5EF4-FFF2-40B4-BE49-F238E27FC236}">
-                <a16:creationId xmlns:a16="http://schemas.microsoft.com/office/drawing/2014/main" id="{BC0A3A4C-7189-78E0-5281-5F8CEA7C47E6}"/>
+          <p:cNvPr id="5" name="圖片 4">
+            <a:extLst>
+              <a:ext uri="{FF2B5EF4-FFF2-40B4-BE49-F238E27FC236}">
+                <a16:creationId xmlns:a16="http://schemas.microsoft.com/office/drawing/2014/main" id="{5677FA68-D84B-EF1A-0E75-FF4E2982CB1A}"/>
               </a:ext>
             </a:extLst>
           </p:cNvPr>
           <p:cNvPicPr>
-            <a:picLocks noGrp="1" noChangeAspect="1"/>
+            <a:picLocks noChangeAspect="1"/>
           </p:cNvPicPr>
-          <p:nvPr>
-            <p:ph idx="1"/>
-          </p:nvPr>
+          <p:nvPr/>
         </p:nvPicPr>
-        <p:blipFill rotWithShape="1">
-          <a:blip r:embed="rId2"/>
-          <a:srcRect r="39333"/>
-          <a:stretch/>
+        <p:blipFill>
+          <a:blip r:embed="rId2">
+            <a:extLst>
+              <a:ext uri="{28A0092B-C50C-407E-A947-70E740481C1C}">
+                <a14:useLocalDpi xmlns:a14="http://schemas.microsoft.com/office/drawing/2010/main" val="0"/>
+              </a:ext>
+            </a:extLst>
+          </a:blip>
+          <a:stretch>
+            <a:fillRect/>
+          </a:stretch>
         </p:blipFill>
         <p:spPr>
           <a:xfrm>
-            <a:off x="838200" y="1753907"/>
-            <a:ext cx="4693024" cy="4351338"/>
-          </a:xfrm>
-        </p:spPr>
-      </p:pic>
-      <p:sp>
-        <p:nvSpPr>
-          <p:cNvPr id="6" name="文字方塊 5">
-            <a:extLst>
-              <a:ext uri="{FF2B5EF4-FFF2-40B4-BE49-F238E27FC236}">
-                <a16:creationId xmlns:a16="http://schemas.microsoft.com/office/drawing/2014/main" id="{4CFA4188-3E97-719E-278B-1DE6A183A04D}"/>
-              </a:ext>
-            </a:extLst>
-          </p:cNvPr>
-          <p:cNvSpPr txBox="1"/>
-          <p:nvPr/>
-        </p:nvSpPr>
-        <p:spPr>
-          <a:xfrm flipH="1">
-            <a:off x="5953459" y="3532094"/>
-            <a:ext cx="5091058" cy="646331"/>
+            <a:off x="8526004" y="2740025"/>
+            <a:ext cx="2362200" cy="3571875"/>
           </a:xfrm>
           <a:prstGeom prst="rect">
             <a:avLst/>
           </a:prstGeom>
-          <a:noFill/>
         </p:spPr>
-        <p:txBody>
-          <a:bodyPr wrap="square" rtlCol="0">
-            <a:spAutoFit/>
-          </a:bodyPr>
-          <a:lstStyle/>
-          <a:p>
-            <a:r>
-              <a:rPr lang="zh-TW" altLang="en-US" dirty="0">
-                <a:latin typeface="標楷體" panose="03000509000000000000" pitchFamily="65" charset="-120"/>
-                <a:ea typeface="標楷體" panose="03000509000000000000" pitchFamily="65" charset="-120"/>
-              </a:rPr>
-              <a:t>基於上一頁所說，預計將拿八種錯誤的姿勢經過正規化，變成黑底白線的圖樣，並進行手動修正。</a:t>
-            </a:r>
-          </a:p>
-        </p:txBody>
-      </p:sp>
+      </p:pic>
     </p:spTree>
     <p:extLst>
       <p:ext uri="{BB962C8B-B14F-4D97-AF65-F5344CB8AC3E}">
-        <p14:creationId xmlns:p14="http://schemas.microsoft.com/office/powerpoint/2010/main" val="2652581726"/>
+        <p14:creationId xmlns:p14="http://schemas.microsoft.com/office/powerpoint/2010/main" val="2481013971"/>
       </p:ext>
     </p:extLst>
   </p:cSld>
@@ -4078,7 +4620,7 @@
           <p:cNvPr id="2" name="標題 1">
             <a:extLst>
               <a:ext uri="{FF2B5EF4-FFF2-40B4-BE49-F238E27FC236}">
-                <a16:creationId xmlns:a16="http://schemas.microsoft.com/office/drawing/2014/main" id="{677E27CA-69F2-51CD-869A-8561EA526E2C}"/>
+                <a16:creationId xmlns:a16="http://schemas.microsoft.com/office/drawing/2014/main" id="{9D65BA30-8A65-25DE-3CFE-B6688B85F3AC}"/>
               </a:ext>
             </a:extLst>
           </p:cNvPr>
@@ -4100,171 +4642,86 @@
                 <a:latin typeface="標楷體" panose="03000509000000000000" pitchFamily="65" charset="-120"/>
                 <a:ea typeface="標楷體" panose="03000509000000000000" pitchFamily="65" charset="-120"/>
               </a:rPr>
-              <a:t>修正時機</a:t>
-            </a:r>
-          </a:p>
-        </p:txBody>
-      </p:sp>
-      <p:sp>
-        <p:nvSpPr>
-          <p:cNvPr id="9" name="內容版面配置區 8">
-            <a:extLst>
-              <a:ext uri="{FF2B5EF4-FFF2-40B4-BE49-F238E27FC236}">
-                <a16:creationId xmlns:a16="http://schemas.microsoft.com/office/drawing/2014/main" id="{4F747AF6-5E3D-A8DB-9CC2-3E5D5EF3D9A8}"/>
-              </a:ext>
-            </a:extLst>
-          </p:cNvPr>
-          <p:cNvSpPr>
-            <a:spLocks noGrp="1"/>
-          </p:cNvSpPr>
+              <a:t>正規化</a:t>
+            </a:r>
+          </a:p>
+        </p:txBody>
+      </p:sp>
+      <p:pic>
+        <p:nvPicPr>
+          <p:cNvPr id="5" name="內容版面配置區 4">
+            <a:extLst>
+              <a:ext uri="{FF2B5EF4-FFF2-40B4-BE49-F238E27FC236}">
+                <a16:creationId xmlns:a16="http://schemas.microsoft.com/office/drawing/2014/main" id="{6E02EF2D-F12C-9E25-F58A-2BE40C475FA8}"/>
+              </a:ext>
+            </a:extLst>
+          </p:cNvPr>
+          <p:cNvPicPr>
+            <a:picLocks noGrp="1" noChangeAspect="1"/>
+          </p:cNvPicPr>
           <p:nvPr>
             <p:ph idx="1"/>
           </p:nvPr>
-        </p:nvSpPr>
-        <p:spPr/>
-        <p:txBody>
-          <a:bodyPr/>
-          <a:lstStyle/>
-          <a:p>
-            <a:r>
-              <a:rPr lang="zh-TW" altLang="en-US" dirty="0">
-                <a:latin typeface="標楷體" panose="03000509000000000000" pitchFamily="65" charset="-120"/>
-                <a:ea typeface="標楷體" panose="03000509000000000000" pitchFamily="65" charset="-120"/>
-              </a:rPr>
-              <a:t>深蹲的準備動作依據每個人有不同的方式，為了好好的擷取我們所需要的影格，在使用者的深蹲影片裡，需要使用者</a:t>
-            </a:r>
-            <a:r>
-              <a:rPr lang="en-US" altLang="zh-TW" dirty="0">
-                <a:latin typeface="標楷體" panose="03000509000000000000" pitchFamily="65" charset="-120"/>
-                <a:ea typeface="標楷體" panose="03000509000000000000" pitchFamily="65" charset="-120"/>
-              </a:rPr>
-              <a:t>”</a:t>
-            </a:r>
-            <a:r>
-              <a:rPr lang="zh-TW" altLang="en-US" dirty="0">
-                <a:latin typeface="標楷體" panose="03000509000000000000" pitchFamily="65" charset="-120"/>
-                <a:ea typeface="標楷體" panose="03000509000000000000" pitchFamily="65" charset="-120"/>
-              </a:rPr>
-              <a:t>站立姿勢停頓一秒</a:t>
-            </a:r>
-            <a:r>
-              <a:rPr lang="en-US" altLang="zh-TW" dirty="0">
-                <a:latin typeface="標楷體" panose="03000509000000000000" pitchFamily="65" charset="-120"/>
-                <a:ea typeface="標楷體" panose="03000509000000000000" pitchFamily="65" charset="-120"/>
-              </a:rPr>
-              <a:t>”</a:t>
-            </a:r>
-            <a:r>
-              <a:rPr lang="zh-TW" altLang="en-US" dirty="0">
-                <a:latin typeface="標楷體" panose="03000509000000000000" pitchFamily="65" charset="-120"/>
-                <a:ea typeface="標楷體" panose="03000509000000000000" pitchFamily="65" charset="-120"/>
-              </a:rPr>
-              <a:t>後系統會擷取影格，再來使用者</a:t>
-            </a:r>
-            <a:r>
-              <a:rPr lang="en-US" altLang="zh-TW" dirty="0">
-                <a:latin typeface="標楷體" panose="03000509000000000000" pitchFamily="65" charset="-120"/>
-                <a:ea typeface="標楷體" panose="03000509000000000000" pitchFamily="65" charset="-120"/>
-              </a:rPr>
-              <a:t>”</a:t>
-            </a:r>
-            <a:r>
-              <a:rPr lang="zh-TW" altLang="en-US" dirty="0">
-                <a:latin typeface="標楷體" panose="03000509000000000000" pitchFamily="65" charset="-120"/>
-                <a:ea typeface="標楷體" panose="03000509000000000000" pitchFamily="65" charset="-120"/>
-              </a:rPr>
-              <a:t>蹲下去後到最底停頓一秒</a:t>
-            </a:r>
-            <a:r>
-              <a:rPr lang="en-US" altLang="zh-TW" dirty="0">
-                <a:latin typeface="標楷體" panose="03000509000000000000" pitchFamily="65" charset="-120"/>
-                <a:ea typeface="標楷體" panose="03000509000000000000" pitchFamily="65" charset="-120"/>
-              </a:rPr>
-              <a:t>”</a:t>
-            </a:r>
-            <a:r>
-              <a:rPr lang="zh-TW" altLang="en-US" dirty="0">
-                <a:latin typeface="標楷體" panose="03000509000000000000" pitchFamily="65" charset="-120"/>
-                <a:ea typeface="標楷體" panose="03000509000000000000" pitchFamily="65" charset="-120"/>
-              </a:rPr>
-              <a:t>，一樣系統擷取影格。</a:t>
-            </a:r>
-            <a:endParaRPr lang="en-US" altLang="zh-TW" dirty="0">
-              <a:latin typeface="標楷體" panose="03000509000000000000" pitchFamily="65" charset="-120"/>
-              <a:ea typeface="標楷體" panose="03000509000000000000" pitchFamily="65" charset="-120"/>
-            </a:endParaRPr>
-          </a:p>
-          <a:p>
-            <a:r>
-              <a:rPr lang="zh-TW" altLang="en-US" dirty="0">
-                <a:latin typeface="標楷體" panose="03000509000000000000" pitchFamily="65" charset="-120"/>
-                <a:ea typeface="標楷體" panose="03000509000000000000" pitchFamily="65" charset="-120"/>
-              </a:rPr>
-              <a:t>也就是說我們會有兩張圖片，第一個是</a:t>
-            </a:r>
-            <a:r>
-              <a:rPr lang="en-US" altLang="zh-TW" dirty="0">
-                <a:latin typeface="標楷體" panose="03000509000000000000" pitchFamily="65" charset="-120"/>
-                <a:ea typeface="標楷體" panose="03000509000000000000" pitchFamily="65" charset="-120"/>
-              </a:rPr>
-              <a:t>”</a:t>
-            </a:r>
-            <a:r>
-              <a:rPr lang="zh-TW" altLang="en-US" dirty="0">
-                <a:latin typeface="標楷體" panose="03000509000000000000" pitchFamily="65" charset="-120"/>
-                <a:ea typeface="標楷體" panose="03000509000000000000" pitchFamily="65" charset="-120"/>
-              </a:rPr>
-              <a:t>準備動作</a:t>
-            </a:r>
-            <a:r>
-              <a:rPr lang="en-US" altLang="zh-TW" dirty="0">
-                <a:latin typeface="標楷體" panose="03000509000000000000" pitchFamily="65" charset="-120"/>
-                <a:ea typeface="標楷體" panose="03000509000000000000" pitchFamily="65" charset="-120"/>
-              </a:rPr>
-              <a:t>”</a:t>
-            </a:r>
-            <a:r>
-              <a:rPr lang="zh-TW" altLang="en-US" dirty="0">
-                <a:latin typeface="標楷體" panose="03000509000000000000" pitchFamily="65" charset="-120"/>
-                <a:ea typeface="標楷體" panose="03000509000000000000" pitchFamily="65" charset="-120"/>
-              </a:rPr>
-              <a:t>，第二個是</a:t>
-            </a:r>
-            <a:r>
-              <a:rPr lang="en-US" altLang="zh-TW" dirty="0">
-                <a:latin typeface="標楷體" panose="03000509000000000000" pitchFamily="65" charset="-120"/>
-                <a:ea typeface="標楷體" panose="03000509000000000000" pitchFamily="65" charset="-120"/>
-              </a:rPr>
-              <a:t>”</a:t>
-            </a:r>
-            <a:r>
-              <a:rPr lang="zh-TW" altLang="en-US" dirty="0">
-                <a:latin typeface="標楷體" panose="03000509000000000000" pitchFamily="65" charset="-120"/>
-                <a:ea typeface="標楷體" panose="03000509000000000000" pitchFamily="65" charset="-120"/>
-              </a:rPr>
-              <a:t>蹲到最低的動作</a:t>
-            </a:r>
-            <a:r>
-              <a:rPr lang="en-US" altLang="zh-TW" dirty="0">
-                <a:latin typeface="標楷體" panose="03000509000000000000" pitchFamily="65" charset="-120"/>
-                <a:ea typeface="標楷體" panose="03000509000000000000" pitchFamily="65" charset="-120"/>
-              </a:rPr>
-              <a:t>”</a:t>
-            </a:r>
-            <a:r>
-              <a:rPr lang="zh-TW" altLang="en-US" dirty="0">
-                <a:latin typeface="標楷體" panose="03000509000000000000" pitchFamily="65" charset="-120"/>
-                <a:ea typeface="標楷體" panose="03000509000000000000" pitchFamily="65" charset="-120"/>
-              </a:rPr>
-              <a:t>，而我們也主要矯正這兩個。</a:t>
-            </a:r>
-          </a:p>
-        </p:txBody>
-      </p:sp>
+        </p:nvPicPr>
+        <p:blipFill>
+          <a:blip r:embed="rId2">
+            <a:extLst>
+              <a:ext uri="{28A0092B-C50C-407E-A947-70E740481C1C}">
+                <a14:useLocalDpi xmlns:a14="http://schemas.microsoft.com/office/drawing/2010/main" val="0"/>
+              </a:ext>
+            </a:extLst>
+          </a:blip>
+          <a:stretch>
+            <a:fillRect/>
+          </a:stretch>
+        </p:blipFill>
+        <p:spPr>
+          <a:xfrm>
+            <a:off x="838200" y="1799176"/>
+            <a:ext cx="10515600" cy="618565"/>
+          </a:xfrm>
+        </p:spPr>
+      </p:pic>
+      <p:pic>
+        <p:nvPicPr>
+          <p:cNvPr id="7" name="圖片 6">
+            <a:extLst>
+              <a:ext uri="{FF2B5EF4-FFF2-40B4-BE49-F238E27FC236}">
+                <a16:creationId xmlns:a16="http://schemas.microsoft.com/office/drawing/2014/main" id="{C7EA0CB8-9E21-3DEE-43E8-B4535BCABDBB}"/>
+              </a:ext>
+            </a:extLst>
+          </p:cNvPr>
+          <p:cNvPicPr>
+            <a:picLocks noChangeAspect="1"/>
+          </p:cNvPicPr>
+          <p:nvPr/>
+        </p:nvPicPr>
+        <p:blipFill>
+          <a:blip r:embed="rId3">
+            <a:extLst>
+              <a:ext uri="{28A0092B-C50C-407E-A947-70E740481C1C}">
+                <a14:useLocalDpi xmlns:a14="http://schemas.microsoft.com/office/drawing/2010/main" val="0"/>
+              </a:ext>
+            </a:extLst>
+          </a:blip>
+          <a:stretch>
+            <a:fillRect/>
+          </a:stretch>
+        </p:blipFill>
+        <p:spPr>
+          <a:xfrm>
+            <a:off x="3004734" y="2655441"/>
+            <a:ext cx="6182532" cy="3837434"/>
+          </a:xfrm>
+          <a:prstGeom prst="rect">
+            <a:avLst/>
+          </a:prstGeom>
+        </p:spPr>
+      </p:pic>
     </p:spTree>
     <p:extLst>
       <p:ext uri="{BB962C8B-B14F-4D97-AF65-F5344CB8AC3E}">
-        <p14:creationId xmlns:p14="http://schemas.microsoft.com/office/powerpoint/2010/main" val="1943227943"/>
+        <p14:creationId xmlns:p14="http://schemas.microsoft.com/office/powerpoint/2010/main" val="557780640"/>
       </p:ext>
     </p:extLst>
   </p:cSld>
@@ -4296,7 +4753,7 @@
           <p:cNvPr id="2" name="標題 1">
             <a:extLst>
               <a:ext uri="{FF2B5EF4-FFF2-40B4-BE49-F238E27FC236}">
-                <a16:creationId xmlns:a16="http://schemas.microsoft.com/office/drawing/2014/main" id="{DB81C9C6-6544-DFA8-DCDA-F9506B72DD50}"/>
+                <a16:creationId xmlns:a16="http://schemas.microsoft.com/office/drawing/2014/main" id="{6644EAFB-57E4-5E9C-4823-90812AB9A416}"/>
               </a:ext>
             </a:extLst>
           </p:cNvPr>
@@ -4312,79 +4769,94 @@
           <a:bodyPr/>
           <a:lstStyle/>
           <a:p>
-            <a:endParaRPr lang="zh-TW" altLang="en-US" dirty="0"/>
-          </a:p>
-        </p:txBody>
-      </p:sp>
-      <p:sp>
-        <p:nvSpPr>
-          <p:cNvPr id="3" name="內容版面配置區 2">
-            <a:extLst>
-              <a:ext uri="{FF2B5EF4-FFF2-40B4-BE49-F238E27FC236}">
-                <a16:creationId xmlns:a16="http://schemas.microsoft.com/office/drawing/2014/main" id="{6E120BA8-1642-A6AD-9AC6-0AAC03E0F272}"/>
-              </a:ext>
-            </a:extLst>
-          </p:cNvPr>
-          <p:cNvSpPr>
-            <a:spLocks noGrp="1"/>
-          </p:cNvSpPr>
-          <p:nvPr>
-            <p:ph idx="1"/>
-          </p:nvPr>
-        </p:nvSpPr>
-        <p:spPr/>
-        <p:txBody>
-          <a:bodyPr/>
-          <a:lstStyle/>
-          <a:p>
+            <a:pPr algn="ctr"/>
+            <a:r>
+              <a:rPr lang="en-US" altLang="zh-TW" dirty="0" err="1">
+                <a:latin typeface="標楷體" panose="03000509000000000000" pitchFamily="65" charset="-120"/>
+                <a:ea typeface="標楷體" panose="03000509000000000000" pitchFamily="65" charset="-120"/>
+              </a:rPr>
+              <a:t>json</a:t>
+            </a:r>
             <a:r>
               <a:rPr lang="zh-TW" altLang="en-US" dirty="0">
                 <a:latin typeface="標楷體" panose="03000509000000000000" pitchFamily="65" charset="-120"/>
                 <a:ea typeface="標楷體" panose="03000509000000000000" pitchFamily="65" charset="-120"/>
               </a:rPr>
-              <a:t>基於大部分研究指出，深蹲腳與肩的距離大約是在</a:t>
+              <a:t>轉</a:t>
             </a:r>
             <a:r>
               <a:rPr lang="en-US" altLang="zh-TW" dirty="0">
                 <a:latin typeface="標楷體" panose="03000509000000000000" pitchFamily="65" charset="-120"/>
                 <a:ea typeface="標楷體" panose="03000509000000000000" pitchFamily="65" charset="-120"/>
               </a:rPr>
-              <a:t>1~1.4</a:t>
-            </a:r>
-            <a:r>
-              <a:rPr lang="zh-TW" altLang="en-US" dirty="0">
-                <a:latin typeface="標楷體" panose="03000509000000000000" pitchFamily="65" charset="-120"/>
-                <a:ea typeface="標楷體" panose="03000509000000000000" pitchFamily="65" charset="-120"/>
-              </a:rPr>
-              <a:t>肩寬之間，所以我們錯誤姿勢拿出來正規化後，手動修正的範圍也差不多是如此。</a:t>
-            </a:r>
-            <a:endParaRPr lang="en-US" altLang="zh-TW" dirty="0">
+              <a:t>csv</a:t>
+            </a:r>
+            <a:endParaRPr lang="zh-TW" altLang="en-US" dirty="0">
               <a:latin typeface="標楷體" panose="03000509000000000000" pitchFamily="65" charset="-120"/>
               <a:ea typeface="標楷體" panose="03000509000000000000" pitchFamily="65" charset="-120"/>
             </a:endParaRPr>
           </a:p>
-          <a:p>
-            <a:r>
-              <a:rPr lang="zh-TW" altLang="en-US" dirty="0">
-                <a:latin typeface="標楷體" panose="03000509000000000000" pitchFamily="65" charset="-120"/>
-                <a:ea typeface="標楷體" panose="03000509000000000000" pitchFamily="65" charset="-120"/>
-              </a:rPr>
-              <a:t>而我們修正的部位也僅限於下半身腿部的部分，不會去理會上半身。</a:t>
-            </a:r>
-            <a:endParaRPr lang="en-US" altLang="zh-TW" dirty="0">
-              <a:latin typeface="標楷體" panose="03000509000000000000" pitchFamily="65" charset="-120"/>
-              <a:ea typeface="標楷體" panose="03000509000000000000" pitchFamily="65" charset="-120"/>
-            </a:endParaRPr>
-          </a:p>
+        </p:txBody>
+      </p:sp>
+      <p:sp>
+        <p:nvSpPr>
+          <p:cNvPr id="3" name="內容版面配置區 2">
+            <a:extLst>
+              <a:ext uri="{FF2B5EF4-FFF2-40B4-BE49-F238E27FC236}">
+                <a16:creationId xmlns:a16="http://schemas.microsoft.com/office/drawing/2014/main" id="{6F0C6C05-63C5-1D6A-FA97-7DC0B42F40FA}"/>
+              </a:ext>
+            </a:extLst>
+          </p:cNvPr>
+          <p:cNvSpPr>
+            <a:spLocks noGrp="1"/>
+          </p:cNvSpPr>
+          <p:nvPr>
+            <p:ph idx="1"/>
+          </p:nvPr>
+        </p:nvSpPr>
+        <p:spPr/>
+        <p:txBody>
+          <a:bodyPr/>
+          <a:lstStyle/>
           <a:p>
             <a:endParaRPr lang="zh-TW" altLang="en-US" dirty="0"/>
           </a:p>
         </p:txBody>
       </p:sp>
+      <p:pic>
+        <p:nvPicPr>
+          <p:cNvPr id="5" name="圖片 4">
+            <a:extLst>
+              <a:ext uri="{FF2B5EF4-FFF2-40B4-BE49-F238E27FC236}">
+                <a16:creationId xmlns:a16="http://schemas.microsoft.com/office/drawing/2014/main" id="{F6CBB3B0-10CF-2E41-B19E-12D350523CD5}"/>
+              </a:ext>
+            </a:extLst>
+          </p:cNvPr>
+          <p:cNvPicPr>
+            <a:picLocks noChangeAspect="1"/>
+          </p:cNvPicPr>
+          <p:nvPr/>
+        </p:nvPicPr>
+        <p:blipFill>
+          <a:blip r:embed="rId2"/>
+          <a:stretch>
+            <a:fillRect/>
+          </a:stretch>
+        </p:blipFill>
+        <p:spPr>
+          <a:xfrm>
+            <a:off x="3285733" y="1633583"/>
+            <a:ext cx="5620534" cy="5125165"/>
+          </a:xfrm>
+          <a:prstGeom prst="rect">
+            <a:avLst/>
+          </a:prstGeom>
+        </p:spPr>
+      </p:pic>
     </p:spTree>
     <p:extLst>
       <p:ext uri="{BB962C8B-B14F-4D97-AF65-F5344CB8AC3E}">
-        <p14:creationId xmlns:p14="http://schemas.microsoft.com/office/powerpoint/2010/main" val="1320950691"/>
+        <p14:creationId xmlns:p14="http://schemas.microsoft.com/office/powerpoint/2010/main" val="2066538430"/>
       </p:ext>
     </p:extLst>
   </p:cSld>
@@ -4416,7 +4888,7 @@
           <p:cNvPr id="2" name="標題 1">
             <a:extLst>
               <a:ext uri="{FF2B5EF4-FFF2-40B4-BE49-F238E27FC236}">
-                <a16:creationId xmlns:a16="http://schemas.microsoft.com/office/drawing/2014/main" id="{5B2F2FAA-8DD8-D06D-E593-F231A8A77653}"/>
+                <a16:creationId xmlns:a16="http://schemas.microsoft.com/office/drawing/2014/main" id="{B2E56705-A8D3-CCB9-A486-BB28A9ED1A58}"/>
               </a:ext>
             </a:extLst>
           </p:cNvPr>
@@ -4432,59 +4904,336 @@
           <a:bodyPr/>
           <a:lstStyle/>
           <a:p>
+            <a:pPr algn="ctr"/>
+            <a:r>
+              <a:rPr lang="en-US" altLang="zh-TW" dirty="0">
+                <a:latin typeface="標楷體" panose="03000509000000000000" pitchFamily="65" charset="-120"/>
+                <a:ea typeface="標楷體" panose="03000509000000000000" pitchFamily="65" charset="-120"/>
+              </a:rPr>
+              <a:t>pix2pix</a:t>
+            </a:r>
+            <a:r>
+              <a:rPr lang="zh-TW" altLang="en-US" dirty="0">
+                <a:latin typeface="標楷體" panose="03000509000000000000" pitchFamily="65" charset="-120"/>
+                <a:ea typeface="標楷體" panose="03000509000000000000" pitchFamily="65" charset="-120"/>
+              </a:rPr>
+              <a:t>研究</a:t>
+            </a:r>
+          </a:p>
+        </p:txBody>
+      </p:sp>
+      <p:sp>
+        <p:nvSpPr>
+          <p:cNvPr id="4" name="文字方塊 3">
+            <a:extLst>
+              <a:ext uri="{FF2B5EF4-FFF2-40B4-BE49-F238E27FC236}">
+                <a16:creationId xmlns:a16="http://schemas.microsoft.com/office/drawing/2014/main" id="{F5B21B59-B44A-759F-E0ED-DBE3DA136B20}"/>
+              </a:ext>
+            </a:extLst>
+          </p:cNvPr>
+          <p:cNvSpPr txBox="1"/>
+          <p:nvPr/>
+        </p:nvSpPr>
+        <p:spPr>
+          <a:xfrm>
+            <a:off x="1419785" y="2655402"/>
+            <a:ext cx="9352430" cy="2677656"/>
+          </a:xfrm>
+          <a:prstGeom prst="rect">
+            <a:avLst/>
+          </a:prstGeom>
+          <a:noFill/>
+        </p:spPr>
+        <p:txBody>
+          <a:bodyPr wrap="square" rtlCol="0">
+            <a:spAutoFit/>
+          </a:bodyPr>
+          <a:lstStyle/>
+          <a:p>
+            <a:pPr algn="l" rtl="0" fontAlgn="base">
+              <a:buFont typeface="Arial" panose="020B0604020202020204" pitchFamily="34" charset="0"/>
+              <a:buChar char="•"/>
+            </a:pPr>
+            <a:r>
+              <a:rPr lang="zh-TW" altLang="zh-TW" sz="2500" b="0" i="0" u="none" strike="noStrike" dirty="0">
+                <a:solidFill>
+                  <a:srgbClr val="595959"/>
+                </a:solidFill>
+                <a:effectLst/>
+                <a:latin typeface="Arial" panose="020B0604020202020204" pitchFamily="34" charset="0"/>
+                <a:ea typeface="標楷體" panose="03000509000000000000" pitchFamily="65" charset="-120"/>
+              </a:rPr>
+              <a:t>生成器的輸出是透過條件來決定的，</a:t>
+            </a:r>
+            <a:r>
+              <a:rPr lang="en-US" altLang="zh-TW" sz="2500" b="0" i="0" u="none" strike="noStrike" dirty="0">
+                <a:solidFill>
+                  <a:srgbClr val="595959"/>
+                </a:solidFill>
+                <a:effectLst/>
+                <a:latin typeface="標楷體" panose="03000509000000000000" pitchFamily="65" charset="-120"/>
+              </a:rPr>
+              <a:t>conditional GAN </a:t>
+            </a:r>
+            <a:r>
+              <a:rPr lang="zh-TW" altLang="zh-TW" sz="2500" b="0" i="0" u="none" strike="noStrike" dirty="0">
+                <a:solidFill>
+                  <a:srgbClr val="595959"/>
+                </a:solidFill>
+                <a:effectLst/>
+                <a:latin typeface="Arial" panose="020B0604020202020204" pitchFamily="34" charset="0"/>
+                <a:ea typeface="標楷體" panose="03000509000000000000" pitchFamily="65" charset="-120"/>
+              </a:rPr>
+              <a:t>的一種。</a:t>
+            </a:r>
+            <a:r>
+              <a:rPr lang="en-US" altLang="zh-TW" sz="2500" b="0" i="0" dirty="0">
+                <a:solidFill>
+                  <a:srgbClr val="595959"/>
+                </a:solidFill>
+                <a:effectLst/>
+                <a:latin typeface="標楷體" panose="03000509000000000000" pitchFamily="65" charset="-120"/>
+              </a:rPr>
+              <a:t>​</a:t>
+            </a:r>
+            <a:endParaRPr lang="en-US" altLang="zh-TW" sz="2500" b="0" i="0" dirty="0">
+              <a:solidFill>
+                <a:srgbClr val="000000"/>
+              </a:solidFill>
+              <a:effectLst/>
+              <a:latin typeface="Arial" panose="020B0604020202020204" pitchFamily="34" charset="0"/>
+            </a:endParaRPr>
+          </a:p>
+          <a:p>
+            <a:pPr lvl="1" fontAlgn="base">
+              <a:buFont typeface="Arial" panose="020B0604020202020204" pitchFamily="34" charset="0"/>
+              <a:buChar char="•"/>
+            </a:pPr>
+            <a:r>
+              <a:rPr lang="zh-TW" altLang="zh-TW" sz="2500" b="0" i="0" u="none" strike="noStrike" dirty="0">
+                <a:solidFill>
+                  <a:srgbClr val="595959"/>
+                </a:solidFill>
+                <a:effectLst/>
+                <a:latin typeface="Arial" panose="020B0604020202020204" pitchFamily="34" charset="0"/>
+                <a:ea typeface="標楷體" panose="03000509000000000000" pitchFamily="65" charset="-120"/>
+              </a:rPr>
+              <a:t>條件在此為 </a:t>
+            </a:r>
+            <a:r>
+              <a:rPr lang="en-US" altLang="zh-TW" sz="2500" b="0" i="0" u="none" strike="noStrike" dirty="0">
+                <a:solidFill>
+                  <a:srgbClr val="595959"/>
+                </a:solidFill>
+                <a:effectLst/>
+                <a:latin typeface="標楷體" panose="03000509000000000000" pitchFamily="65" charset="-120"/>
+              </a:rPr>
+              <a:t>source image</a:t>
+            </a:r>
+            <a:r>
+              <a:rPr lang="en-US" altLang="zh-TW" sz="2500" b="0" i="0" dirty="0">
+                <a:solidFill>
+                  <a:srgbClr val="595959"/>
+                </a:solidFill>
+                <a:effectLst/>
+                <a:latin typeface="標楷體" panose="03000509000000000000" pitchFamily="65" charset="-120"/>
+              </a:rPr>
+              <a:t>​</a:t>
+            </a:r>
+            <a:endParaRPr lang="en-US" altLang="zh-TW" sz="2500" b="0" i="0" dirty="0">
+              <a:solidFill>
+                <a:srgbClr val="000000"/>
+              </a:solidFill>
+              <a:effectLst/>
+              <a:latin typeface="Arial" panose="020B0604020202020204" pitchFamily="34" charset="0"/>
+            </a:endParaRPr>
+          </a:p>
+          <a:p>
+            <a:pPr algn="l" rtl="0" fontAlgn="base">
+              <a:buFont typeface="Arial" panose="020B0604020202020204" pitchFamily="34" charset="0"/>
+              <a:buChar char="•"/>
+            </a:pPr>
+            <a:r>
+              <a:rPr lang="zh-TW" altLang="zh-TW" sz="2500" b="0" i="0" u="none" strike="noStrike" dirty="0">
+                <a:solidFill>
+                  <a:srgbClr val="595959"/>
+                </a:solidFill>
+                <a:effectLst/>
+                <a:latin typeface="Arial" panose="020B0604020202020204" pitchFamily="34" charset="0"/>
+                <a:ea typeface="標楷體" panose="03000509000000000000" pitchFamily="65" charset="-120"/>
+              </a:rPr>
+              <a:t>判斷器</a:t>
+            </a:r>
+            <a:r>
+              <a:rPr lang="en-US" altLang="zh-TW" sz="2500" b="0" i="0" dirty="0">
+                <a:solidFill>
+                  <a:srgbClr val="595959"/>
+                </a:solidFill>
+                <a:effectLst/>
+                <a:latin typeface="標楷體" panose="03000509000000000000" pitchFamily="65" charset="-120"/>
+              </a:rPr>
+              <a:t>​</a:t>
+            </a:r>
+            <a:endParaRPr lang="en-US" altLang="zh-TW" sz="2500" b="0" i="0" dirty="0">
+              <a:solidFill>
+                <a:srgbClr val="000000"/>
+              </a:solidFill>
+              <a:effectLst/>
+              <a:latin typeface="Arial" panose="020B0604020202020204" pitchFamily="34" charset="0"/>
+            </a:endParaRPr>
+          </a:p>
+          <a:p>
+            <a:pPr lvl="1" fontAlgn="base">
+              <a:buFont typeface="Arial" panose="020B0604020202020204" pitchFamily="34" charset="0"/>
+              <a:buChar char="•"/>
+            </a:pPr>
+            <a:r>
+              <a:rPr lang="en-US" altLang="zh-TW" sz="2500" b="0" i="0" u="none" strike="noStrike" dirty="0" err="1">
+                <a:solidFill>
+                  <a:srgbClr val="595959"/>
+                </a:solidFill>
+                <a:effectLst/>
+                <a:latin typeface="標楷體" panose="03000509000000000000" pitchFamily="65" charset="-120"/>
+              </a:rPr>
+              <a:t>PatchGAN</a:t>
+            </a:r>
+            <a:r>
+              <a:rPr lang="zh-TW" altLang="zh-TW" sz="2500" b="0" i="0" u="none" strike="noStrike" dirty="0">
+                <a:solidFill>
+                  <a:srgbClr val="595959"/>
+                </a:solidFill>
+                <a:effectLst/>
+                <a:latin typeface="Arial" panose="020B0604020202020204" pitchFamily="34" charset="0"/>
+                <a:ea typeface="標楷體" panose="03000509000000000000" pitchFamily="65" charset="-120"/>
+              </a:rPr>
+              <a:t> 判斷器</a:t>
+            </a:r>
+            <a:r>
+              <a:rPr lang="en-US" altLang="zh-TW" sz="2500" b="0" i="0" dirty="0">
+                <a:solidFill>
+                  <a:srgbClr val="595959"/>
+                </a:solidFill>
+                <a:effectLst/>
+                <a:latin typeface="標楷體" panose="03000509000000000000" pitchFamily="65" charset="-120"/>
+              </a:rPr>
+              <a:t>​</a:t>
+            </a:r>
+            <a:endParaRPr lang="en-US" altLang="zh-TW" sz="2500" b="0" i="0" dirty="0">
+              <a:solidFill>
+                <a:srgbClr val="000000"/>
+              </a:solidFill>
+              <a:effectLst/>
+              <a:latin typeface="Arial" panose="020B0604020202020204" pitchFamily="34" charset="0"/>
+            </a:endParaRPr>
+          </a:p>
+          <a:p>
+            <a:pPr algn="l" rtl="0" fontAlgn="base">
+              <a:buFont typeface="Arial" panose="020B0604020202020204" pitchFamily="34" charset="0"/>
+              <a:buChar char="•"/>
+            </a:pPr>
+            <a:r>
+              <a:rPr lang="zh-TW" altLang="zh-TW" sz="2500" b="0" i="0" u="none" strike="noStrike" dirty="0">
+                <a:solidFill>
+                  <a:srgbClr val="595959"/>
+                </a:solidFill>
+                <a:effectLst/>
+                <a:latin typeface="Arial" panose="020B0604020202020204" pitchFamily="34" charset="0"/>
+                <a:ea typeface="標楷體" panose="03000509000000000000" pitchFamily="65" charset="-120"/>
+              </a:rPr>
+              <a:t>生成器</a:t>
+            </a:r>
+            <a:r>
+              <a:rPr lang="en-US" altLang="zh-TW" sz="2500" b="0" i="0" dirty="0">
+                <a:solidFill>
+                  <a:srgbClr val="595959"/>
+                </a:solidFill>
+                <a:effectLst/>
+                <a:latin typeface="標楷體" panose="03000509000000000000" pitchFamily="65" charset="-120"/>
+              </a:rPr>
+              <a:t>​</a:t>
+            </a:r>
+            <a:endParaRPr lang="en-US" altLang="zh-TW" sz="2500" b="0" i="0" dirty="0">
+              <a:solidFill>
+                <a:srgbClr val="000000"/>
+              </a:solidFill>
+              <a:effectLst/>
+              <a:latin typeface="Arial" panose="020B0604020202020204" pitchFamily="34" charset="0"/>
+            </a:endParaRPr>
+          </a:p>
+          <a:p>
+            <a:pPr lvl="1" fontAlgn="base">
+              <a:buFont typeface="Arial" panose="020B0604020202020204" pitchFamily="34" charset="0"/>
+              <a:buChar char="•"/>
+            </a:pPr>
+            <a:r>
+              <a:rPr lang="en-US" altLang="zh-TW" sz="2500" b="0" i="0" u="none" strike="noStrike" dirty="0">
+                <a:solidFill>
+                  <a:srgbClr val="595959"/>
+                </a:solidFill>
+                <a:effectLst/>
+                <a:latin typeface="標楷體" panose="03000509000000000000" pitchFamily="65" charset="-120"/>
+              </a:rPr>
+              <a:t>U-Net</a:t>
+            </a:r>
+            <a:r>
+              <a:rPr lang="zh-TW" altLang="zh-TW" sz="2500" b="0" i="0" u="none" strike="noStrike" dirty="0">
+                <a:solidFill>
+                  <a:srgbClr val="595959"/>
+                </a:solidFill>
+                <a:effectLst/>
+                <a:latin typeface="Arial" panose="020B0604020202020204" pitchFamily="34" charset="0"/>
+                <a:ea typeface="標楷體" panose="03000509000000000000" pitchFamily="65" charset="-120"/>
+              </a:rPr>
+              <a:t> </a:t>
+            </a:r>
+            <a:r>
+              <a:rPr lang="en-US" altLang="zh-TW" sz="2500" b="0" i="0" u="none" strike="noStrike" dirty="0">
+                <a:solidFill>
+                  <a:srgbClr val="595959"/>
+                </a:solidFill>
+                <a:effectLst/>
+                <a:latin typeface="標楷體" panose="03000509000000000000" pitchFamily="65" charset="-120"/>
+              </a:rPr>
+              <a:t>encoder-decoder </a:t>
+            </a:r>
+            <a:r>
+              <a:rPr lang="zh-TW" altLang="zh-TW" sz="2500" b="0" i="0" u="none" strike="noStrike" dirty="0">
+                <a:solidFill>
+                  <a:srgbClr val="595959"/>
+                </a:solidFill>
+                <a:effectLst/>
+                <a:latin typeface="Arial" panose="020B0604020202020204" pitchFamily="34" charset="0"/>
+                <a:ea typeface="標楷體" panose="03000509000000000000" pitchFamily="65" charset="-120"/>
+              </a:rPr>
+              <a:t>生成器</a:t>
+            </a:r>
+            <a:r>
+              <a:rPr lang="en-US" altLang="zh-TW" sz="2500" b="0" i="0" dirty="0">
+                <a:solidFill>
+                  <a:srgbClr val="595959"/>
+                </a:solidFill>
+                <a:effectLst/>
+                <a:latin typeface="標楷體" panose="03000509000000000000" pitchFamily="65" charset="-120"/>
+              </a:rPr>
+              <a:t>​</a:t>
+            </a:r>
+            <a:endParaRPr lang="en-US" altLang="zh-TW" sz="2500" b="0" i="0" dirty="0">
+              <a:solidFill>
+                <a:srgbClr val="000000"/>
+              </a:solidFill>
+              <a:effectLst/>
+              <a:latin typeface="Arial" panose="020B0604020202020204" pitchFamily="34" charset="0"/>
+            </a:endParaRPr>
+          </a:p>
+          <a:p>
             <a:endParaRPr lang="zh-TW" altLang="en-US" dirty="0"/>
-          </a:p>
-        </p:txBody>
-      </p:sp>
-      <p:sp>
-        <p:nvSpPr>
-          <p:cNvPr id="3" name="內容版面配置區 2">
-            <a:extLst>
-              <a:ext uri="{FF2B5EF4-FFF2-40B4-BE49-F238E27FC236}">
-                <a16:creationId xmlns:a16="http://schemas.microsoft.com/office/drawing/2014/main" id="{3D349881-C7D1-F217-B543-AA704A86799D}"/>
-              </a:ext>
-            </a:extLst>
-          </p:cNvPr>
-          <p:cNvSpPr>
-            <a:spLocks noGrp="1"/>
-          </p:cNvSpPr>
-          <p:nvPr>
-            <p:ph idx="1"/>
-          </p:nvPr>
-        </p:nvSpPr>
-        <p:spPr/>
-        <p:txBody>
-          <a:bodyPr/>
-          <a:lstStyle/>
-          <a:p>
-            <a:r>
-              <a:rPr lang="zh-TW" altLang="en-US" dirty="0">
-                <a:latin typeface="標楷體" panose="03000509000000000000" pitchFamily="65" charset="-120"/>
-                <a:ea typeface="標楷體" panose="03000509000000000000" pitchFamily="65" charset="-120"/>
-              </a:rPr>
-              <a:t>那麼研究完了後就是要開始</a:t>
-            </a:r>
-            <a:r>
-              <a:rPr lang="en-US" altLang="zh-TW" dirty="0">
-                <a:latin typeface="標楷體" panose="03000509000000000000" pitchFamily="65" charset="-120"/>
-                <a:ea typeface="標楷體" panose="03000509000000000000" pitchFamily="65" charset="-120"/>
-              </a:rPr>
-              <a:t>pix2pix</a:t>
-            </a:r>
-            <a:r>
-              <a:rPr lang="zh-TW" altLang="en-US" dirty="0">
-                <a:latin typeface="標楷體" panose="03000509000000000000" pitchFamily="65" charset="-120"/>
-                <a:ea typeface="標楷體" panose="03000509000000000000" pitchFamily="65" charset="-120"/>
-              </a:rPr>
-              <a:t>的實驗。截至目前，我還是不知道該如何去訓練，我預計再多兩個禮拜左右的時間去實作他</a:t>
-            </a:r>
           </a:p>
         </p:txBody>
       </p:sp>
     </p:spTree>
     <p:extLst>
       <p:ext uri="{BB962C8B-B14F-4D97-AF65-F5344CB8AC3E}">
-        <p14:creationId xmlns:p14="http://schemas.microsoft.com/office/powerpoint/2010/main" val="1607514034"/>
+        <p14:creationId xmlns:p14="http://schemas.microsoft.com/office/powerpoint/2010/main" val="4090600650"/>
       </p:ext>
     </p:extLst>
   </p:cSld>
@@ -4516,7 +5265,7 @@
           <p:cNvPr id="2" name="標題 1">
             <a:extLst>
               <a:ext uri="{FF2B5EF4-FFF2-40B4-BE49-F238E27FC236}">
-                <a16:creationId xmlns:a16="http://schemas.microsoft.com/office/drawing/2014/main" id="{DF7A3477-50D2-B700-A656-43E5296191C8}"/>
+                <a16:creationId xmlns:a16="http://schemas.microsoft.com/office/drawing/2014/main" id="{C8D8ED0F-6AFE-FD0C-7B84-86F2F67001FE}"/>
               </a:ext>
             </a:extLst>
           </p:cNvPr>
@@ -4532,94 +5281,87 @@
           <a:bodyPr/>
           <a:lstStyle/>
           <a:p>
+            <a:pPr algn="ctr"/>
             <a:r>
               <a:rPr lang="zh-TW" altLang="en-US" dirty="0">
                 <a:latin typeface="標楷體" panose="03000509000000000000" pitchFamily="65" charset="-120"/>
                 <a:ea typeface="標楷體" panose="03000509000000000000" pitchFamily="65" charset="-120"/>
               </a:rPr>
-              <a:t>問題</a:t>
-            </a:r>
-            <a:endParaRPr lang="zh-TW" altLang="en-US" dirty="0"/>
-          </a:p>
-        </p:txBody>
-      </p:sp>
-      <p:sp>
-        <p:nvSpPr>
-          <p:cNvPr id="3" name="內容版面配置區 2">
-            <a:extLst>
-              <a:ext uri="{FF2B5EF4-FFF2-40B4-BE49-F238E27FC236}">
-                <a16:creationId xmlns:a16="http://schemas.microsoft.com/office/drawing/2014/main" id="{8B5114AC-AC68-1BB3-AE66-497A433158A1}"/>
-              </a:ext>
-            </a:extLst>
-          </p:cNvPr>
-          <p:cNvSpPr>
-            <a:spLocks noGrp="1"/>
-          </p:cNvSpPr>
+              <a:t>手動修正</a:t>
+            </a:r>
+          </a:p>
+        </p:txBody>
+      </p:sp>
+      <p:pic>
+        <p:nvPicPr>
+          <p:cNvPr id="5" name="內容版面配置區 4">
+            <a:extLst>
+              <a:ext uri="{FF2B5EF4-FFF2-40B4-BE49-F238E27FC236}">
+                <a16:creationId xmlns:a16="http://schemas.microsoft.com/office/drawing/2014/main" id="{BC0A3A4C-7189-78E0-5281-5F8CEA7C47E6}"/>
+              </a:ext>
+            </a:extLst>
+          </p:cNvPr>
+          <p:cNvPicPr>
+            <a:picLocks noGrp="1" noChangeAspect="1"/>
+          </p:cNvPicPr>
           <p:nvPr>
             <p:ph idx="1"/>
           </p:nvPr>
-        </p:nvSpPr>
-        <p:spPr/>
-        <p:txBody>
-          <a:bodyPr/>
-          <a:lstStyle/>
-          <a:p>
-            <a:pPr marL="0" indent="0">
-              <a:buNone/>
-            </a:pPr>
+        </p:nvPicPr>
+        <p:blipFill rotWithShape="1">
+          <a:blip r:embed="rId2"/>
+          <a:srcRect r="39333"/>
+          <a:stretch/>
+        </p:blipFill>
+        <p:spPr>
+          <a:xfrm>
+            <a:off x="838200" y="1753907"/>
+            <a:ext cx="4693024" cy="4351338"/>
+          </a:xfrm>
+        </p:spPr>
+      </p:pic>
+      <p:sp>
+        <p:nvSpPr>
+          <p:cNvPr id="6" name="文字方塊 5">
+            <a:extLst>
+              <a:ext uri="{FF2B5EF4-FFF2-40B4-BE49-F238E27FC236}">
+                <a16:creationId xmlns:a16="http://schemas.microsoft.com/office/drawing/2014/main" id="{4CFA4188-3E97-719E-278B-1DE6A183A04D}"/>
+              </a:ext>
+            </a:extLst>
+          </p:cNvPr>
+          <p:cNvSpPr txBox="1"/>
+          <p:nvPr/>
+        </p:nvSpPr>
+        <p:spPr>
+          <a:xfrm flipH="1">
+            <a:off x="5953459" y="3532094"/>
+            <a:ext cx="5091058" cy="646331"/>
+          </a:xfrm>
+          <a:prstGeom prst="rect">
+            <a:avLst/>
+          </a:prstGeom>
+          <a:noFill/>
+        </p:spPr>
+        <p:txBody>
+          <a:bodyPr wrap="square" rtlCol="0">
+            <a:spAutoFit/>
+          </a:bodyPr>
+          <a:lstStyle/>
+          <a:p>
             <a:r>
               <a:rPr lang="zh-TW" altLang="en-US" dirty="0">
                 <a:latin typeface="標楷體" panose="03000509000000000000" pitchFamily="65" charset="-120"/>
                 <a:ea typeface="標楷體" panose="03000509000000000000" pitchFamily="65" charset="-120"/>
               </a:rPr>
-              <a:t>我們需要做的是深蹲判斷是要全程還是依照剛剛所說的兩個時機來做判斷，如果做全程，那我們需要逐幀擷取並做矯正嗎</a:t>
-            </a:r>
-            <a:r>
-              <a:rPr lang="en-US" altLang="zh-TW" dirty="0">
-                <a:latin typeface="標楷體" panose="03000509000000000000" pitchFamily="65" charset="-120"/>
-                <a:ea typeface="標楷體" panose="03000509000000000000" pitchFamily="65" charset="-120"/>
-              </a:rPr>
-              <a:t>?</a:t>
-            </a:r>
-            <a:r>
-              <a:rPr lang="zh-TW" altLang="en-US" dirty="0">
-                <a:latin typeface="標楷體" panose="03000509000000000000" pitchFamily="65" charset="-120"/>
-                <a:ea typeface="標楷體" panose="03000509000000000000" pitchFamily="65" charset="-120"/>
-              </a:rPr>
-              <a:t>但有可能他一開始不標準但做的過程又變標準，又或者一開始標準，但蹲下去的過程又變不標準。 如果要修正全程的話，我們又該如何去做</a:t>
-            </a:r>
-            <a:r>
-              <a:rPr lang="en-US" altLang="zh-TW" dirty="0">
-                <a:latin typeface="標楷體" panose="03000509000000000000" pitchFamily="65" charset="-120"/>
-                <a:ea typeface="標楷體" panose="03000509000000000000" pitchFamily="65" charset="-120"/>
-              </a:rPr>
-              <a:t>pix2pix</a:t>
-            </a:r>
-            <a:r>
-              <a:rPr lang="zh-TW" altLang="en-US" dirty="0">
-                <a:latin typeface="標楷體" panose="03000509000000000000" pitchFamily="65" charset="-120"/>
-                <a:ea typeface="標楷體" panose="03000509000000000000" pitchFamily="65" charset="-120"/>
-              </a:rPr>
-              <a:t>的訓練呢</a:t>
-            </a:r>
-            <a:r>
-              <a:rPr lang="en-US" altLang="zh-TW" dirty="0">
-                <a:latin typeface="標楷體" panose="03000509000000000000" pitchFamily="65" charset="-120"/>
-                <a:ea typeface="標楷體" panose="03000509000000000000" pitchFamily="65" charset="-120"/>
-              </a:rPr>
-              <a:t>?</a:t>
-            </a:r>
-            <a:endParaRPr lang="zh-TW" altLang="en-US" dirty="0">
-              <a:latin typeface="標楷體" panose="03000509000000000000" pitchFamily="65" charset="-120"/>
-              <a:ea typeface="標楷體" panose="03000509000000000000" pitchFamily="65" charset="-120"/>
-            </a:endParaRPr>
+              <a:t>基於上一頁所說，預計將拿八種錯誤的姿勢經過正規化，變成黑底白線的圖樣，並進行手動修正。</a:t>
+            </a:r>
           </a:p>
         </p:txBody>
       </p:sp>
     </p:spTree>
     <p:extLst>
       <p:ext uri="{BB962C8B-B14F-4D97-AF65-F5344CB8AC3E}">
-        <p14:creationId xmlns:p14="http://schemas.microsoft.com/office/powerpoint/2010/main" val="3173635460"/>
+        <p14:creationId xmlns:p14="http://schemas.microsoft.com/office/powerpoint/2010/main" val="2652581726"/>
       </p:ext>
     </p:extLst>
   </p:cSld>

--- a/week21進度報告.pptx
+++ b/week21進度報告.pptx
@@ -12,12 +12,15 @@
     <p:sldId id="265" r:id="rId6"/>
     <p:sldId id="267" r:id="rId7"/>
     <p:sldId id="268" r:id="rId8"/>
-    <p:sldId id="259" r:id="rId9"/>
-    <p:sldId id="260" r:id="rId10"/>
-    <p:sldId id="261" r:id="rId11"/>
-    <p:sldId id="262" r:id="rId12"/>
-    <p:sldId id="263" r:id="rId13"/>
-    <p:sldId id="264" r:id="rId14"/>
+    <p:sldId id="269" r:id="rId9"/>
+    <p:sldId id="270" r:id="rId10"/>
+    <p:sldId id="271" r:id="rId11"/>
+    <p:sldId id="259" r:id="rId12"/>
+    <p:sldId id="260" r:id="rId13"/>
+    <p:sldId id="261" r:id="rId14"/>
+    <p:sldId id="262" r:id="rId15"/>
+    <p:sldId id="263" r:id="rId16"/>
+    <p:sldId id="264" r:id="rId17"/>
   </p:sldIdLst>
   <p:sldSz cx="12192000" cy="6858000"/>
   <p:notesSz cx="6858000" cy="9144000"/>
@@ -271,7 +274,7 @@
           <a:p>
             <a:fld id="{460850FE-D665-41D8-9A3D-3AB9F3E772BE}" type="datetimeFigureOut">
               <a:rPr lang="zh-TW" altLang="en-US" smtClean="0"/>
-              <a:t>2023/7/3</a:t>
+              <a:t>2023/7/4</a:t>
             </a:fld>
             <a:endParaRPr lang="zh-TW" altLang="en-US"/>
           </a:p>
@@ -469,7 +472,7 @@
           <a:p>
             <a:fld id="{460850FE-D665-41D8-9A3D-3AB9F3E772BE}" type="datetimeFigureOut">
               <a:rPr lang="zh-TW" altLang="en-US" smtClean="0"/>
-              <a:t>2023/7/3</a:t>
+              <a:t>2023/7/4</a:t>
             </a:fld>
             <a:endParaRPr lang="zh-TW" altLang="en-US"/>
           </a:p>
@@ -677,7 +680,7 @@
           <a:p>
             <a:fld id="{460850FE-D665-41D8-9A3D-3AB9F3E772BE}" type="datetimeFigureOut">
               <a:rPr lang="zh-TW" altLang="en-US" smtClean="0"/>
-              <a:t>2023/7/3</a:t>
+              <a:t>2023/7/4</a:t>
             </a:fld>
             <a:endParaRPr lang="zh-TW" altLang="en-US"/>
           </a:p>
@@ -875,7 +878,7 @@
           <a:p>
             <a:fld id="{460850FE-D665-41D8-9A3D-3AB9F3E772BE}" type="datetimeFigureOut">
               <a:rPr lang="zh-TW" altLang="en-US" smtClean="0"/>
-              <a:t>2023/7/3</a:t>
+              <a:t>2023/7/4</a:t>
             </a:fld>
             <a:endParaRPr lang="zh-TW" altLang="en-US"/>
           </a:p>
@@ -1150,7 +1153,7 @@
           <a:p>
             <a:fld id="{460850FE-D665-41D8-9A3D-3AB9F3E772BE}" type="datetimeFigureOut">
               <a:rPr lang="zh-TW" altLang="en-US" smtClean="0"/>
-              <a:t>2023/7/3</a:t>
+              <a:t>2023/7/4</a:t>
             </a:fld>
             <a:endParaRPr lang="zh-TW" altLang="en-US"/>
           </a:p>
@@ -1415,7 +1418,7 @@
           <a:p>
             <a:fld id="{460850FE-D665-41D8-9A3D-3AB9F3E772BE}" type="datetimeFigureOut">
               <a:rPr lang="zh-TW" altLang="en-US" smtClean="0"/>
-              <a:t>2023/7/3</a:t>
+              <a:t>2023/7/4</a:t>
             </a:fld>
             <a:endParaRPr lang="zh-TW" altLang="en-US"/>
           </a:p>
@@ -1827,7 +1830,7 @@
           <a:p>
             <a:fld id="{460850FE-D665-41D8-9A3D-3AB9F3E772BE}" type="datetimeFigureOut">
               <a:rPr lang="zh-TW" altLang="en-US" smtClean="0"/>
-              <a:t>2023/7/3</a:t>
+              <a:t>2023/7/4</a:t>
             </a:fld>
             <a:endParaRPr lang="zh-TW" altLang="en-US"/>
           </a:p>
@@ -1968,7 +1971,7 @@
           <a:p>
             <a:fld id="{460850FE-D665-41D8-9A3D-3AB9F3E772BE}" type="datetimeFigureOut">
               <a:rPr lang="zh-TW" altLang="en-US" smtClean="0"/>
-              <a:t>2023/7/3</a:t>
+              <a:t>2023/7/4</a:t>
             </a:fld>
             <a:endParaRPr lang="zh-TW" altLang="en-US"/>
           </a:p>
@@ -2081,7 +2084,7 @@
           <a:p>
             <a:fld id="{460850FE-D665-41D8-9A3D-3AB9F3E772BE}" type="datetimeFigureOut">
               <a:rPr lang="zh-TW" altLang="en-US" smtClean="0"/>
-              <a:t>2023/7/3</a:t>
+              <a:t>2023/7/4</a:t>
             </a:fld>
             <a:endParaRPr lang="zh-TW" altLang="en-US"/>
           </a:p>
@@ -2392,7 +2395,7 @@
           <a:p>
             <a:fld id="{460850FE-D665-41D8-9A3D-3AB9F3E772BE}" type="datetimeFigureOut">
               <a:rPr lang="zh-TW" altLang="en-US" smtClean="0"/>
-              <a:t>2023/7/3</a:t>
+              <a:t>2023/7/4</a:t>
             </a:fld>
             <a:endParaRPr lang="zh-TW" altLang="en-US"/>
           </a:p>
@@ -2680,7 +2683,7 @@
           <a:p>
             <a:fld id="{460850FE-D665-41D8-9A3D-3AB9F3E772BE}" type="datetimeFigureOut">
               <a:rPr lang="zh-TW" altLang="en-US" smtClean="0"/>
-              <a:t>2023/7/3</a:t>
+              <a:t>2023/7/4</a:t>
             </a:fld>
             <a:endParaRPr lang="zh-TW" altLang="en-US"/>
           </a:p>
@@ -2921,7 +2924,7 @@
           <a:p>
             <a:fld id="{460850FE-D665-41D8-9A3D-3AB9F3E772BE}" type="datetimeFigureOut">
               <a:rPr lang="zh-TW" altLang="en-US" smtClean="0"/>
-              <a:t>2023/7/3</a:t>
+              <a:t>2023/7/4</a:t>
             </a:fld>
             <a:endParaRPr lang="zh-TW" altLang="en-US"/>
           </a:p>
@@ -3423,7 +3426,7 @@
           <p:cNvPr id="2" name="標題 1">
             <a:extLst>
               <a:ext uri="{FF2B5EF4-FFF2-40B4-BE49-F238E27FC236}">
-                <a16:creationId xmlns:a16="http://schemas.microsoft.com/office/drawing/2014/main" id="{677E27CA-69F2-51CD-869A-8561EA526E2C}"/>
+                <a16:creationId xmlns:a16="http://schemas.microsoft.com/office/drawing/2014/main" id="{CA281CE3-1C92-32ED-36B8-E32928A18D3E}"/>
               </a:ext>
             </a:extLst>
           </p:cNvPr>
@@ -3439,101 +3442,63 @@
           <a:bodyPr/>
           <a:lstStyle/>
           <a:p>
-            <a:pPr algn="ctr"/>
+            <a:endParaRPr lang="zh-TW" altLang="en-US"/>
+          </a:p>
+        </p:txBody>
+      </p:sp>
+      <p:sp>
+        <p:nvSpPr>
+          <p:cNvPr id="3" name="內容版面配置區 2">
+            <a:extLst>
+              <a:ext uri="{FF2B5EF4-FFF2-40B4-BE49-F238E27FC236}">
+                <a16:creationId xmlns:a16="http://schemas.microsoft.com/office/drawing/2014/main" id="{08CCF08B-529F-0543-F1F2-A95C59CB9CAE}"/>
+              </a:ext>
+            </a:extLst>
+          </p:cNvPr>
+          <p:cNvSpPr>
+            <a:spLocks noGrp="1"/>
+          </p:cNvSpPr>
+          <p:nvPr>
+            <p:ph idx="1"/>
+          </p:nvPr>
+        </p:nvSpPr>
+        <p:spPr/>
+        <p:txBody>
+          <a:bodyPr/>
+          <a:lstStyle/>
+          <a:p>
             <a:r>
               <a:rPr lang="zh-TW" altLang="en-US" dirty="0">
                 <a:latin typeface="標楷體" panose="03000509000000000000" pitchFamily="65" charset="-120"/>
                 <a:ea typeface="標楷體" panose="03000509000000000000" pitchFamily="65" charset="-120"/>
               </a:rPr>
-              <a:t>修正時機</a:t>
-            </a:r>
-          </a:p>
-        </p:txBody>
-      </p:sp>
-      <p:sp>
-        <p:nvSpPr>
-          <p:cNvPr id="9" name="內容版面配置區 8">
-            <a:extLst>
-              <a:ext uri="{FF2B5EF4-FFF2-40B4-BE49-F238E27FC236}">
-                <a16:creationId xmlns:a16="http://schemas.microsoft.com/office/drawing/2014/main" id="{4F747AF6-5E3D-A8DB-9CC2-3E5D5EF3D9A8}"/>
-              </a:ext>
-            </a:extLst>
-          </p:cNvPr>
-          <p:cNvSpPr>
-            <a:spLocks noGrp="1"/>
-          </p:cNvSpPr>
-          <p:nvPr>
-            <p:ph idx="1"/>
-          </p:nvPr>
-        </p:nvSpPr>
-        <p:spPr/>
-        <p:txBody>
-          <a:bodyPr/>
-          <a:lstStyle/>
-          <a:p>
-            <a:r>
-              <a:rPr lang="zh-TW" altLang="en-US" dirty="0">
-                <a:latin typeface="標楷體" panose="03000509000000000000" pitchFamily="65" charset="-120"/>
-                <a:ea typeface="標楷體" panose="03000509000000000000" pitchFamily="65" charset="-120"/>
-              </a:rPr>
-              <a:t>深蹲的準備動作依據每個人有不同的方式，為了好好的擷取我們所需要的影格，在使用者的深蹲影片裡，需要使用者</a:t>
+              <a:t>放入</a:t>
             </a:r>
             <a:r>
               <a:rPr lang="en-US" altLang="zh-TW" dirty="0">
                 <a:latin typeface="標楷體" panose="03000509000000000000" pitchFamily="65" charset="-120"/>
                 <a:ea typeface="標楷體" panose="03000509000000000000" pitchFamily="65" charset="-120"/>
               </a:rPr>
-              <a:t>”</a:t>
-            </a:r>
-            <a:r>
-              <a:rPr lang="zh-TW" altLang="en-US" dirty="0">
-                <a:latin typeface="標楷體" panose="03000509000000000000" pitchFamily="65" charset="-120"/>
-                <a:ea typeface="標楷體" panose="03000509000000000000" pitchFamily="65" charset="-120"/>
-              </a:rPr>
-              <a:t>站立姿勢停頓一秒</a:t>
-            </a:r>
-            <a:r>
+              <a:t>dataset</a:t>
+            </a:r>
+            <a:br>
               <a:rPr lang="en-US" altLang="zh-TW" dirty="0">
                 <a:latin typeface="標楷體" panose="03000509000000000000" pitchFamily="65" charset="-120"/>
                 <a:ea typeface="標楷體" panose="03000509000000000000" pitchFamily="65" charset="-120"/>
               </a:rPr>
-              <a:t>”</a:t>
-            </a:r>
-            <a:r>
-              <a:rPr lang="zh-TW" altLang="en-US" dirty="0">
-                <a:latin typeface="標楷體" panose="03000509000000000000" pitchFamily="65" charset="-120"/>
-                <a:ea typeface="標楷體" panose="03000509000000000000" pitchFamily="65" charset="-120"/>
-              </a:rPr>
-              <a:t>後系統會擷取影格，再來使用者</a:t>
-            </a:r>
-            <a:r>
+            </a:br>
+            <a:br>
               <a:rPr lang="en-US" altLang="zh-TW" dirty="0">
                 <a:latin typeface="標楷體" panose="03000509000000000000" pitchFamily="65" charset="-120"/>
                 <a:ea typeface="標楷體" panose="03000509000000000000" pitchFamily="65" charset="-120"/>
               </a:rPr>
-              <a:t>”</a:t>
-            </a:r>
-            <a:r>
-              <a:rPr lang="zh-TW" altLang="en-US" dirty="0">
-                <a:latin typeface="標楷體" panose="03000509000000000000" pitchFamily="65" charset="-120"/>
-                <a:ea typeface="標楷體" panose="03000509000000000000" pitchFamily="65" charset="-120"/>
-              </a:rPr>
-              <a:t>蹲下去後到最底停頓一秒</a:t>
-            </a:r>
-            <a:r>
+            </a:br>
+            <a:br>
               <a:rPr lang="en-US" altLang="zh-TW" dirty="0">
                 <a:latin typeface="標楷體" panose="03000509000000000000" pitchFamily="65" charset="-120"/>
                 <a:ea typeface="標楷體" panose="03000509000000000000" pitchFamily="65" charset="-120"/>
               </a:rPr>
-              <a:t>”</a:t>
-            </a:r>
-            <a:r>
-              <a:rPr lang="zh-TW" altLang="en-US" dirty="0">
-                <a:latin typeface="標楷體" panose="03000509000000000000" pitchFamily="65" charset="-120"/>
-                <a:ea typeface="標楷體" panose="03000509000000000000" pitchFamily="65" charset="-120"/>
-              </a:rPr>
-              <a:t>，一樣系統擷取影格。</a:t>
-            </a:r>
+            </a:br>
             <a:endParaRPr lang="en-US" altLang="zh-TW" dirty="0">
               <a:latin typeface="標楷體" panose="03000509000000000000" pitchFamily="65" charset="-120"/>
               <a:ea typeface="標楷體" panose="03000509000000000000" pitchFamily="65" charset="-120"/>
@@ -3541,75 +3506,181 @@
           </a:p>
           <a:p>
             <a:r>
-              <a:rPr lang="zh-TW" altLang="en-US" dirty="0">
-                <a:latin typeface="標楷體" panose="03000509000000000000" pitchFamily="65" charset="-120"/>
-                <a:ea typeface="標楷體" panose="03000509000000000000" pitchFamily="65" charset="-120"/>
-              </a:rPr>
-              <a:t>也就是說我們會有兩張圖片，第一個是</a:t>
-            </a:r>
-            <a:r>
               <a:rPr lang="en-US" altLang="zh-TW" dirty="0">
                 <a:latin typeface="標楷體" panose="03000509000000000000" pitchFamily="65" charset="-120"/>
                 <a:ea typeface="標楷體" panose="03000509000000000000" pitchFamily="65" charset="-120"/>
               </a:rPr>
-              <a:t>”</a:t>
-            </a:r>
-            <a:r>
-              <a:rPr lang="zh-TW" altLang="en-US" dirty="0">
-                <a:latin typeface="標楷體" panose="03000509000000000000" pitchFamily="65" charset="-120"/>
-                <a:ea typeface="標楷體" panose="03000509000000000000" pitchFamily="65" charset="-120"/>
-              </a:rPr>
-              <a:t>準備動作</a:t>
-            </a:r>
-            <a:r>
+              <a:t>Label appending</a:t>
+            </a:r>
+            <a:br>
               <a:rPr lang="en-US" altLang="zh-TW" dirty="0">
                 <a:latin typeface="標楷體" panose="03000509000000000000" pitchFamily="65" charset="-120"/>
                 <a:ea typeface="標楷體" panose="03000509000000000000" pitchFamily="65" charset="-120"/>
               </a:rPr>
-              <a:t>”</a:t>
-            </a:r>
-            <a:r>
-              <a:rPr lang="zh-TW" altLang="en-US" dirty="0">
-                <a:latin typeface="標楷體" panose="03000509000000000000" pitchFamily="65" charset="-120"/>
-                <a:ea typeface="標楷體" panose="03000509000000000000" pitchFamily="65" charset="-120"/>
-              </a:rPr>
-              <a:t>，第二個是</a:t>
-            </a:r>
-            <a:r>
-              <a:rPr lang="en-US" altLang="zh-TW" dirty="0">
-                <a:latin typeface="標楷體" panose="03000509000000000000" pitchFamily="65" charset="-120"/>
-                <a:ea typeface="標楷體" panose="03000509000000000000" pitchFamily="65" charset="-120"/>
-              </a:rPr>
-              <a:t>”</a:t>
-            </a:r>
-            <a:r>
-              <a:rPr lang="zh-TW" altLang="en-US" dirty="0">
-                <a:latin typeface="標楷體" panose="03000509000000000000" pitchFamily="65" charset="-120"/>
-                <a:ea typeface="標楷體" panose="03000509000000000000" pitchFamily="65" charset="-120"/>
-              </a:rPr>
-              <a:t>蹲到最低的動作</a:t>
-            </a:r>
-            <a:r>
-              <a:rPr lang="en-US" altLang="zh-TW" dirty="0">
-                <a:latin typeface="標楷體" panose="03000509000000000000" pitchFamily="65" charset="-120"/>
-                <a:ea typeface="標楷體" panose="03000509000000000000" pitchFamily="65" charset="-120"/>
-              </a:rPr>
-              <a:t>”</a:t>
-            </a:r>
-            <a:r>
-              <a:rPr lang="zh-TW" altLang="en-US" dirty="0">
-                <a:latin typeface="標楷體" panose="03000509000000000000" pitchFamily="65" charset="-120"/>
-                <a:ea typeface="標楷體" panose="03000509000000000000" pitchFamily="65" charset="-120"/>
-              </a:rPr>
-              <a:t>，而我們也主要矯正這兩個。</a:t>
-            </a:r>
-          </a:p>
-        </p:txBody>
-      </p:sp>
+            </a:br>
+            <a:r>
+              <a:rPr lang="en-US" altLang="zh-TW" sz="1800" dirty="0" err="1">
+                <a:latin typeface="標楷體" panose="03000509000000000000" pitchFamily="65" charset="-120"/>
+                <a:ea typeface="標楷體" panose="03000509000000000000" pitchFamily="65" charset="-120"/>
+              </a:rPr>
+              <a:t>Standard_Standard</a:t>
+            </a:r>
+            <a:r>
+              <a:rPr lang="en-US" altLang="zh-TW" sz="1800" dirty="0">
+                <a:latin typeface="標楷體" panose="03000509000000000000" pitchFamily="65" charset="-120"/>
+                <a:ea typeface="標楷體" panose="03000509000000000000" pitchFamily="65" charset="-120"/>
+              </a:rPr>
+              <a:t> </a:t>
+            </a:r>
+            <a:r>
+              <a:rPr lang="zh-TW" altLang="en-US" sz="1800" dirty="0">
+                <a:latin typeface="標楷體" panose="03000509000000000000" pitchFamily="65" charset="-120"/>
+                <a:ea typeface="標楷體" panose="03000509000000000000" pitchFamily="65" charset="-120"/>
+              </a:rPr>
+              <a:t>為 </a:t>
+            </a:r>
+            <a:r>
+              <a:rPr lang="en-US" altLang="zh-TW" sz="1800" dirty="0">
+                <a:latin typeface="標楷體" panose="03000509000000000000" pitchFamily="65" charset="-120"/>
+                <a:ea typeface="標楷體" panose="03000509000000000000" pitchFamily="65" charset="-120"/>
+              </a:rPr>
+              <a:t>0</a:t>
+            </a:r>
+            <a:br>
+              <a:rPr lang="en-US" altLang="zh-TW" sz="1800" dirty="0">
+                <a:latin typeface="標楷體" panose="03000509000000000000" pitchFamily="65" charset="-120"/>
+                <a:ea typeface="標楷體" panose="03000509000000000000" pitchFamily="65" charset="-120"/>
+              </a:rPr>
+            </a:br>
+            <a:r>
+              <a:rPr lang="en-US" altLang="zh-TW" sz="1800" dirty="0" err="1">
+                <a:latin typeface="標楷體" panose="03000509000000000000" pitchFamily="65" charset="-120"/>
+                <a:ea typeface="標楷體" panose="03000509000000000000" pitchFamily="65" charset="-120"/>
+              </a:rPr>
+              <a:t>Standard_Narrow</a:t>
+            </a:r>
+            <a:r>
+              <a:rPr lang="en-US" altLang="zh-TW" sz="1800" dirty="0">
+                <a:latin typeface="標楷體" panose="03000509000000000000" pitchFamily="65" charset="-120"/>
+                <a:ea typeface="標楷體" panose="03000509000000000000" pitchFamily="65" charset="-120"/>
+              </a:rPr>
+              <a:t> </a:t>
+            </a:r>
+            <a:r>
+              <a:rPr lang="zh-TW" altLang="en-US" sz="1800" dirty="0">
+                <a:latin typeface="標楷體" panose="03000509000000000000" pitchFamily="65" charset="-120"/>
+                <a:ea typeface="標楷體" panose="03000509000000000000" pitchFamily="65" charset="-120"/>
+              </a:rPr>
+              <a:t>為 </a:t>
+            </a:r>
+            <a:r>
+              <a:rPr lang="en-US" altLang="zh-TW" sz="1800" dirty="0">
+                <a:latin typeface="標楷體" panose="03000509000000000000" pitchFamily="65" charset="-120"/>
+                <a:ea typeface="標楷體" panose="03000509000000000000" pitchFamily="65" charset="-120"/>
+              </a:rPr>
+              <a:t>1</a:t>
+            </a:r>
+            <a:br>
+              <a:rPr lang="en-US" altLang="zh-TW" sz="1800" dirty="0">
+                <a:latin typeface="標楷體" panose="03000509000000000000" pitchFamily="65" charset="-120"/>
+                <a:ea typeface="標楷體" panose="03000509000000000000" pitchFamily="65" charset="-120"/>
+              </a:rPr>
+            </a:br>
+            <a:r>
+              <a:rPr lang="en-US" altLang="zh-TW" sz="1800" dirty="0" err="1">
+                <a:latin typeface="標楷體" panose="03000509000000000000" pitchFamily="65" charset="-120"/>
+                <a:ea typeface="標楷體" panose="03000509000000000000" pitchFamily="65" charset="-120"/>
+              </a:rPr>
+              <a:t>Standard_Wide</a:t>
+            </a:r>
+            <a:r>
+              <a:rPr lang="en-US" altLang="zh-TW" sz="1800" dirty="0">
+                <a:latin typeface="標楷體" panose="03000509000000000000" pitchFamily="65" charset="-120"/>
+                <a:ea typeface="標楷體" panose="03000509000000000000" pitchFamily="65" charset="-120"/>
+              </a:rPr>
+              <a:t> </a:t>
+            </a:r>
+            <a:r>
+              <a:rPr lang="zh-TW" altLang="en-US" sz="1800" dirty="0">
+                <a:latin typeface="標楷體" panose="03000509000000000000" pitchFamily="65" charset="-120"/>
+                <a:ea typeface="標楷體" panose="03000509000000000000" pitchFamily="65" charset="-120"/>
+              </a:rPr>
+              <a:t>為 </a:t>
+            </a:r>
+            <a:r>
+              <a:rPr lang="en-US" altLang="zh-TW" sz="1800" dirty="0">
+                <a:latin typeface="標楷體" panose="03000509000000000000" pitchFamily="65" charset="-120"/>
+                <a:ea typeface="標楷體" panose="03000509000000000000" pitchFamily="65" charset="-120"/>
+              </a:rPr>
+              <a:t>2</a:t>
+            </a:r>
+          </a:p>
+        </p:txBody>
+      </p:sp>
+      <p:pic>
+        <p:nvPicPr>
+          <p:cNvPr id="5" name="圖片 4">
+            <a:extLst>
+              <a:ext uri="{FF2B5EF4-FFF2-40B4-BE49-F238E27FC236}">
+                <a16:creationId xmlns:a16="http://schemas.microsoft.com/office/drawing/2014/main" id="{4E23BA5D-A50A-D7F9-2AF6-8A61786D9365}"/>
+              </a:ext>
+            </a:extLst>
+          </p:cNvPr>
+          <p:cNvPicPr>
+            <a:picLocks noChangeAspect="1"/>
+          </p:cNvPicPr>
+          <p:nvPr/>
+        </p:nvPicPr>
+        <p:blipFill>
+          <a:blip r:embed="rId2"/>
+          <a:stretch>
+            <a:fillRect/>
+          </a:stretch>
+        </p:blipFill>
+        <p:spPr>
+          <a:xfrm>
+            <a:off x="838200" y="2523198"/>
+            <a:ext cx="9822653" cy="548751"/>
+          </a:xfrm>
+          <a:prstGeom prst="rect">
+            <a:avLst/>
+          </a:prstGeom>
+        </p:spPr>
+      </p:pic>
+      <p:pic>
+        <p:nvPicPr>
+          <p:cNvPr id="7" name="圖片 6">
+            <a:extLst>
+              <a:ext uri="{FF2B5EF4-FFF2-40B4-BE49-F238E27FC236}">
+                <a16:creationId xmlns:a16="http://schemas.microsoft.com/office/drawing/2014/main" id="{882E3FA4-DE2A-A2DC-97AB-781A90235A8F}"/>
+              </a:ext>
+            </a:extLst>
+          </p:cNvPr>
+          <p:cNvPicPr>
+            <a:picLocks noChangeAspect="1"/>
+          </p:cNvPicPr>
+          <p:nvPr/>
+        </p:nvPicPr>
+        <p:blipFill>
+          <a:blip r:embed="rId3"/>
+          <a:stretch>
+            <a:fillRect/>
+          </a:stretch>
+        </p:blipFill>
+        <p:spPr>
+          <a:xfrm>
+            <a:off x="838200" y="4850764"/>
+            <a:ext cx="5639587" cy="657317"/>
+          </a:xfrm>
+          <a:prstGeom prst="rect">
+            <a:avLst/>
+          </a:prstGeom>
+        </p:spPr>
+      </p:pic>
     </p:spTree>
     <p:extLst>
       <p:ext uri="{BB962C8B-B14F-4D97-AF65-F5344CB8AC3E}">
-        <p14:creationId xmlns:p14="http://schemas.microsoft.com/office/powerpoint/2010/main" val="1943227943"/>
+        <p14:creationId xmlns:p14="http://schemas.microsoft.com/office/powerpoint/2010/main" val="1478657390"/>
       </p:ext>
     </p:extLst>
   </p:cSld>
@@ -3641,7 +3712,7 @@
           <p:cNvPr id="2" name="標題 1">
             <a:extLst>
               <a:ext uri="{FF2B5EF4-FFF2-40B4-BE49-F238E27FC236}">
-                <a16:creationId xmlns:a16="http://schemas.microsoft.com/office/drawing/2014/main" id="{DB81C9C6-6544-DFA8-DCDA-F9506B72DD50}"/>
+                <a16:creationId xmlns:a16="http://schemas.microsoft.com/office/drawing/2014/main" id="{B2E56705-A8D3-CCB9-A486-BB28A9ED1A58}"/>
               </a:ext>
             </a:extLst>
           </p:cNvPr>
@@ -3657,68 +3728,325 @@
           <a:bodyPr/>
           <a:lstStyle/>
           <a:p>
-            <a:endParaRPr lang="zh-TW" altLang="en-US" dirty="0"/>
-          </a:p>
-        </p:txBody>
-      </p:sp>
-      <p:sp>
-        <p:nvSpPr>
-          <p:cNvPr id="3" name="內容版面配置區 2">
-            <a:extLst>
-              <a:ext uri="{FF2B5EF4-FFF2-40B4-BE49-F238E27FC236}">
-                <a16:creationId xmlns:a16="http://schemas.microsoft.com/office/drawing/2014/main" id="{6E120BA8-1642-A6AD-9AC6-0AAC03E0F272}"/>
-              </a:ext>
-            </a:extLst>
-          </p:cNvPr>
-          <p:cNvSpPr>
-            <a:spLocks noGrp="1"/>
-          </p:cNvSpPr>
-          <p:nvPr>
-            <p:ph idx="1"/>
-          </p:nvPr>
-        </p:nvSpPr>
-        <p:spPr/>
-        <p:txBody>
-          <a:bodyPr/>
-          <a:lstStyle/>
-          <a:p>
+            <a:pPr algn="ctr"/>
+            <a:r>
+              <a:rPr lang="en-US" altLang="zh-TW" dirty="0">
+                <a:latin typeface="標楷體" panose="03000509000000000000" pitchFamily="65" charset="-120"/>
+                <a:ea typeface="標楷體" panose="03000509000000000000" pitchFamily="65" charset="-120"/>
+              </a:rPr>
+              <a:t>pix2pix</a:t>
+            </a:r>
             <a:r>
               <a:rPr lang="zh-TW" altLang="en-US" dirty="0">
                 <a:latin typeface="標楷體" panose="03000509000000000000" pitchFamily="65" charset="-120"/>
                 <a:ea typeface="標楷體" panose="03000509000000000000" pitchFamily="65" charset="-120"/>
               </a:rPr>
-              <a:t>基於大部分研究指出，深蹲腳與肩的距離大約是在</a:t>
-            </a:r>
-            <a:r>
-              <a:rPr lang="en-US" altLang="zh-TW" dirty="0">
-                <a:latin typeface="標楷體" panose="03000509000000000000" pitchFamily="65" charset="-120"/>
-                <a:ea typeface="標楷體" panose="03000509000000000000" pitchFamily="65" charset="-120"/>
-              </a:rPr>
-              <a:t>1~1.4</a:t>
-            </a:r>
-            <a:r>
-              <a:rPr lang="zh-TW" altLang="en-US" dirty="0">
-                <a:latin typeface="標楷體" panose="03000509000000000000" pitchFamily="65" charset="-120"/>
-                <a:ea typeface="標楷體" panose="03000509000000000000" pitchFamily="65" charset="-120"/>
-              </a:rPr>
-              <a:t>肩寬之間，所以我們錯誤姿勢拿出來正規化後，手動修正的範圍也差不多是如此。</a:t>
-            </a:r>
-            <a:endParaRPr lang="en-US" altLang="zh-TW" dirty="0">
-              <a:latin typeface="標楷體" panose="03000509000000000000" pitchFamily="65" charset="-120"/>
-              <a:ea typeface="標楷體" panose="03000509000000000000" pitchFamily="65" charset="-120"/>
+              <a:t>研究</a:t>
+            </a:r>
+          </a:p>
+        </p:txBody>
+      </p:sp>
+      <p:sp>
+        <p:nvSpPr>
+          <p:cNvPr id="4" name="文字方塊 3">
+            <a:extLst>
+              <a:ext uri="{FF2B5EF4-FFF2-40B4-BE49-F238E27FC236}">
+                <a16:creationId xmlns:a16="http://schemas.microsoft.com/office/drawing/2014/main" id="{F5B21B59-B44A-759F-E0ED-DBE3DA136B20}"/>
+              </a:ext>
+            </a:extLst>
+          </p:cNvPr>
+          <p:cNvSpPr txBox="1"/>
+          <p:nvPr/>
+        </p:nvSpPr>
+        <p:spPr>
+          <a:xfrm>
+            <a:off x="1419785" y="2655402"/>
+            <a:ext cx="9352430" cy="2677656"/>
+          </a:xfrm>
+          <a:prstGeom prst="rect">
+            <a:avLst/>
+          </a:prstGeom>
+          <a:noFill/>
+        </p:spPr>
+        <p:txBody>
+          <a:bodyPr wrap="square" rtlCol="0">
+            <a:spAutoFit/>
+          </a:bodyPr>
+          <a:lstStyle/>
+          <a:p>
+            <a:pPr algn="l" rtl="0" fontAlgn="base">
+              <a:buFont typeface="Arial" panose="020B0604020202020204" pitchFamily="34" charset="0"/>
+              <a:buChar char="•"/>
+            </a:pPr>
+            <a:r>
+              <a:rPr lang="zh-TW" altLang="zh-TW" sz="2500" b="0" i="0" u="none" strike="noStrike" dirty="0">
+                <a:solidFill>
+                  <a:srgbClr val="595959"/>
+                </a:solidFill>
+                <a:effectLst/>
+                <a:latin typeface="Arial" panose="020B0604020202020204" pitchFamily="34" charset="0"/>
+                <a:ea typeface="標楷體" panose="03000509000000000000" pitchFamily="65" charset="-120"/>
+              </a:rPr>
+              <a:t>生成器的輸出是透過條件來決定的，</a:t>
+            </a:r>
+            <a:r>
+              <a:rPr lang="en-US" altLang="zh-TW" sz="2500" b="0" i="0" u="none" strike="noStrike" dirty="0">
+                <a:solidFill>
+                  <a:srgbClr val="595959"/>
+                </a:solidFill>
+                <a:effectLst/>
+                <a:latin typeface="標楷體" panose="03000509000000000000" pitchFamily="65" charset="-120"/>
+              </a:rPr>
+              <a:t>conditional GAN </a:t>
+            </a:r>
+            <a:r>
+              <a:rPr lang="zh-TW" altLang="zh-TW" sz="2500" b="0" i="0" u="none" strike="noStrike" dirty="0">
+                <a:solidFill>
+                  <a:srgbClr val="595959"/>
+                </a:solidFill>
+                <a:effectLst/>
+                <a:latin typeface="Arial" panose="020B0604020202020204" pitchFamily="34" charset="0"/>
+                <a:ea typeface="標楷體" panose="03000509000000000000" pitchFamily="65" charset="-120"/>
+              </a:rPr>
+              <a:t>的一種。</a:t>
+            </a:r>
+            <a:r>
+              <a:rPr lang="en-US" altLang="zh-TW" sz="2500" b="0" i="0" dirty="0">
+                <a:solidFill>
+                  <a:srgbClr val="595959"/>
+                </a:solidFill>
+                <a:effectLst/>
+                <a:latin typeface="標楷體" panose="03000509000000000000" pitchFamily="65" charset="-120"/>
+              </a:rPr>
+              <a:t>​</a:t>
+            </a:r>
+            <a:endParaRPr lang="en-US" altLang="zh-TW" sz="2500" b="0" i="0" dirty="0">
+              <a:solidFill>
+                <a:srgbClr val="000000"/>
+              </a:solidFill>
+              <a:effectLst/>
+              <a:latin typeface="Arial" panose="020B0604020202020204" pitchFamily="34" charset="0"/>
             </a:endParaRPr>
           </a:p>
           <a:p>
-            <a:r>
-              <a:rPr lang="zh-TW" altLang="en-US" dirty="0">
-                <a:latin typeface="標楷體" panose="03000509000000000000" pitchFamily="65" charset="-120"/>
-                <a:ea typeface="標楷體" panose="03000509000000000000" pitchFamily="65" charset="-120"/>
-              </a:rPr>
-              <a:t>而我們修正的部位也僅限於下半身腿部的部分，不會去理會上半身。</a:t>
-            </a:r>
-            <a:endParaRPr lang="en-US" altLang="zh-TW" dirty="0">
-              <a:latin typeface="標楷體" panose="03000509000000000000" pitchFamily="65" charset="-120"/>
-              <a:ea typeface="標楷體" panose="03000509000000000000" pitchFamily="65" charset="-120"/>
+            <a:pPr lvl="1" fontAlgn="base">
+              <a:buFont typeface="Arial" panose="020B0604020202020204" pitchFamily="34" charset="0"/>
+              <a:buChar char="•"/>
+            </a:pPr>
+            <a:r>
+              <a:rPr lang="zh-TW" altLang="zh-TW" sz="2500" b="0" i="0" u="none" strike="noStrike" dirty="0">
+                <a:solidFill>
+                  <a:srgbClr val="595959"/>
+                </a:solidFill>
+                <a:effectLst/>
+                <a:latin typeface="Arial" panose="020B0604020202020204" pitchFamily="34" charset="0"/>
+                <a:ea typeface="標楷體" panose="03000509000000000000" pitchFamily="65" charset="-120"/>
+              </a:rPr>
+              <a:t>條件在此為 </a:t>
+            </a:r>
+            <a:r>
+              <a:rPr lang="en-US" altLang="zh-TW" sz="2500" b="0" i="0" u="none" strike="noStrike" dirty="0">
+                <a:solidFill>
+                  <a:srgbClr val="595959"/>
+                </a:solidFill>
+                <a:effectLst/>
+                <a:latin typeface="標楷體" panose="03000509000000000000" pitchFamily="65" charset="-120"/>
+              </a:rPr>
+              <a:t>source image</a:t>
+            </a:r>
+            <a:r>
+              <a:rPr lang="en-US" altLang="zh-TW" sz="2500" b="0" i="0" dirty="0">
+                <a:solidFill>
+                  <a:srgbClr val="595959"/>
+                </a:solidFill>
+                <a:effectLst/>
+                <a:latin typeface="標楷體" panose="03000509000000000000" pitchFamily="65" charset="-120"/>
+              </a:rPr>
+              <a:t>​</a:t>
+            </a:r>
+            <a:endParaRPr lang="en-US" altLang="zh-TW" sz="2500" b="0" i="0" dirty="0">
+              <a:solidFill>
+                <a:srgbClr val="000000"/>
+              </a:solidFill>
+              <a:effectLst/>
+              <a:latin typeface="Arial" panose="020B0604020202020204" pitchFamily="34" charset="0"/>
+            </a:endParaRPr>
+          </a:p>
+          <a:p>
+            <a:pPr algn="l" rtl="0" fontAlgn="base">
+              <a:buFont typeface="Arial" panose="020B0604020202020204" pitchFamily="34" charset="0"/>
+              <a:buChar char="•"/>
+            </a:pPr>
+            <a:r>
+              <a:rPr lang="zh-TW" altLang="zh-TW" sz="2500" b="0" i="0" u="none" strike="noStrike" dirty="0">
+                <a:solidFill>
+                  <a:srgbClr val="595959"/>
+                </a:solidFill>
+                <a:effectLst/>
+                <a:latin typeface="Arial" panose="020B0604020202020204" pitchFamily="34" charset="0"/>
+                <a:ea typeface="標楷體" panose="03000509000000000000" pitchFamily="65" charset="-120"/>
+              </a:rPr>
+              <a:t>判斷器</a:t>
+            </a:r>
+            <a:r>
+              <a:rPr lang="en-US" altLang="zh-TW" sz="2500" b="0" i="0" dirty="0">
+                <a:solidFill>
+                  <a:srgbClr val="595959"/>
+                </a:solidFill>
+                <a:effectLst/>
+                <a:latin typeface="標楷體" panose="03000509000000000000" pitchFamily="65" charset="-120"/>
+              </a:rPr>
+              <a:t>​</a:t>
+            </a:r>
+            <a:endParaRPr lang="en-US" altLang="zh-TW" sz="2500" b="0" i="0" dirty="0">
+              <a:solidFill>
+                <a:srgbClr val="000000"/>
+              </a:solidFill>
+              <a:effectLst/>
+              <a:latin typeface="Arial" panose="020B0604020202020204" pitchFamily="34" charset="0"/>
+            </a:endParaRPr>
+          </a:p>
+          <a:p>
+            <a:pPr lvl="1" fontAlgn="base">
+              <a:buFont typeface="Arial" panose="020B0604020202020204" pitchFamily="34" charset="0"/>
+              <a:buChar char="•"/>
+            </a:pPr>
+            <a:r>
+              <a:rPr lang="en-US" altLang="zh-TW" sz="2500" b="0" i="0" u="none" strike="noStrike" dirty="0" err="1">
+                <a:solidFill>
+                  <a:srgbClr val="595959"/>
+                </a:solidFill>
+                <a:effectLst/>
+                <a:latin typeface="標楷體" panose="03000509000000000000" pitchFamily="65" charset="-120"/>
+              </a:rPr>
+              <a:t>PatchGAN</a:t>
+            </a:r>
+            <a:r>
+              <a:rPr lang="zh-TW" altLang="zh-TW" sz="2500" b="0" i="0" u="none" strike="noStrike" dirty="0">
+                <a:solidFill>
+                  <a:srgbClr val="595959"/>
+                </a:solidFill>
+                <a:effectLst/>
+                <a:latin typeface="Arial" panose="020B0604020202020204" pitchFamily="34" charset="0"/>
+                <a:ea typeface="標楷體" panose="03000509000000000000" pitchFamily="65" charset="-120"/>
+              </a:rPr>
+              <a:t> 判斷器</a:t>
+            </a:r>
+            <a:r>
+              <a:rPr lang="en-US" altLang="zh-TW" sz="2500" b="0" i="0" dirty="0">
+                <a:solidFill>
+                  <a:srgbClr val="595959"/>
+                </a:solidFill>
+                <a:effectLst/>
+                <a:latin typeface="標楷體" panose="03000509000000000000" pitchFamily="65" charset="-120"/>
+              </a:rPr>
+              <a:t>​</a:t>
+            </a:r>
+            <a:endParaRPr lang="en-US" altLang="zh-TW" sz="2500" b="0" i="0" dirty="0">
+              <a:solidFill>
+                <a:srgbClr val="000000"/>
+              </a:solidFill>
+              <a:effectLst/>
+              <a:latin typeface="Arial" panose="020B0604020202020204" pitchFamily="34" charset="0"/>
+            </a:endParaRPr>
+          </a:p>
+          <a:p>
+            <a:pPr algn="l" rtl="0" fontAlgn="base">
+              <a:buFont typeface="Arial" panose="020B0604020202020204" pitchFamily="34" charset="0"/>
+              <a:buChar char="•"/>
+            </a:pPr>
+            <a:r>
+              <a:rPr lang="zh-TW" altLang="zh-TW" sz="2500" b="0" i="0" u="none" strike="noStrike" dirty="0">
+                <a:solidFill>
+                  <a:srgbClr val="595959"/>
+                </a:solidFill>
+                <a:effectLst/>
+                <a:latin typeface="Arial" panose="020B0604020202020204" pitchFamily="34" charset="0"/>
+                <a:ea typeface="標楷體" panose="03000509000000000000" pitchFamily="65" charset="-120"/>
+              </a:rPr>
+              <a:t>生成器</a:t>
+            </a:r>
+            <a:r>
+              <a:rPr lang="en-US" altLang="zh-TW" sz="2500" b="0" i="0" dirty="0">
+                <a:solidFill>
+                  <a:srgbClr val="595959"/>
+                </a:solidFill>
+                <a:effectLst/>
+                <a:latin typeface="標楷體" panose="03000509000000000000" pitchFamily="65" charset="-120"/>
+              </a:rPr>
+              <a:t>​</a:t>
+            </a:r>
+            <a:endParaRPr lang="en-US" altLang="zh-TW" sz="2500" b="0" i="0" dirty="0">
+              <a:solidFill>
+                <a:srgbClr val="000000"/>
+              </a:solidFill>
+              <a:effectLst/>
+              <a:latin typeface="Arial" panose="020B0604020202020204" pitchFamily="34" charset="0"/>
+            </a:endParaRPr>
+          </a:p>
+          <a:p>
+            <a:pPr lvl="1" fontAlgn="base">
+              <a:buFont typeface="Arial" panose="020B0604020202020204" pitchFamily="34" charset="0"/>
+              <a:buChar char="•"/>
+            </a:pPr>
+            <a:r>
+              <a:rPr lang="en-US" altLang="zh-TW" sz="2500" b="0" i="0" u="none" strike="noStrike" dirty="0">
+                <a:solidFill>
+                  <a:srgbClr val="595959"/>
+                </a:solidFill>
+                <a:effectLst/>
+                <a:latin typeface="標楷體" panose="03000509000000000000" pitchFamily="65" charset="-120"/>
+              </a:rPr>
+              <a:t>U-Net</a:t>
+            </a:r>
+            <a:r>
+              <a:rPr lang="zh-TW" altLang="zh-TW" sz="2500" b="0" i="0" u="none" strike="noStrike" dirty="0">
+                <a:solidFill>
+                  <a:srgbClr val="595959"/>
+                </a:solidFill>
+                <a:effectLst/>
+                <a:latin typeface="Arial" panose="020B0604020202020204" pitchFamily="34" charset="0"/>
+                <a:ea typeface="標楷體" panose="03000509000000000000" pitchFamily="65" charset="-120"/>
+              </a:rPr>
+              <a:t> </a:t>
+            </a:r>
+            <a:r>
+              <a:rPr lang="en-US" altLang="zh-TW" sz="2500" b="0" i="0" u="none" strike="noStrike" dirty="0">
+                <a:solidFill>
+                  <a:srgbClr val="595959"/>
+                </a:solidFill>
+                <a:effectLst/>
+                <a:latin typeface="標楷體" panose="03000509000000000000" pitchFamily="65" charset="-120"/>
+              </a:rPr>
+              <a:t>encoder-decoder </a:t>
+            </a:r>
+            <a:r>
+              <a:rPr lang="zh-TW" altLang="zh-TW" sz="2500" b="0" i="0" u="none" strike="noStrike" dirty="0">
+                <a:solidFill>
+                  <a:srgbClr val="595959"/>
+                </a:solidFill>
+                <a:effectLst/>
+                <a:latin typeface="Arial" panose="020B0604020202020204" pitchFamily="34" charset="0"/>
+                <a:ea typeface="標楷體" panose="03000509000000000000" pitchFamily="65" charset="-120"/>
+              </a:rPr>
+              <a:t>生成器</a:t>
+            </a:r>
+            <a:r>
+              <a:rPr lang="en-US" altLang="zh-TW" sz="2500" b="0" i="0" dirty="0">
+                <a:solidFill>
+                  <a:srgbClr val="595959"/>
+                </a:solidFill>
+                <a:effectLst/>
+                <a:latin typeface="標楷體" panose="03000509000000000000" pitchFamily="65" charset="-120"/>
+              </a:rPr>
+              <a:t>​</a:t>
+            </a:r>
+            <a:endParaRPr lang="en-US" altLang="zh-TW" sz="2500" b="0" i="0" dirty="0">
+              <a:solidFill>
+                <a:srgbClr val="000000"/>
+              </a:solidFill>
+              <a:effectLst/>
+              <a:latin typeface="Arial" panose="020B0604020202020204" pitchFamily="34" charset="0"/>
             </a:endParaRPr>
           </a:p>
           <a:p>
@@ -3729,7 +4057,7 @@
     </p:spTree>
     <p:extLst>
       <p:ext uri="{BB962C8B-B14F-4D97-AF65-F5344CB8AC3E}">
-        <p14:creationId xmlns:p14="http://schemas.microsoft.com/office/powerpoint/2010/main" val="1320950691"/>
+        <p14:creationId xmlns:p14="http://schemas.microsoft.com/office/powerpoint/2010/main" val="4090600650"/>
       </p:ext>
     </p:extLst>
   </p:cSld>
@@ -3761,6 +4089,472 @@
           <p:cNvPr id="2" name="標題 1">
             <a:extLst>
               <a:ext uri="{FF2B5EF4-FFF2-40B4-BE49-F238E27FC236}">
+                <a16:creationId xmlns:a16="http://schemas.microsoft.com/office/drawing/2014/main" id="{C8D8ED0F-6AFE-FD0C-7B84-86F2F67001FE}"/>
+              </a:ext>
+            </a:extLst>
+          </p:cNvPr>
+          <p:cNvSpPr>
+            <a:spLocks noGrp="1"/>
+          </p:cNvSpPr>
+          <p:nvPr>
+            <p:ph type="title"/>
+          </p:nvPr>
+        </p:nvSpPr>
+        <p:spPr/>
+        <p:txBody>
+          <a:bodyPr/>
+          <a:lstStyle/>
+          <a:p>
+            <a:pPr algn="ctr"/>
+            <a:r>
+              <a:rPr lang="zh-TW" altLang="en-US" dirty="0">
+                <a:latin typeface="標楷體" panose="03000509000000000000" pitchFamily="65" charset="-120"/>
+                <a:ea typeface="標楷體" panose="03000509000000000000" pitchFamily="65" charset="-120"/>
+              </a:rPr>
+              <a:t>手動修正</a:t>
+            </a:r>
+          </a:p>
+        </p:txBody>
+      </p:sp>
+      <p:pic>
+        <p:nvPicPr>
+          <p:cNvPr id="5" name="內容版面配置區 4">
+            <a:extLst>
+              <a:ext uri="{FF2B5EF4-FFF2-40B4-BE49-F238E27FC236}">
+                <a16:creationId xmlns:a16="http://schemas.microsoft.com/office/drawing/2014/main" id="{BC0A3A4C-7189-78E0-5281-5F8CEA7C47E6}"/>
+              </a:ext>
+            </a:extLst>
+          </p:cNvPr>
+          <p:cNvPicPr>
+            <a:picLocks noGrp="1" noChangeAspect="1"/>
+          </p:cNvPicPr>
+          <p:nvPr>
+            <p:ph idx="1"/>
+          </p:nvPr>
+        </p:nvPicPr>
+        <p:blipFill rotWithShape="1">
+          <a:blip r:embed="rId2"/>
+          <a:srcRect r="39333"/>
+          <a:stretch/>
+        </p:blipFill>
+        <p:spPr>
+          <a:xfrm>
+            <a:off x="838200" y="1753907"/>
+            <a:ext cx="4693024" cy="4351338"/>
+          </a:xfrm>
+        </p:spPr>
+      </p:pic>
+      <p:sp>
+        <p:nvSpPr>
+          <p:cNvPr id="6" name="文字方塊 5">
+            <a:extLst>
+              <a:ext uri="{FF2B5EF4-FFF2-40B4-BE49-F238E27FC236}">
+                <a16:creationId xmlns:a16="http://schemas.microsoft.com/office/drawing/2014/main" id="{4CFA4188-3E97-719E-278B-1DE6A183A04D}"/>
+              </a:ext>
+            </a:extLst>
+          </p:cNvPr>
+          <p:cNvSpPr txBox="1"/>
+          <p:nvPr/>
+        </p:nvSpPr>
+        <p:spPr>
+          <a:xfrm flipH="1">
+            <a:off x="5953459" y="3532094"/>
+            <a:ext cx="5091058" cy="646331"/>
+          </a:xfrm>
+          <a:prstGeom prst="rect">
+            <a:avLst/>
+          </a:prstGeom>
+          <a:noFill/>
+        </p:spPr>
+        <p:txBody>
+          <a:bodyPr wrap="square" rtlCol="0">
+            <a:spAutoFit/>
+          </a:bodyPr>
+          <a:lstStyle/>
+          <a:p>
+            <a:r>
+              <a:rPr lang="zh-TW" altLang="en-US" dirty="0">
+                <a:latin typeface="標楷體" panose="03000509000000000000" pitchFamily="65" charset="-120"/>
+                <a:ea typeface="標楷體" panose="03000509000000000000" pitchFamily="65" charset="-120"/>
+              </a:rPr>
+              <a:t>基於上一頁所說，預計將拿八種錯誤的姿勢經過正規化，變成黑底白線的圖樣，並進行手動修正。</a:t>
+            </a:r>
+          </a:p>
+        </p:txBody>
+      </p:sp>
+    </p:spTree>
+    <p:extLst>
+      <p:ext uri="{BB962C8B-B14F-4D97-AF65-F5344CB8AC3E}">
+        <p14:creationId xmlns:p14="http://schemas.microsoft.com/office/powerpoint/2010/main" val="2652581726"/>
+      </p:ext>
+    </p:extLst>
+  </p:cSld>
+  <p:clrMapOvr>
+    <a:masterClrMapping/>
+  </p:clrMapOvr>
+</p:sld>
+</file>
+
+<file path=ppt/slides/slide13.xml><?xml version="1.0" encoding="utf-8"?>
+<p:sld xmlns:a="http://schemas.openxmlformats.org/drawingml/2006/main" xmlns:r="http://schemas.openxmlformats.org/officeDocument/2006/relationships" xmlns:p="http://schemas.openxmlformats.org/presentationml/2006/main">
+  <p:cSld>
+    <p:spTree>
+      <p:nvGrpSpPr>
+        <p:cNvPr id="1" name=""/>
+        <p:cNvGrpSpPr/>
+        <p:nvPr/>
+      </p:nvGrpSpPr>
+      <p:grpSpPr>
+        <a:xfrm>
+          <a:off x="0" y="0"/>
+          <a:ext cx="0" cy="0"/>
+          <a:chOff x="0" y="0"/>
+          <a:chExt cx="0" cy="0"/>
+        </a:xfrm>
+      </p:grpSpPr>
+      <p:sp>
+        <p:nvSpPr>
+          <p:cNvPr id="2" name="標題 1">
+            <a:extLst>
+              <a:ext uri="{FF2B5EF4-FFF2-40B4-BE49-F238E27FC236}">
+                <a16:creationId xmlns:a16="http://schemas.microsoft.com/office/drawing/2014/main" id="{677E27CA-69F2-51CD-869A-8561EA526E2C}"/>
+              </a:ext>
+            </a:extLst>
+          </p:cNvPr>
+          <p:cNvSpPr>
+            <a:spLocks noGrp="1"/>
+          </p:cNvSpPr>
+          <p:nvPr>
+            <p:ph type="title"/>
+          </p:nvPr>
+        </p:nvSpPr>
+        <p:spPr/>
+        <p:txBody>
+          <a:bodyPr/>
+          <a:lstStyle/>
+          <a:p>
+            <a:pPr algn="ctr"/>
+            <a:r>
+              <a:rPr lang="zh-TW" altLang="en-US" dirty="0">
+                <a:latin typeface="標楷體" panose="03000509000000000000" pitchFamily="65" charset="-120"/>
+                <a:ea typeface="標楷體" panose="03000509000000000000" pitchFamily="65" charset="-120"/>
+              </a:rPr>
+              <a:t>修正時機</a:t>
+            </a:r>
+          </a:p>
+        </p:txBody>
+      </p:sp>
+      <p:sp>
+        <p:nvSpPr>
+          <p:cNvPr id="9" name="內容版面配置區 8">
+            <a:extLst>
+              <a:ext uri="{FF2B5EF4-FFF2-40B4-BE49-F238E27FC236}">
+                <a16:creationId xmlns:a16="http://schemas.microsoft.com/office/drawing/2014/main" id="{4F747AF6-5E3D-A8DB-9CC2-3E5D5EF3D9A8}"/>
+              </a:ext>
+            </a:extLst>
+          </p:cNvPr>
+          <p:cNvSpPr>
+            <a:spLocks noGrp="1"/>
+          </p:cNvSpPr>
+          <p:nvPr>
+            <p:ph idx="1"/>
+          </p:nvPr>
+        </p:nvSpPr>
+        <p:spPr/>
+        <p:txBody>
+          <a:bodyPr/>
+          <a:lstStyle/>
+          <a:p>
+            <a:r>
+              <a:rPr lang="zh-TW" altLang="en-US" dirty="0">
+                <a:latin typeface="標楷體" panose="03000509000000000000" pitchFamily="65" charset="-120"/>
+                <a:ea typeface="標楷體" panose="03000509000000000000" pitchFamily="65" charset="-120"/>
+              </a:rPr>
+              <a:t>深蹲的準備動作依據每個人有不同的方式，為了好好的擷取我們所需要的影格，在使用者的深蹲影片裡，需要使用者</a:t>
+            </a:r>
+            <a:r>
+              <a:rPr lang="en-US" altLang="zh-TW" dirty="0">
+                <a:latin typeface="標楷體" panose="03000509000000000000" pitchFamily="65" charset="-120"/>
+                <a:ea typeface="標楷體" panose="03000509000000000000" pitchFamily="65" charset="-120"/>
+              </a:rPr>
+              <a:t>”</a:t>
+            </a:r>
+            <a:r>
+              <a:rPr lang="zh-TW" altLang="en-US" dirty="0">
+                <a:latin typeface="標楷體" panose="03000509000000000000" pitchFamily="65" charset="-120"/>
+                <a:ea typeface="標楷體" panose="03000509000000000000" pitchFamily="65" charset="-120"/>
+              </a:rPr>
+              <a:t>站立姿勢停頓一秒</a:t>
+            </a:r>
+            <a:r>
+              <a:rPr lang="en-US" altLang="zh-TW" dirty="0">
+                <a:latin typeface="標楷體" panose="03000509000000000000" pitchFamily="65" charset="-120"/>
+                <a:ea typeface="標楷體" panose="03000509000000000000" pitchFamily="65" charset="-120"/>
+              </a:rPr>
+              <a:t>”</a:t>
+            </a:r>
+            <a:r>
+              <a:rPr lang="zh-TW" altLang="en-US" dirty="0">
+                <a:latin typeface="標楷體" panose="03000509000000000000" pitchFamily="65" charset="-120"/>
+                <a:ea typeface="標楷體" panose="03000509000000000000" pitchFamily="65" charset="-120"/>
+              </a:rPr>
+              <a:t>後系統會擷取影格，再來使用者</a:t>
+            </a:r>
+            <a:r>
+              <a:rPr lang="en-US" altLang="zh-TW" dirty="0">
+                <a:latin typeface="標楷體" panose="03000509000000000000" pitchFamily="65" charset="-120"/>
+                <a:ea typeface="標楷體" panose="03000509000000000000" pitchFamily="65" charset="-120"/>
+              </a:rPr>
+              <a:t>”</a:t>
+            </a:r>
+            <a:r>
+              <a:rPr lang="zh-TW" altLang="en-US" dirty="0">
+                <a:latin typeface="標楷體" panose="03000509000000000000" pitchFamily="65" charset="-120"/>
+                <a:ea typeface="標楷體" panose="03000509000000000000" pitchFamily="65" charset="-120"/>
+              </a:rPr>
+              <a:t>蹲下去後到最底停頓一秒</a:t>
+            </a:r>
+            <a:r>
+              <a:rPr lang="en-US" altLang="zh-TW" dirty="0">
+                <a:latin typeface="標楷體" panose="03000509000000000000" pitchFamily="65" charset="-120"/>
+                <a:ea typeface="標楷體" panose="03000509000000000000" pitchFamily="65" charset="-120"/>
+              </a:rPr>
+              <a:t>”</a:t>
+            </a:r>
+            <a:r>
+              <a:rPr lang="zh-TW" altLang="en-US" dirty="0">
+                <a:latin typeface="標楷體" panose="03000509000000000000" pitchFamily="65" charset="-120"/>
+                <a:ea typeface="標楷體" panose="03000509000000000000" pitchFamily="65" charset="-120"/>
+              </a:rPr>
+              <a:t>，一樣系統擷取影格。</a:t>
+            </a:r>
+            <a:endParaRPr lang="en-US" altLang="zh-TW" dirty="0">
+              <a:latin typeface="標楷體" panose="03000509000000000000" pitchFamily="65" charset="-120"/>
+              <a:ea typeface="標楷體" panose="03000509000000000000" pitchFamily="65" charset="-120"/>
+            </a:endParaRPr>
+          </a:p>
+          <a:p>
+            <a:r>
+              <a:rPr lang="zh-TW" altLang="en-US" dirty="0">
+                <a:latin typeface="標楷體" panose="03000509000000000000" pitchFamily="65" charset="-120"/>
+                <a:ea typeface="標楷體" panose="03000509000000000000" pitchFamily="65" charset="-120"/>
+              </a:rPr>
+              <a:t>也就是說我們會有兩張圖片，第一個是</a:t>
+            </a:r>
+            <a:r>
+              <a:rPr lang="en-US" altLang="zh-TW" dirty="0">
+                <a:latin typeface="標楷體" panose="03000509000000000000" pitchFamily="65" charset="-120"/>
+                <a:ea typeface="標楷體" panose="03000509000000000000" pitchFamily="65" charset="-120"/>
+              </a:rPr>
+              <a:t>”</a:t>
+            </a:r>
+            <a:r>
+              <a:rPr lang="zh-TW" altLang="en-US" dirty="0">
+                <a:latin typeface="標楷體" panose="03000509000000000000" pitchFamily="65" charset="-120"/>
+                <a:ea typeface="標楷體" panose="03000509000000000000" pitchFamily="65" charset="-120"/>
+              </a:rPr>
+              <a:t>準備動作</a:t>
+            </a:r>
+            <a:r>
+              <a:rPr lang="en-US" altLang="zh-TW" dirty="0">
+                <a:latin typeface="標楷體" panose="03000509000000000000" pitchFamily="65" charset="-120"/>
+                <a:ea typeface="標楷體" panose="03000509000000000000" pitchFamily="65" charset="-120"/>
+              </a:rPr>
+              <a:t>”</a:t>
+            </a:r>
+            <a:r>
+              <a:rPr lang="zh-TW" altLang="en-US" dirty="0">
+                <a:latin typeface="標楷體" panose="03000509000000000000" pitchFamily="65" charset="-120"/>
+                <a:ea typeface="標楷體" panose="03000509000000000000" pitchFamily="65" charset="-120"/>
+              </a:rPr>
+              <a:t>，第二個是</a:t>
+            </a:r>
+            <a:r>
+              <a:rPr lang="en-US" altLang="zh-TW" dirty="0">
+                <a:latin typeface="標楷體" panose="03000509000000000000" pitchFamily="65" charset="-120"/>
+                <a:ea typeface="標楷體" panose="03000509000000000000" pitchFamily="65" charset="-120"/>
+              </a:rPr>
+              <a:t>”</a:t>
+            </a:r>
+            <a:r>
+              <a:rPr lang="zh-TW" altLang="en-US" dirty="0">
+                <a:latin typeface="標楷體" panose="03000509000000000000" pitchFamily="65" charset="-120"/>
+                <a:ea typeface="標楷體" panose="03000509000000000000" pitchFamily="65" charset="-120"/>
+              </a:rPr>
+              <a:t>蹲到最低的動作</a:t>
+            </a:r>
+            <a:r>
+              <a:rPr lang="en-US" altLang="zh-TW" dirty="0">
+                <a:latin typeface="標楷體" panose="03000509000000000000" pitchFamily="65" charset="-120"/>
+                <a:ea typeface="標楷體" panose="03000509000000000000" pitchFamily="65" charset="-120"/>
+              </a:rPr>
+              <a:t>”</a:t>
+            </a:r>
+            <a:r>
+              <a:rPr lang="zh-TW" altLang="en-US" dirty="0">
+                <a:latin typeface="標楷體" panose="03000509000000000000" pitchFamily="65" charset="-120"/>
+                <a:ea typeface="標楷體" panose="03000509000000000000" pitchFamily="65" charset="-120"/>
+              </a:rPr>
+              <a:t>，而我們也主要矯正這兩個。</a:t>
+            </a:r>
+          </a:p>
+        </p:txBody>
+      </p:sp>
+    </p:spTree>
+    <p:extLst>
+      <p:ext uri="{BB962C8B-B14F-4D97-AF65-F5344CB8AC3E}">
+        <p14:creationId xmlns:p14="http://schemas.microsoft.com/office/powerpoint/2010/main" val="1943227943"/>
+      </p:ext>
+    </p:extLst>
+  </p:cSld>
+  <p:clrMapOvr>
+    <a:masterClrMapping/>
+  </p:clrMapOvr>
+</p:sld>
+</file>
+
+<file path=ppt/slides/slide14.xml><?xml version="1.0" encoding="utf-8"?>
+<p:sld xmlns:a="http://schemas.openxmlformats.org/drawingml/2006/main" xmlns:r="http://schemas.openxmlformats.org/officeDocument/2006/relationships" xmlns:p="http://schemas.openxmlformats.org/presentationml/2006/main">
+  <p:cSld>
+    <p:spTree>
+      <p:nvGrpSpPr>
+        <p:cNvPr id="1" name=""/>
+        <p:cNvGrpSpPr/>
+        <p:nvPr/>
+      </p:nvGrpSpPr>
+      <p:grpSpPr>
+        <a:xfrm>
+          <a:off x="0" y="0"/>
+          <a:ext cx="0" cy="0"/>
+          <a:chOff x="0" y="0"/>
+          <a:chExt cx="0" cy="0"/>
+        </a:xfrm>
+      </p:grpSpPr>
+      <p:sp>
+        <p:nvSpPr>
+          <p:cNvPr id="2" name="標題 1">
+            <a:extLst>
+              <a:ext uri="{FF2B5EF4-FFF2-40B4-BE49-F238E27FC236}">
+                <a16:creationId xmlns:a16="http://schemas.microsoft.com/office/drawing/2014/main" id="{DB81C9C6-6544-DFA8-DCDA-F9506B72DD50}"/>
+              </a:ext>
+            </a:extLst>
+          </p:cNvPr>
+          <p:cNvSpPr>
+            <a:spLocks noGrp="1"/>
+          </p:cNvSpPr>
+          <p:nvPr>
+            <p:ph type="title"/>
+          </p:nvPr>
+        </p:nvSpPr>
+        <p:spPr/>
+        <p:txBody>
+          <a:bodyPr/>
+          <a:lstStyle/>
+          <a:p>
+            <a:endParaRPr lang="zh-TW" altLang="en-US" dirty="0"/>
+          </a:p>
+        </p:txBody>
+      </p:sp>
+      <p:sp>
+        <p:nvSpPr>
+          <p:cNvPr id="3" name="內容版面配置區 2">
+            <a:extLst>
+              <a:ext uri="{FF2B5EF4-FFF2-40B4-BE49-F238E27FC236}">
+                <a16:creationId xmlns:a16="http://schemas.microsoft.com/office/drawing/2014/main" id="{6E120BA8-1642-A6AD-9AC6-0AAC03E0F272}"/>
+              </a:ext>
+            </a:extLst>
+          </p:cNvPr>
+          <p:cNvSpPr>
+            <a:spLocks noGrp="1"/>
+          </p:cNvSpPr>
+          <p:nvPr>
+            <p:ph idx="1"/>
+          </p:nvPr>
+        </p:nvSpPr>
+        <p:spPr/>
+        <p:txBody>
+          <a:bodyPr/>
+          <a:lstStyle/>
+          <a:p>
+            <a:r>
+              <a:rPr lang="zh-TW" altLang="en-US" dirty="0">
+                <a:latin typeface="標楷體" panose="03000509000000000000" pitchFamily="65" charset="-120"/>
+                <a:ea typeface="標楷體" panose="03000509000000000000" pitchFamily="65" charset="-120"/>
+              </a:rPr>
+              <a:t>基於大部分研究指出，深蹲腳與肩的距離大約是在</a:t>
+            </a:r>
+            <a:r>
+              <a:rPr lang="en-US" altLang="zh-TW" dirty="0">
+                <a:latin typeface="標楷體" panose="03000509000000000000" pitchFamily="65" charset="-120"/>
+                <a:ea typeface="標楷體" panose="03000509000000000000" pitchFamily="65" charset="-120"/>
+              </a:rPr>
+              <a:t>1~1.4</a:t>
+            </a:r>
+            <a:r>
+              <a:rPr lang="zh-TW" altLang="en-US" dirty="0">
+                <a:latin typeface="標楷體" panose="03000509000000000000" pitchFamily="65" charset="-120"/>
+                <a:ea typeface="標楷體" panose="03000509000000000000" pitchFamily="65" charset="-120"/>
+              </a:rPr>
+              <a:t>肩寬之間，所以我們錯誤姿勢拿出來正規化後，手動修正的範圍也差不多是如此。</a:t>
+            </a:r>
+            <a:endParaRPr lang="en-US" altLang="zh-TW" dirty="0">
+              <a:latin typeface="標楷體" panose="03000509000000000000" pitchFamily="65" charset="-120"/>
+              <a:ea typeface="標楷體" panose="03000509000000000000" pitchFamily="65" charset="-120"/>
+            </a:endParaRPr>
+          </a:p>
+          <a:p>
+            <a:r>
+              <a:rPr lang="zh-TW" altLang="en-US" dirty="0">
+                <a:latin typeface="標楷體" panose="03000509000000000000" pitchFamily="65" charset="-120"/>
+                <a:ea typeface="標楷體" panose="03000509000000000000" pitchFamily="65" charset="-120"/>
+              </a:rPr>
+              <a:t>而我們修正的部位也僅限於下半身腿部的部分，不會去理會上半身。</a:t>
+            </a:r>
+            <a:endParaRPr lang="en-US" altLang="zh-TW" dirty="0">
+              <a:latin typeface="標楷體" panose="03000509000000000000" pitchFamily="65" charset="-120"/>
+              <a:ea typeface="標楷體" panose="03000509000000000000" pitchFamily="65" charset="-120"/>
+            </a:endParaRPr>
+          </a:p>
+          <a:p>
+            <a:endParaRPr lang="zh-TW" altLang="en-US" dirty="0"/>
+          </a:p>
+        </p:txBody>
+      </p:sp>
+    </p:spTree>
+    <p:extLst>
+      <p:ext uri="{BB962C8B-B14F-4D97-AF65-F5344CB8AC3E}">
+        <p14:creationId xmlns:p14="http://schemas.microsoft.com/office/powerpoint/2010/main" val="1320950691"/>
+      </p:ext>
+    </p:extLst>
+  </p:cSld>
+  <p:clrMapOvr>
+    <a:masterClrMapping/>
+  </p:clrMapOvr>
+</p:sld>
+</file>
+
+<file path=ppt/slides/slide15.xml><?xml version="1.0" encoding="utf-8"?>
+<p:sld xmlns:a="http://schemas.openxmlformats.org/drawingml/2006/main" xmlns:r="http://schemas.openxmlformats.org/officeDocument/2006/relationships" xmlns:p="http://schemas.openxmlformats.org/presentationml/2006/main">
+  <p:cSld>
+    <p:spTree>
+      <p:nvGrpSpPr>
+        <p:cNvPr id="1" name=""/>
+        <p:cNvGrpSpPr/>
+        <p:nvPr/>
+      </p:nvGrpSpPr>
+      <p:grpSpPr>
+        <a:xfrm>
+          <a:off x="0" y="0"/>
+          <a:ext cx="0" cy="0"/>
+          <a:chOff x="0" y="0"/>
+          <a:chExt cx="0" cy="0"/>
+        </a:xfrm>
+      </p:grpSpPr>
+      <p:sp>
+        <p:nvSpPr>
+          <p:cNvPr id="2" name="標題 1">
+            <a:extLst>
+              <a:ext uri="{FF2B5EF4-FFF2-40B4-BE49-F238E27FC236}">
                 <a16:creationId xmlns:a16="http://schemas.microsoft.com/office/drawing/2014/main" id="{5B2F2FAA-8DD8-D06D-E593-F231A8A77653}"/>
               </a:ext>
             </a:extLst>
@@ -3839,7 +4633,7 @@
 </p:sld>
 </file>
 
-<file path=ppt/slides/slide13.xml><?xml version="1.0" encoding="utf-8"?>
+<file path=ppt/slides/slide16.xml><?xml version="1.0" encoding="utf-8"?>
 <p:sld xmlns:a="http://schemas.openxmlformats.org/drawingml/2006/main" xmlns:r="http://schemas.openxmlformats.org/officeDocument/2006/relationships" xmlns:p="http://schemas.openxmlformats.org/presentationml/2006/main">
   <p:cSld>
     <p:spTree>
@@ -4517,7 +5311,7 @@
                 <a:latin typeface="標楷體" panose="03000509000000000000" pitchFamily="65" charset="-120"/>
                 <a:ea typeface="標楷體" panose="03000509000000000000" pitchFamily="65" charset="-120"/>
               </a:rPr>
-              <a:t>站姿過寬</a:t>
+              <a:t>雙腳過寬</a:t>
             </a:r>
             <a:r>
               <a:rPr lang="en-US" altLang="zh-TW" dirty="0">
@@ -4888,7 +5682,7 @@
           <p:cNvPr id="2" name="標題 1">
             <a:extLst>
               <a:ext uri="{FF2B5EF4-FFF2-40B4-BE49-F238E27FC236}">
-                <a16:creationId xmlns:a16="http://schemas.microsoft.com/office/drawing/2014/main" id="{B2E56705-A8D3-CCB9-A486-BB28A9ED1A58}"/>
+                <a16:creationId xmlns:a16="http://schemas.microsoft.com/office/drawing/2014/main" id="{BE6CCEE8-551D-1CDD-1275-A34F84DE2424}"/>
               </a:ext>
             </a:extLst>
           </p:cNvPr>
@@ -4910,24 +5704,53 @@
                 <a:latin typeface="標楷體" panose="03000509000000000000" pitchFamily="65" charset="-120"/>
                 <a:ea typeface="標楷體" panose="03000509000000000000" pitchFamily="65" charset="-120"/>
               </a:rPr>
-              <a:t>pix2pix</a:t>
+              <a:t>LSTM</a:t>
             </a:r>
             <a:r>
               <a:rPr lang="zh-TW" altLang="en-US" dirty="0">
                 <a:latin typeface="標楷體" panose="03000509000000000000" pitchFamily="65" charset="-120"/>
                 <a:ea typeface="標楷體" panose="03000509000000000000" pitchFamily="65" charset="-120"/>
               </a:rPr>
-              <a:t>研究</a:t>
-            </a:r>
-          </a:p>
-        </p:txBody>
-      </p:sp>
-      <p:sp>
-        <p:nvSpPr>
-          <p:cNvPr id="4" name="文字方塊 3">
-            <a:extLst>
-              <a:ext uri="{FF2B5EF4-FFF2-40B4-BE49-F238E27FC236}">
-                <a16:creationId xmlns:a16="http://schemas.microsoft.com/office/drawing/2014/main" id="{F5B21B59-B44A-759F-E0ED-DBE3DA136B20}"/>
+              <a:t>模型建立</a:t>
+            </a:r>
+          </a:p>
+        </p:txBody>
+      </p:sp>
+      <p:pic>
+        <p:nvPicPr>
+          <p:cNvPr id="5" name="內容版面配置區 4">
+            <a:extLst>
+              <a:ext uri="{FF2B5EF4-FFF2-40B4-BE49-F238E27FC236}">
+                <a16:creationId xmlns:a16="http://schemas.microsoft.com/office/drawing/2014/main" id="{9C71538F-D75C-BF78-C273-CEBA4956B718}"/>
+              </a:ext>
+            </a:extLst>
+          </p:cNvPr>
+          <p:cNvPicPr>
+            <a:picLocks noGrp="1" noChangeAspect="1"/>
+          </p:cNvPicPr>
+          <p:nvPr>
+            <p:ph idx="1"/>
+          </p:nvPr>
+        </p:nvPicPr>
+        <p:blipFill>
+          <a:blip r:embed="rId2"/>
+          <a:stretch>
+            <a:fillRect/>
+          </a:stretch>
+        </p:blipFill>
+        <p:spPr>
+          <a:xfrm>
+            <a:off x="889861" y="2924808"/>
+            <a:ext cx="10412278" cy="1152686"/>
+          </a:xfrm>
+        </p:spPr>
+      </p:pic>
+      <p:sp>
+        <p:nvSpPr>
+          <p:cNvPr id="6" name="文字方塊 5">
+            <a:extLst>
+              <a:ext uri="{FF2B5EF4-FFF2-40B4-BE49-F238E27FC236}">
+                <a16:creationId xmlns:a16="http://schemas.microsoft.com/office/drawing/2014/main" id="{44F18A58-CC96-71FB-0AB5-F14B53606F63}"/>
               </a:ext>
             </a:extLst>
           </p:cNvPr>
@@ -4936,8 +5759,8 @@
         </p:nvSpPr>
         <p:spPr>
           <a:xfrm>
-            <a:off x="1419785" y="2655402"/>
-            <a:ext cx="9352430" cy="2677656"/>
+            <a:off x="889861" y="2046138"/>
+            <a:ext cx="2445522" cy="523220"/>
           </a:xfrm>
           <a:prstGeom prst="rect">
             <a:avLst/>
@@ -4950,290 +5773,20 @@
           </a:bodyPr>
           <a:lstStyle/>
           <a:p>
-            <a:pPr algn="l" rtl="0" fontAlgn="base">
-              <a:buFont typeface="Arial" panose="020B0604020202020204" pitchFamily="34" charset="0"/>
-              <a:buChar char="•"/>
-            </a:pPr>
-            <a:r>
-              <a:rPr lang="zh-TW" altLang="zh-TW" sz="2500" b="0" i="0" u="none" strike="noStrike" dirty="0">
-                <a:solidFill>
-                  <a:srgbClr val="595959"/>
-                </a:solidFill>
-                <a:effectLst/>
-                <a:latin typeface="Arial" panose="020B0604020202020204" pitchFamily="34" charset="0"/>
-                <a:ea typeface="標楷體" panose="03000509000000000000" pitchFamily="65" charset="-120"/>
-              </a:rPr>
-              <a:t>生成器的輸出是透過條件來決定的，</a:t>
-            </a:r>
-            <a:r>
-              <a:rPr lang="en-US" altLang="zh-TW" sz="2500" b="0" i="0" u="none" strike="noStrike" dirty="0">
-                <a:solidFill>
-                  <a:srgbClr val="595959"/>
-                </a:solidFill>
-                <a:effectLst/>
-                <a:latin typeface="標楷體" panose="03000509000000000000" pitchFamily="65" charset="-120"/>
-              </a:rPr>
-              <a:t>conditional GAN </a:t>
-            </a:r>
-            <a:r>
-              <a:rPr lang="zh-TW" altLang="zh-TW" sz="2500" b="0" i="0" u="none" strike="noStrike" dirty="0">
-                <a:solidFill>
-                  <a:srgbClr val="595959"/>
-                </a:solidFill>
-                <a:effectLst/>
-                <a:latin typeface="Arial" panose="020B0604020202020204" pitchFamily="34" charset="0"/>
-                <a:ea typeface="標楷體" panose="03000509000000000000" pitchFamily="65" charset="-120"/>
-              </a:rPr>
-              <a:t>的一種。</a:t>
-            </a:r>
-            <a:r>
-              <a:rPr lang="en-US" altLang="zh-TW" sz="2500" b="0" i="0" dirty="0">
-                <a:solidFill>
-                  <a:srgbClr val="595959"/>
-                </a:solidFill>
-                <a:effectLst/>
-                <a:latin typeface="標楷體" panose="03000509000000000000" pitchFamily="65" charset="-120"/>
-              </a:rPr>
-              <a:t>​</a:t>
-            </a:r>
-            <a:endParaRPr lang="en-US" altLang="zh-TW" sz="2500" b="0" i="0" dirty="0">
-              <a:solidFill>
-                <a:srgbClr val="000000"/>
-              </a:solidFill>
-              <a:effectLst/>
-              <a:latin typeface="Arial" panose="020B0604020202020204" pitchFamily="34" charset="0"/>
-            </a:endParaRPr>
-          </a:p>
-          <a:p>
-            <a:pPr lvl="1" fontAlgn="base">
-              <a:buFont typeface="Arial" panose="020B0604020202020204" pitchFamily="34" charset="0"/>
-              <a:buChar char="•"/>
-            </a:pPr>
-            <a:r>
-              <a:rPr lang="zh-TW" altLang="zh-TW" sz="2500" b="0" i="0" u="none" strike="noStrike" dirty="0">
-                <a:solidFill>
-                  <a:srgbClr val="595959"/>
-                </a:solidFill>
-                <a:effectLst/>
-                <a:latin typeface="Arial" panose="020B0604020202020204" pitchFamily="34" charset="0"/>
-                <a:ea typeface="標楷體" panose="03000509000000000000" pitchFamily="65" charset="-120"/>
-              </a:rPr>
-              <a:t>條件在此為 </a:t>
-            </a:r>
-            <a:r>
-              <a:rPr lang="en-US" altLang="zh-TW" sz="2500" b="0" i="0" u="none" strike="noStrike" dirty="0">
-                <a:solidFill>
-                  <a:srgbClr val="595959"/>
-                </a:solidFill>
-                <a:effectLst/>
-                <a:latin typeface="標楷體" panose="03000509000000000000" pitchFamily="65" charset="-120"/>
-              </a:rPr>
-              <a:t>source image</a:t>
-            </a:r>
-            <a:r>
-              <a:rPr lang="en-US" altLang="zh-TW" sz="2500" b="0" i="0" dirty="0">
-                <a:solidFill>
-                  <a:srgbClr val="595959"/>
-                </a:solidFill>
-                <a:effectLst/>
-                <a:latin typeface="標楷體" panose="03000509000000000000" pitchFamily="65" charset="-120"/>
-              </a:rPr>
-              <a:t>​</a:t>
-            </a:r>
-            <a:endParaRPr lang="en-US" altLang="zh-TW" sz="2500" b="0" i="0" dirty="0">
-              <a:solidFill>
-                <a:srgbClr val="000000"/>
-              </a:solidFill>
-              <a:effectLst/>
-              <a:latin typeface="Arial" panose="020B0604020202020204" pitchFamily="34" charset="0"/>
-            </a:endParaRPr>
-          </a:p>
-          <a:p>
-            <a:pPr algn="l" rtl="0" fontAlgn="base">
-              <a:buFont typeface="Arial" panose="020B0604020202020204" pitchFamily="34" charset="0"/>
-              <a:buChar char="•"/>
-            </a:pPr>
-            <a:r>
-              <a:rPr lang="zh-TW" altLang="zh-TW" sz="2500" b="0" i="0" u="none" strike="noStrike" dirty="0">
-                <a:solidFill>
-                  <a:srgbClr val="595959"/>
-                </a:solidFill>
-                <a:effectLst/>
-                <a:latin typeface="Arial" panose="020B0604020202020204" pitchFamily="34" charset="0"/>
-                <a:ea typeface="標楷體" panose="03000509000000000000" pitchFamily="65" charset="-120"/>
-              </a:rPr>
-              <a:t>判斷器</a:t>
-            </a:r>
-            <a:r>
-              <a:rPr lang="en-US" altLang="zh-TW" sz="2500" b="0" i="0" dirty="0">
-                <a:solidFill>
-                  <a:srgbClr val="595959"/>
-                </a:solidFill>
-                <a:effectLst/>
-                <a:latin typeface="標楷體" panose="03000509000000000000" pitchFamily="65" charset="-120"/>
-              </a:rPr>
-              <a:t>​</a:t>
-            </a:r>
-            <a:endParaRPr lang="en-US" altLang="zh-TW" sz="2500" b="0" i="0" dirty="0">
-              <a:solidFill>
-                <a:srgbClr val="000000"/>
-              </a:solidFill>
-              <a:effectLst/>
-              <a:latin typeface="Arial" panose="020B0604020202020204" pitchFamily="34" charset="0"/>
-            </a:endParaRPr>
-          </a:p>
-          <a:p>
-            <a:pPr lvl="1" fontAlgn="base">
-              <a:buFont typeface="Arial" panose="020B0604020202020204" pitchFamily="34" charset="0"/>
-              <a:buChar char="•"/>
-            </a:pPr>
-            <a:r>
-              <a:rPr lang="en-US" altLang="zh-TW" sz="2500" b="0" i="0" u="none" strike="noStrike" dirty="0" err="1">
-                <a:solidFill>
-                  <a:srgbClr val="595959"/>
-                </a:solidFill>
-                <a:effectLst/>
-                <a:latin typeface="標楷體" panose="03000509000000000000" pitchFamily="65" charset="-120"/>
-              </a:rPr>
-              <a:t>PatchGAN</a:t>
-            </a:r>
-            <a:r>
-              <a:rPr lang="zh-TW" altLang="zh-TW" sz="2500" b="0" i="0" u="none" strike="noStrike" dirty="0">
-                <a:solidFill>
-                  <a:srgbClr val="595959"/>
-                </a:solidFill>
-                <a:effectLst/>
-                <a:latin typeface="Arial" panose="020B0604020202020204" pitchFamily="34" charset="0"/>
-                <a:ea typeface="標楷體" panose="03000509000000000000" pitchFamily="65" charset="-120"/>
-              </a:rPr>
-              <a:t> 判斷器</a:t>
-            </a:r>
-            <a:r>
-              <a:rPr lang="en-US" altLang="zh-TW" sz="2500" b="0" i="0" dirty="0">
-                <a:solidFill>
-                  <a:srgbClr val="595959"/>
-                </a:solidFill>
-                <a:effectLst/>
-                <a:latin typeface="標楷體" panose="03000509000000000000" pitchFamily="65" charset="-120"/>
-              </a:rPr>
-              <a:t>​</a:t>
-            </a:r>
-            <a:endParaRPr lang="en-US" altLang="zh-TW" sz="2500" b="0" i="0" dirty="0">
-              <a:solidFill>
-                <a:srgbClr val="000000"/>
-              </a:solidFill>
-              <a:effectLst/>
-              <a:latin typeface="Arial" panose="020B0604020202020204" pitchFamily="34" charset="0"/>
-            </a:endParaRPr>
-          </a:p>
-          <a:p>
-            <a:pPr algn="l" rtl="0" fontAlgn="base">
-              <a:buFont typeface="Arial" panose="020B0604020202020204" pitchFamily="34" charset="0"/>
-              <a:buChar char="•"/>
-            </a:pPr>
-            <a:r>
-              <a:rPr lang="zh-TW" altLang="zh-TW" sz="2500" b="0" i="0" u="none" strike="noStrike" dirty="0">
-                <a:solidFill>
-                  <a:srgbClr val="595959"/>
-                </a:solidFill>
-                <a:effectLst/>
-                <a:latin typeface="Arial" panose="020B0604020202020204" pitchFamily="34" charset="0"/>
-                <a:ea typeface="標楷體" panose="03000509000000000000" pitchFamily="65" charset="-120"/>
-              </a:rPr>
-              <a:t>生成器</a:t>
-            </a:r>
-            <a:r>
-              <a:rPr lang="en-US" altLang="zh-TW" sz="2500" b="0" i="0" dirty="0">
-                <a:solidFill>
-                  <a:srgbClr val="595959"/>
-                </a:solidFill>
-                <a:effectLst/>
-                <a:latin typeface="標楷體" panose="03000509000000000000" pitchFamily="65" charset="-120"/>
-              </a:rPr>
-              <a:t>​</a:t>
-            </a:r>
-            <a:endParaRPr lang="en-US" altLang="zh-TW" sz="2500" b="0" i="0" dirty="0">
-              <a:solidFill>
-                <a:srgbClr val="000000"/>
-              </a:solidFill>
-              <a:effectLst/>
-              <a:latin typeface="Arial" panose="020B0604020202020204" pitchFamily="34" charset="0"/>
-            </a:endParaRPr>
-          </a:p>
-          <a:p>
-            <a:pPr lvl="1" fontAlgn="base">
-              <a:buFont typeface="Arial" panose="020B0604020202020204" pitchFamily="34" charset="0"/>
-              <a:buChar char="•"/>
-            </a:pPr>
-            <a:r>
-              <a:rPr lang="en-US" altLang="zh-TW" sz="2500" b="0" i="0" u="none" strike="noStrike" dirty="0">
-                <a:solidFill>
-                  <a:srgbClr val="595959"/>
-                </a:solidFill>
-                <a:effectLst/>
-                <a:latin typeface="標楷體" panose="03000509000000000000" pitchFamily="65" charset="-120"/>
-              </a:rPr>
-              <a:t>U-Net</a:t>
-            </a:r>
-            <a:r>
-              <a:rPr lang="zh-TW" altLang="zh-TW" sz="2500" b="0" i="0" u="none" strike="noStrike" dirty="0">
-                <a:solidFill>
-                  <a:srgbClr val="595959"/>
-                </a:solidFill>
-                <a:effectLst/>
-                <a:latin typeface="Arial" panose="020B0604020202020204" pitchFamily="34" charset="0"/>
-                <a:ea typeface="標楷體" panose="03000509000000000000" pitchFamily="65" charset="-120"/>
-              </a:rPr>
-              <a:t> </a:t>
-            </a:r>
-            <a:r>
-              <a:rPr lang="en-US" altLang="zh-TW" sz="2500" b="0" i="0" u="none" strike="noStrike" dirty="0">
-                <a:solidFill>
-                  <a:srgbClr val="595959"/>
-                </a:solidFill>
-                <a:effectLst/>
-                <a:latin typeface="標楷體" panose="03000509000000000000" pitchFamily="65" charset="-120"/>
-              </a:rPr>
-              <a:t>encoder-decoder </a:t>
-            </a:r>
-            <a:r>
-              <a:rPr lang="zh-TW" altLang="zh-TW" sz="2500" b="0" i="0" u="none" strike="noStrike" dirty="0">
-                <a:solidFill>
-                  <a:srgbClr val="595959"/>
-                </a:solidFill>
-                <a:effectLst/>
-                <a:latin typeface="Arial" panose="020B0604020202020204" pitchFamily="34" charset="0"/>
-                <a:ea typeface="標楷體" panose="03000509000000000000" pitchFamily="65" charset="-120"/>
-              </a:rPr>
-              <a:t>生成器</a:t>
-            </a:r>
-            <a:r>
-              <a:rPr lang="en-US" altLang="zh-TW" sz="2500" b="0" i="0" dirty="0">
-                <a:solidFill>
-                  <a:srgbClr val="595959"/>
-                </a:solidFill>
-                <a:effectLst/>
-                <a:latin typeface="標楷體" panose="03000509000000000000" pitchFamily="65" charset="-120"/>
-              </a:rPr>
-              <a:t>​</a:t>
-            </a:r>
-            <a:endParaRPr lang="en-US" altLang="zh-TW" sz="2500" b="0" i="0" dirty="0">
-              <a:solidFill>
-                <a:srgbClr val="000000"/>
-              </a:solidFill>
-              <a:effectLst/>
-              <a:latin typeface="Arial" panose="020B0604020202020204" pitchFamily="34" charset="0"/>
-            </a:endParaRPr>
-          </a:p>
-          <a:p>
-            <a:endParaRPr lang="zh-TW" altLang="en-US" dirty="0"/>
+            <a:r>
+              <a:rPr lang="zh-TW" altLang="en-US" sz="2800" dirty="0">
+                <a:latin typeface="標楷體" panose="03000509000000000000" pitchFamily="65" charset="-120"/>
+                <a:ea typeface="標楷體" panose="03000509000000000000" pitchFamily="65" charset="-120"/>
+              </a:rPr>
+              <a:t>讀取檔案</a:t>
+            </a:r>
           </a:p>
         </p:txBody>
       </p:sp>
     </p:spTree>
     <p:extLst>
       <p:ext uri="{BB962C8B-B14F-4D97-AF65-F5344CB8AC3E}">
-        <p14:creationId xmlns:p14="http://schemas.microsoft.com/office/powerpoint/2010/main" val="4090600650"/>
+        <p14:creationId xmlns:p14="http://schemas.microsoft.com/office/powerpoint/2010/main" val="3141492505"/>
       </p:ext>
     </p:extLst>
   </p:cSld>
@@ -5265,7 +5818,7 @@
           <p:cNvPr id="2" name="標題 1">
             <a:extLst>
               <a:ext uri="{FF2B5EF4-FFF2-40B4-BE49-F238E27FC236}">
-                <a16:creationId xmlns:a16="http://schemas.microsoft.com/office/drawing/2014/main" id="{C8D8ED0F-6AFE-FD0C-7B84-86F2F67001FE}"/>
+                <a16:creationId xmlns:a16="http://schemas.microsoft.com/office/drawing/2014/main" id="{A5528260-8A73-6DF6-F2FE-62646CF71B78}"/>
               </a:ext>
             </a:extLst>
           </p:cNvPr>
@@ -5281,87 +5834,159 @@
           <a:bodyPr/>
           <a:lstStyle/>
           <a:p>
-            <a:pPr algn="ctr"/>
+            <a:endParaRPr lang="zh-TW" altLang="en-US"/>
+          </a:p>
+        </p:txBody>
+      </p:sp>
+      <p:sp>
+        <p:nvSpPr>
+          <p:cNvPr id="3" name="內容版面配置區 2">
+            <a:extLst>
+              <a:ext uri="{FF2B5EF4-FFF2-40B4-BE49-F238E27FC236}">
+                <a16:creationId xmlns:a16="http://schemas.microsoft.com/office/drawing/2014/main" id="{5297BFB5-6EF3-5D5F-4B24-A9A79B8A04B2}"/>
+              </a:ext>
+            </a:extLst>
+          </p:cNvPr>
+          <p:cNvSpPr>
+            <a:spLocks noGrp="1"/>
+          </p:cNvSpPr>
+          <p:nvPr>
+            <p:ph idx="1"/>
+          </p:nvPr>
+        </p:nvSpPr>
+        <p:spPr/>
+        <p:txBody>
+          <a:bodyPr/>
+          <a:lstStyle/>
+          <a:p>
             <a:r>
               <a:rPr lang="zh-TW" altLang="en-US" dirty="0">
                 <a:latin typeface="標楷體" panose="03000509000000000000" pitchFamily="65" charset="-120"/>
                 <a:ea typeface="標楷體" panose="03000509000000000000" pitchFamily="65" charset="-120"/>
               </a:rPr>
-              <a:t>手動修正</a:t>
-            </a:r>
+              <a:t>取</a:t>
+            </a:r>
+            <a:r>
+              <a:rPr lang="en-US" altLang="zh-TW" dirty="0">
+                <a:latin typeface="標楷體" panose="03000509000000000000" pitchFamily="65" charset="-120"/>
+                <a:ea typeface="標楷體" panose="03000509000000000000" pitchFamily="65" charset="-120"/>
+              </a:rPr>
+              <a:t>90%</a:t>
+            </a:r>
+            <a:r>
+              <a:rPr lang="zh-TW" altLang="en-US" dirty="0">
+                <a:latin typeface="標楷體" panose="03000509000000000000" pitchFamily="65" charset="-120"/>
+                <a:ea typeface="標楷體" panose="03000509000000000000" pitchFamily="65" charset="-120"/>
+              </a:rPr>
+              <a:t>當訓練集</a:t>
+            </a:r>
+            <a:br>
+              <a:rPr lang="en-US" altLang="zh-TW" dirty="0"/>
+            </a:br>
+            <a:br>
+              <a:rPr lang="en-US" altLang="zh-TW" dirty="0"/>
+            </a:br>
+            <a:br>
+              <a:rPr lang="en-US" altLang="zh-TW" dirty="0"/>
+            </a:br>
+            <a:br>
+              <a:rPr lang="en-US" altLang="zh-TW" dirty="0"/>
+            </a:br>
+            <a:endParaRPr lang="en-US" altLang="zh-TW" dirty="0"/>
+          </a:p>
+          <a:p>
+            <a:r>
+              <a:rPr lang="zh-TW" altLang="en-US" dirty="0">
+                <a:latin typeface="標楷體" panose="03000509000000000000" pitchFamily="65" charset="-120"/>
+                <a:ea typeface="標楷體" panose="03000509000000000000" pitchFamily="65" charset="-120"/>
+              </a:rPr>
+              <a:t>剩下</a:t>
+            </a:r>
+            <a:r>
+              <a:rPr lang="en-US" altLang="zh-TW" dirty="0">
+                <a:latin typeface="標楷體" panose="03000509000000000000" pitchFamily="65" charset="-120"/>
+                <a:ea typeface="標楷體" panose="03000509000000000000" pitchFamily="65" charset="-120"/>
+              </a:rPr>
+              <a:t>10%</a:t>
+            </a:r>
+            <a:r>
+              <a:rPr lang="zh-TW" altLang="en-US" dirty="0">
+                <a:latin typeface="標楷體" panose="03000509000000000000" pitchFamily="65" charset="-120"/>
+                <a:ea typeface="標楷體" panose="03000509000000000000" pitchFamily="65" charset="-120"/>
+              </a:rPr>
+              <a:t>當測試集</a:t>
+            </a:r>
+            <a:endParaRPr lang="en-US" altLang="zh-TW" dirty="0">
+              <a:latin typeface="標楷體" panose="03000509000000000000" pitchFamily="65" charset="-120"/>
+              <a:ea typeface="標楷體" panose="03000509000000000000" pitchFamily="65" charset="-120"/>
+            </a:endParaRPr>
           </a:p>
         </p:txBody>
       </p:sp>
       <p:pic>
         <p:nvPicPr>
-          <p:cNvPr id="5" name="內容版面配置區 4">
-            <a:extLst>
-              <a:ext uri="{FF2B5EF4-FFF2-40B4-BE49-F238E27FC236}">
-                <a16:creationId xmlns:a16="http://schemas.microsoft.com/office/drawing/2014/main" id="{BC0A3A4C-7189-78E0-5281-5F8CEA7C47E6}"/>
+          <p:cNvPr id="5" name="圖片 4">
+            <a:extLst>
+              <a:ext uri="{FF2B5EF4-FFF2-40B4-BE49-F238E27FC236}">
+                <a16:creationId xmlns:a16="http://schemas.microsoft.com/office/drawing/2014/main" id="{CBFF0290-E0F5-0092-8172-D753898B80E2}"/>
               </a:ext>
             </a:extLst>
           </p:cNvPr>
           <p:cNvPicPr>
-            <a:picLocks noGrp="1" noChangeAspect="1"/>
+            <a:picLocks noChangeAspect="1"/>
           </p:cNvPicPr>
-          <p:nvPr>
-            <p:ph idx="1"/>
-          </p:nvPr>
+          <p:nvPr/>
         </p:nvPicPr>
-        <p:blipFill rotWithShape="1">
+        <p:blipFill>
           <a:blip r:embed="rId2"/>
-          <a:srcRect r="39333"/>
-          <a:stretch/>
+          <a:stretch>
+            <a:fillRect/>
+          </a:stretch>
         </p:blipFill>
         <p:spPr>
           <a:xfrm>
-            <a:off x="838200" y="1753907"/>
-            <a:ext cx="4693024" cy="4351338"/>
-          </a:xfrm>
-        </p:spPr>
-      </p:pic>
-      <p:sp>
-        <p:nvSpPr>
-          <p:cNvPr id="6" name="文字方塊 5">
-            <a:extLst>
-              <a:ext uri="{FF2B5EF4-FFF2-40B4-BE49-F238E27FC236}">
-                <a16:creationId xmlns:a16="http://schemas.microsoft.com/office/drawing/2014/main" id="{4CFA4188-3E97-719E-278B-1DE6A183A04D}"/>
-              </a:ext>
-            </a:extLst>
-          </p:cNvPr>
-          <p:cNvSpPr txBox="1"/>
-          <p:nvPr/>
-        </p:nvSpPr>
-        <p:spPr>
-          <a:xfrm flipH="1">
-            <a:off x="5953459" y="3532094"/>
-            <a:ext cx="5091058" cy="646331"/>
+            <a:off x="866206" y="2482987"/>
+            <a:ext cx="6020640" cy="666843"/>
           </a:xfrm>
           <a:prstGeom prst="rect">
             <a:avLst/>
           </a:prstGeom>
-          <a:noFill/>
         </p:spPr>
-        <p:txBody>
-          <a:bodyPr wrap="square" rtlCol="0">
-            <a:spAutoFit/>
-          </a:bodyPr>
-          <a:lstStyle/>
-          <a:p>
-            <a:r>
-              <a:rPr lang="zh-TW" altLang="en-US" dirty="0">
-                <a:latin typeface="標楷體" panose="03000509000000000000" pitchFamily="65" charset="-120"/>
-                <a:ea typeface="標楷體" panose="03000509000000000000" pitchFamily="65" charset="-120"/>
-              </a:rPr>
-              <a:t>基於上一頁所說，預計將拿八種錯誤的姿勢經過正規化，變成黑底白線的圖樣，並進行手動修正。</a:t>
-            </a:r>
-          </a:p>
-        </p:txBody>
-      </p:sp>
+      </p:pic>
+      <p:pic>
+        <p:nvPicPr>
+          <p:cNvPr id="7" name="圖片 6">
+            <a:extLst>
+              <a:ext uri="{FF2B5EF4-FFF2-40B4-BE49-F238E27FC236}">
+                <a16:creationId xmlns:a16="http://schemas.microsoft.com/office/drawing/2014/main" id="{AFE27246-F17E-09B3-A174-6AE192ED2B1D}"/>
+              </a:ext>
+            </a:extLst>
+          </p:cNvPr>
+          <p:cNvPicPr>
+            <a:picLocks noChangeAspect="1"/>
+          </p:cNvPicPr>
+          <p:nvPr/>
+        </p:nvPicPr>
+        <p:blipFill>
+          <a:blip r:embed="rId3"/>
+          <a:stretch>
+            <a:fillRect/>
+          </a:stretch>
+        </p:blipFill>
+        <p:spPr>
+          <a:xfrm>
+            <a:off x="866206" y="4375013"/>
+            <a:ext cx="6382641" cy="666843"/>
+          </a:xfrm>
+          <a:prstGeom prst="rect">
+            <a:avLst/>
+          </a:prstGeom>
+        </p:spPr>
+      </p:pic>
     </p:spTree>
     <p:extLst>
       <p:ext uri="{BB962C8B-B14F-4D97-AF65-F5344CB8AC3E}">
-        <p14:creationId xmlns:p14="http://schemas.microsoft.com/office/powerpoint/2010/main" val="2652581726"/>
+        <p14:creationId xmlns:p14="http://schemas.microsoft.com/office/powerpoint/2010/main" val="2952349004"/>
       </p:ext>
     </p:extLst>
   </p:cSld>

--- a/week21進度報告.pptx
+++ b/week21進度報告.pptx
@@ -3359,9 +3359,38 @@
         </p:nvSpPr>
         <p:spPr/>
         <p:txBody>
-          <a:bodyPr/>
-          <a:lstStyle/>
-          <a:p>
+          <a:bodyPr>
+            <a:normAutofit fontScale="90000"/>
+          </a:bodyPr>
+          <a:lstStyle/>
+          <a:p>
+            <a:r>
+              <a:rPr lang="en-US" altLang="zh-TW" dirty="0">
+                <a:latin typeface="標楷體" panose="03000509000000000000" pitchFamily="65" charset="-120"/>
+                <a:ea typeface="標楷體" panose="03000509000000000000" pitchFamily="65" charset="-120"/>
+              </a:rPr>
+              <a:t>Week21</a:t>
+            </a:r>
+            <a:r>
+              <a:rPr lang="zh-TW" altLang="en-US" dirty="0">
+                <a:latin typeface="標楷體" panose="03000509000000000000" pitchFamily="65" charset="-120"/>
+                <a:ea typeface="標楷體" panose="03000509000000000000" pitchFamily="65" charset="-120"/>
+              </a:rPr>
+              <a:t>週報</a:t>
+            </a:r>
+            <a:br>
+              <a:rPr lang="en-US" altLang="zh-TW" dirty="0">
+                <a:latin typeface="標楷體" panose="03000509000000000000" pitchFamily="65" charset="-120"/>
+                <a:ea typeface="標楷體" panose="03000509000000000000" pitchFamily="65" charset="-120"/>
+              </a:rPr>
+            </a:br>
+            <a:r>
+              <a:rPr lang="zh-TW" altLang="en-US" dirty="0">
+                <a:latin typeface="標楷體" panose="03000509000000000000" pitchFamily="65" charset="-120"/>
+                <a:ea typeface="標楷體" panose="03000509000000000000" pitchFamily="65" charset="-120"/>
+              </a:rPr>
+              <a:t>深蹲姿勢智慧調整輔助系統</a:t>
+            </a:r>
             <a:endParaRPr lang="zh-TW" altLang="en-US" dirty="0"/>
           </a:p>
         </p:txBody>
@@ -3387,7 +3416,34 @@
           <a:bodyPr/>
           <a:lstStyle/>
           <a:p>
-            <a:endParaRPr lang="zh-TW" altLang="en-US"/>
+            <a:r>
+              <a:rPr lang="zh-TW" altLang="en-US" dirty="0">
+                <a:latin typeface="標楷體" panose="03000509000000000000" pitchFamily="65" charset="-120"/>
+                <a:ea typeface="標楷體" panose="03000509000000000000" pitchFamily="65" charset="-120"/>
+              </a:rPr>
+              <a:t>組員</a:t>
+            </a:r>
+            <a:r>
+              <a:rPr lang="en-US" altLang="zh-TW" dirty="0">
+                <a:latin typeface="標楷體" panose="03000509000000000000" pitchFamily="65" charset="-120"/>
+                <a:ea typeface="標楷體" panose="03000509000000000000" pitchFamily="65" charset="-120"/>
+              </a:rPr>
+              <a:t>:</a:t>
+            </a:r>
+            <a:r>
+              <a:rPr lang="zh-TW" altLang="en-US" dirty="0">
+                <a:latin typeface="標楷體" panose="03000509000000000000" pitchFamily="65" charset="-120"/>
+                <a:ea typeface="標楷體" panose="03000509000000000000" pitchFamily="65" charset="-120"/>
+              </a:rPr>
+              <a:t>毛裕綸、游俊彥</a:t>
+            </a:r>
+            <a:endParaRPr lang="en-US" altLang="zh-TW" dirty="0">
+              <a:latin typeface="標楷體" panose="03000509000000000000" pitchFamily="65" charset="-120"/>
+              <a:ea typeface="標楷體" panose="03000509000000000000" pitchFamily="65" charset="-120"/>
+            </a:endParaRPr>
+          </a:p>
+          <a:p>
+            <a:endParaRPr lang="zh-TW" altLang="en-US" dirty="0"/>
           </a:p>
         </p:txBody>
       </p:sp>
@@ -4158,7 +4214,7 @@
         </p:nvSpPr>
         <p:spPr>
           <a:xfrm flipH="1">
-            <a:off x="5953459" y="3532094"/>
+            <a:off x="5953459" y="2198245"/>
             <a:ext cx="5091058" cy="646331"/>
           </a:xfrm>
           <a:prstGeom prst="rect">
@@ -4178,6 +4234,116 @@
                 <a:ea typeface="標楷體" panose="03000509000000000000" pitchFamily="65" charset="-120"/>
               </a:rPr>
               <a:t>基於上一頁所說，預計將拿八種錯誤的姿勢經過正規化，變成黑底白線的圖樣，並進行手動修正。</a:t>
+            </a:r>
+          </a:p>
+        </p:txBody>
+      </p:sp>
+      <p:pic>
+        <p:nvPicPr>
+          <p:cNvPr id="4" name="圖片 3">
+            <a:extLst>
+              <a:ext uri="{FF2B5EF4-FFF2-40B4-BE49-F238E27FC236}">
+                <a16:creationId xmlns:a16="http://schemas.microsoft.com/office/drawing/2014/main" id="{AA6926D9-4495-70B2-C389-E158F9177ACA}"/>
+              </a:ext>
+            </a:extLst>
+          </p:cNvPr>
+          <p:cNvPicPr>
+            <a:picLocks noChangeAspect="1"/>
+          </p:cNvPicPr>
+          <p:nvPr/>
+        </p:nvPicPr>
+        <p:blipFill>
+          <a:blip r:embed="rId3"/>
+          <a:stretch>
+            <a:fillRect/>
+          </a:stretch>
+        </p:blipFill>
+        <p:spPr>
+          <a:xfrm>
+            <a:off x="6096000" y="3184240"/>
+            <a:ext cx="3886742" cy="1781424"/>
+          </a:xfrm>
+          <a:prstGeom prst="rect">
+            <a:avLst/>
+          </a:prstGeom>
+        </p:spPr>
+      </p:pic>
+      <p:cxnSp>
+        <p:nvCxnSpPr>
+          <p:cNvPr id="8" name="直線單箭頭接點 7">
+            <a:extLst>
+              <a:ext uri="{FF2B5EF4-FFF2-40B4-BE49-F238E27FC236}">
+                <a16:creationId xmlns:a16="http://schemas.microsoft.com/office/drawing/2014/main" id="{17C094EB-5722-D104-E0D7-C8A1AB371F47}"/>
+              </a:ext>
+            </a:extLst>
+          </p:cNvPr>
+          <p:cNvCxnSpPr/>
+          <p:nvPr/>
+        </p:nvCxnSpPr>
+        <p:spPr>
+          <a:xfrm flipH="1">
+            <a:off x="9714451" y="4311941"/>
+            <a:ext cx="570452" cy="0"/>
+          </a:xfrm>
+          <a:prstGeom prst="straightConnector1">
+            <a:avLst/>
+          </a:prstGeom>
+          <a:ln>
+            <a:tailEnd type="triangle"/>
+          </a:ln>
+        </p:spPr>
+        <p:style>
+          <a:lnRef idx="1">
+            <a:schemeClr val="accent1"/>
+          </a:lnRef>
+          <a:fillRef idx="0">
+            <a:schemeClr val="accent1"/>
+          </a:fillRef>
+          <a:effectRef idx="0">
+            <a:schemeClr val="accent1"/>
+          </a:effectRef>
+          <a:fontRef idx="minor">
+            <a:schemeClr val="tx1"/>
+          </a:fontRef>
+        </p:style>
+      </p:cxnSp>
+      <p:sp>
+        <p:nvSpPr>
+          <p:cNvPr id="9" name="文字方塊 8">
+            <a:extLst>
+              <a:ext uri="{FF2B5EF4-FFF2-40B4-BE49-F238E27FC236}">
+                <a16:creationId xmlns:a16="http://schemas.microsoft.com/office/drawing/2014/main" id="{7762CD1E-B8B6-2952-11D4-96E3EACC5340}"/>
+              </a:ext>
+            </a:extLst>
+          </p:cNvPr>
+          <p:cNvSpPr txBox="1"/>
+          <p:nvPr/>
+        </p:nvSpPr>
+        <p:spPr>
+          <a:xfrm>
+            <a:off x="10245804" y="4127275"/>
+            <a:ext cx="1107996" cy="369332"/>
+          </a:xfrm>
+          <a:prstGeom prst="rect">
+            <a:avLst/>
+          </a:prstGeom>
+          <a:noFill/>
+        </p:spPr>
+        <p:txBody>
+          <a:bodyPr wrap="none" rtlCol="0">
+            <a:spAutoFit/>
+          </a:bodyPr>
+          <a:lstStyle/>
+          <a:p>
+            <a:r>
+              <a:rPr lang="zh-TW" altLang="en-US" dirty="0">
+                <a:solidFill>
+                  <a:srgbClr val="FF0000"/>
+                </a:solidFill>
+                <a:latin typeface="標楷體" panose="03000509000000000000" pitchFamily="65" charset="-120"/>
+                <a:ea typeface="標楷體" panose="03000509000000000000" pitchFamily="65" charset="-120"/>
+              </a:rPr>
+              <a:t>手動修正</a:t>
             </a:r>
           </a:p>
         </p:txBody>
